--- a/A1-ER_modeling.pptx
+++ b/A1-ER_modeling.pptx
@@ -5,10 +5,10 @@
     <p:sldMasterId id="2147483654" r:id="rId1"/>
   </p:sldMasterIdLst>
   <p:notesMasterIdLst>
-    <p:notesMasterId r:id="rId19"/>
+    <p:notesMasterId r:id="rId20"/>
   </p:notesMasterIdLst>
   <p:handoutMasterIdLst>
-    <p:handoutMasterId r:id="rId20"/>
+    <p:handoutMasterId r:id="rId21"/>
   </p:handoutMasterIdLst>
   <p:sldIdLst>
     <p:sldId id="256" r:id="rId2"/>
@@ -18,16 +18,17 @@
     <p:sldId id="279" r:id="rId6"/>
     <p:sldId id="283" r:id="rId7"/>
     <p:sldId id="421" r:id="rId8"/>
-    <p:sldId id="417" r:id="rId9"/>
-    <p:sldId id="420" r:id="rId10"/>
-    <p:sldId id="287" r:id="rId11"/>
-    <p:sldId id="288" r:id="rId12"/>
-    <p:sldId id="289" r:id="rId13"/>
-    <p:sldId id="290" r:id="rId14"/>
-    <p:sldId id="291" r:id="rId15"/>
-    <p:sldId id="292" r:id="rId16"/>
-    <p:sldId id="410" r:id="rId17"/>
-    <p:sldId id="415" r:id="rId18"/>
+    <p:sldId id="422" r:id="rId9"/>
+    <p:sldId id="417" r:id="rId10"/>
+    <p:sldId id="420" r:id="rId11"/>
+    <p:sldId id="287" r:id="rId12"/>
+    <p:sldId id="288" r:id="rId13"/>
+    <p:sldId id="289" r:id="rId14"/>
+    <p:sldId id="290" r:id="rId15"/>
+    <p:sldId id="291" r:id="rId16"/>
+    <p:sldId id="292" r:id="rId17"/>
+    <p:sldId id="410" r:id="rId18"/>
+    <p:sldId id="415" r:id="rId19"/>
   </p:sldIdLst>
   <p:sldSz cx="9144000" cy="6858000" type="screen4x3"/>
   <p:notesSz cx="7010400" cy="9296400"/>
@@ -257,7 +258,7 @@
                 <a:ea typeface="Arial Unicode MS" panose="020B0604020202020204" pitchFamily="34" charset="-128"/>
                 <a:cs typeface="Arial Unicode MS" panose="020B0604020202020204" pitchFamily="34" charset="-128"/>
               </a:rPr>
-              <a:t>4/11/2019</a:t>
+              <a:t>5/26/2019</a:t>
             </a:fld>
             <a:endParaRPr lang="en-US" dirty="0">
               <a:latin typeface="Arial Unicode MS" panose="020B0604020202020204" pitchFamily="34" charset="-128"/>
@@ -663,7 +664,7 @@
       </p:grpSpPr>
       <p:sp>
         <p:nvSpPr>
-          <p:cNvPr id="421" name="Shape 421"/>
+          <p:cNvPr id="2" name="Slide Image Placeholder 1"/>
           <p:cNvSpPr>
             <a:spLocks noGrp="1" noRot="1" noChangeAspect="1"/>
           </p:cNvSpPr>
@@ -671,52 +672,31 @@
             <p:ph type="sldImg"/>
           </p:nvPr>
         </p:nvSpPr>
-        <p:spPr>
-          <a:prstGeom prst="rect">
-            <a:avLst/>
-          </a:prstGeom>
-        </p:spPr>
-        <p:txBody>
-          <a:bodyPr/>
-          <a:lstStyle/>
-          <a:p>
-            <a:pPr lvl="0"/>
-            <a:endParaRPr/>
-          </a:p>
-        </p:txBody>
+        <p:spPr/>
       </p:sp>
       <p:sp>
         <p:nvSpPr>
-          <p:cNvPr id="422" name="Shape 422"/>
+          <p:cNvPr id="3" name="Notes Placeholder 2"/>
           <p:cNvSpPr>
             <a:spLocks noGrp="1"/>
           </p:cNvSpPr>
           <p:nvPr>
-            <p:ph type="body" sz="quarter" idx="1"/>
+            <p:ph type="body" idx="1"/>
           </p:nvPr>
         </p:nvSpPr>
-        <p:spPr>
-          <a:prstGeom prst="rect">
-            <a:avLst/>
-          </a:prstGeom>
-        </p:spPr>
+        <p:spPr/>
         <p:txBody>
           <a:bodyPr/>
           <a:lstStyle/>
           <a:p>
-            <a:pPr lvl="0">
-              <a:defRPr sz="1800"/>
-            </a:pPr>
-            <a:r>
-              <a:t>Here is another example, where we have two entities, the course enticing with attributes…and the offering entity with ….and the relationship that shows that a course has an offering (or is offered) we can see the cardinality represntation, </a:t>
-            </a:r>
+            <a:endParaRPr lang="en-US"/>
           </a:p>
         </p:txBody>
       </p:sp>
     </p:spTree>
     <p:extLst>
       <p:ext uri="{BB962C8B-B14F-4D97-AF65-F5344CB8AC3E}">
-        <p14:creationId xmlns:p14="http://schemas.microsoft.com/office/powerpoint/2010/main" val="1269861236"/>
+        <p14:creationId xmlns:p14="http://schemas.microsoft.com/office/powerpoint/2010/main" val="1531698861"/>
       </p:ext>
     </p:extLst>
   </p:cSld>
@@ -745,7 +725,7 @@
       </p:grpSpPr>
       <p:sp>
         <p:nvSpPr>
-          <p:cNvPr id="2" name="Slide Image Placeholder 1"/>
+          <p:cNvPr id="421" name="Shape 421"/>
           <p:cNvSpPr>
             <a:spLocks noGrp="1" noRot="1" noChangeAspect="1"/>
           </p:cNvSpPr>
@@ -753,31 +733,52 @@
             <p:ph type="sldImg"/>
           </p:nvPr>
         </p:nvSpPr>
-        <p:spPr/>
+        <p:spPr>
+          <a:prstGeom prst="rect">
+            <a:avLst/>
+          </a:prstGeom>
+        </p:spPr>
+        <p:txBody>
+          <a:bodyPr/>
+          <a:lstStyle/>
+          <a:p>
+            <a:pPr lvl="0"/>
+            <a:endParaRPr/>
+          </a:p>
+        </p:txBody>
       </p:sp>
       <p:sp>
         <p:nvSpPr>
-          <p:cNvPr id="3" name="Notes Placeholder 2"/>
+          <p:cNvPr id="422" name="Shape 422"/>
           <p:cNvSpPr>
             <a:spLocks noGrp="1"/>
           </p:cNvSpPr>
           <p:nvPr>
-            <p:ph type="body" idx="1"/>
+            <p:ph type="body" sz="quarter" idx="1"/>
           </p:nvPr>
         </p:nvSpPr>
-        <p:spPr/>
+        <p:spPr>
+          <a:prstGeom prst="rect">
+            <a:avLst/>
+          </a:prstGeom>
+        </p:spPr>
         <p:txBody>
           <a:bodyPr/>
           <a:lstStyle/>
           <a:p>
-            <a:endParaRPr lang="en-US"/>
+            <a:pPr lvl="0">
+              <a:defRPr sz="1800"/>
+            </a:pPr>
+            <a:r>
+              <a:t>Here is another example, where we have two entities, the course enticing with attributes…and the offering entity with ….and the relationship that shows that a course has an offering (or is offered) we can see the cardinality represntation, </a:t>
+            </a:r>
           </a:p>
         </p:txBody>
       </p:sp>
     </p:spTree>
     <p:extLst>
       <p:ext uri="{BB962C8B-B14F-4D97-AF65-F5344CB8AC3E}">
-        <p14:creationId xmlns:p14="http://schemas.microsoft.com/office/powerpoint/2010/main" val="1365297967"/>
+        <p14:creationId xmlns:p14="http://schemas.microsoft.com/office/powerpoint/2010/main" val="1269861236"/>
       </p:ext>
     </p:extLst>
   </p:cSld>
@@ -838,7 +839,7 @@
     </p:spTree>
     <p:extLst>
       <p:ext uri="{BB962C8B-B14F-4D97-AF65-F5344CB8AC3E}">
-        <p14:creationId xmlns:p14="http://schemas.microsoft.com/office/powerpoint/2010/main" val="130651635"/>
+        <p14:creationId xmlns:p14="http://schemas.microsoft.com/office/powerpoint/2010/main" val="1365297967"/>
       </p:ext>
     </p:extLst>
   </p:cSld>
@@ -899,7 +900,7 @@
     </p:spTree>
     <p:extLst>
       <p:ext uri="{BB962C8B-B14F-4D97-AF65-F5344CB8AC3E}">
-        <p14:creationId xmlns:p14="http://schemas.microsoft.com/office/powerpoint/2010/main" val="3580864970"/>
+        <p14:creationId xmlns:p14="http://schemas.microsoft.com/office/powerpoint/2010/main" val="130651635"/>
       </p:ext>
     </p:extLst>
   </p:cSld>
@@ -960,6 +961,67 @@
     </p:spTree>
     <p:extLst>
       <p:ext uri="{BB962C8B-B14F-4D97-AF65-F5344CB8AC3E}">
+        <p14:creationId xmlns:p14="http://schemas.microsoft.com/office/powerpoint/2010/main" val="3580864970"/>
+      </p:ext>
+    </p:extLst>
+  </p:cSld>
+  <p:clrMapOvr>
+    <a:masterClrMapping/>
+  </p:clrMapOvr>
+</p:notes>
+</file>
+
+<file path=ppt/notesSlides/notesSlide15.xml><?xml version="1.0" encoding="utf-8"?>
+<p:notes xmlns:a="http://schemas.openxmlformats.org/drawingml/2006/main" xmlns:r="http://schemas.openxmlformats.org/officeDocument/2006/relationships" xmlns:p="http://schemas.openxmlformats.org/presentationml/2006/main">
+  <p:cSld>
+    <p:spTree>
+      <p:nvGrpSpPr>
+        <p:cNvPr id="1" name=""/>
+        <p:cNvGrpSpPr/>
+        <p:nvPr/>
+      </p:nvGrpSpPr>
+      <p:grpSpPr>
+        <a:xfrm>
+          <a:off x="0" y="0"/>
+          <a:ext cx="0" cy="0"/>
+          <a:chOff x="0" y="0"/>
+          <a:chExt cx="0" cy="0"/>
+        </a:xfrm>
+      </p:grpSpPr>
+      <p:sp>
+        <p:nvSpPr>
+          <p:cNvPr id="2" name="Slide Image Placeholder 1"/>
+          <p:cNvSpPr>
+            <a:spLocks noGrp="1" noRot="1" noChangeAspect="1"/>
+          </p:cNvSpPr>
+          <p:nvPr>
+            <p:ph type="sldImg"/>
+          </p:nvPr>
+        </p:nvSpPr>
+        <p:spPr/>
+      </p:sp>
+      <p:sp>
+        <p:nvSpPr>
+          <p:cNvPr id="3" name="Notes Placeholder 2"/>
+          <p:cNvSpPr>
+            <a:spLocks noGrp="1"/>
+          </p:cNvSpPr>
+          <p:nvPr>
+            <p:ph type="body" idx="1"/>
+          </p:nvPr>
+        </p:nvSpPr>
+        <p:spPr/>
+        <p:txBody>
+          <a:bodyPr/>
+          <a:lstStyle/>
+          <a:p>
+            <a:endParaRPr lang="en-US"/>
+          </a:p>
+        </p:txBody>
+      </p:sp>
+    </p:spTree>
+    <p:extLst>
+      <p:ext uri="{BB962C8B-B14F-4D97-AF65-F5344CB8AC3E}">
         <p14:creationId xmlns:p14="http://schemas.microsoft.com/office/powerpoint/2010/main" val="3480524679"/>
       </p:ext>
     </p:extLst>
@@ -970,7 +1032,7 @@
 </p:notes>
 </file>
 
-<file path=ppt/notesSlides/notesSlide15.xml><?xml version="1.0" encoding="utf-8"?>
+<file path=ppt/notesSlides/notesSlide16.xml><?xml version="1.0" encoding="utf-8"?>
 <p:notes xmlns:a="http://schemas.openxmlformats.org/drawingml/2006/main" xmlns:r="http://schemas.openxmlformats.org/officeDocument/2006/relationships" xmlns:p="http://schemas.openxmlformats.org/presentationml/2006/main">
   <p:cSld>
     <p:spTree>
@@ -1052,7 +1114,7 @@
 </p:notes>
 </file>
 
-<file path=ppt/notesSlides/notesSlide16.xml><?xml version="1.0" encoding="utf-8"?>
+<file path=ppt/notesSlides/notesSlide17.xml><?xml version="1.0" encoding="utf-8"?>
 <p:notes xmlns:a="http://schemas.openxmlformats.org/drawingml/2006/main" xmlns:r="http://schemas.openxmlformats.org/officeDocument/2006/relationships" xmlns:p="http://schemas.openxmlformats.org/presentationml/2006/main">
   <p:cSld>
     <p:spTree>
@@ -1478,6 +1540,11 @@
         </a:xfrm>
       </p:grpSpPr>
     </p:spTree>
+    <p:extLst>
+      <p:ext uri="{BB962C8B-B14F-4D97-AF65-F5344CB8AC3E}">
+        <p14:creationId xmlns:p14="http://schemas.microsoft.com/office/powerpoint/2010/main" val="161653828"/>
+      </p:ext>
+    </p:extLst>
   </p:cSld>
   <p:clrMapOvr>
     <a:masterClrMapping/>
@@ -1503,11 +1570,6 @@
         </a:xfrm>
       </p:grpSpPr>
     </p:spTree>
-    <p:extLst>
-      <p:ext uri="{BB962C8B-B14F-4D97-AF65-F5344CB8AC3E}">
-        <p14:creationId xmlns:p14="http://schemas.microsoft.com/office/powerpoint/2010/main" val="3965397363"/>
-      </p:ext>
-    </p:extLst>
   </p:cSld>
   <p:clrMapOvr>
     <a:masterClrMapping/>
@@ -1532,41 +1594,10 @@
           <a:chExt cx="0" cy="0"/>
         </a:xfrm>
       </p:grpSpPr>
-      <p:sp>
-        <p:nvSpPr>
-          <p:cNvPr id="2" name="Slide Image Placeholder 1"/>
-          <p:cNvSpPr>
-            <a:spLocks noGrp="1" noRot="1" noChangeAspect="1"/>
-          </p:cNvSpPr>
-          <p:nvPr>
-            <p:ph type="sldImg"/>
-          </p:nvPr>
-        </p:nvSpPr>
-        <p:spPr/>
-      </p:sp>
-      <p:sp>
-        <p:nvSpPr>
-          <p:cNvPr id="3" name="Notes Placeholder 2"/>
-          <p:cNvSpPr>
-            <a:spLocks noGrp="1"/>
-          </p:cNvSpPr>
-          <p:nvPr>
-            <p:ph type="body" idx="1"/>
-          </p:nvPr>
-        </p:nvSpPr>
-        <p:spPr/>
-        <p:txBody>
-          <a:bodyPr/>
-          <a:lstStyle/>
-          <a:p>
-            <a:endParaRPr lang="en-US"/>
-          </a:p>
-        </p:txBody>
-      </p:sp>
     </p:spTree>
     <p:extLst>
       <p:ext uri="{BB962C8B-B14F-4D97-AF65-F5344CB8AC3E}">
-        <p14:creationId xmlns:p14="http://schemas.microsoft.com/office/powerpoint/2010/main" val="1531698861"/>
+        <p14:creationId xmlns:p14="http://schemas.microsoft.com/office/powerpoint/2010/main" val="3965397363"/>
       </p:ext>
     </p:extLst>
   </p:cSld>
@@ -1705,7 +1736,7 @@
           <a:p>
             <a:fld id="{E9385586-C094-4874-A3EB-1898CF456001}" type="datetimeFigureOut">
               <a:rPr lang="en-US" smtClean="0"/>
-              <a:t>4/11/2019</a:t>
+              <a:t>5/26/2019</a:t>
             </a:fld>
             <a:endParaRPr lang="en-US"/>
           </a:p>
@@ -1874,7 +1905,7 @@
           <a:p>
             <a:fld id="{E9385586-C094-4874-A3EB-1898CF456001}" type="datetimeFigureOut">
               <a:rPr lang="en-US" smtClean="0"/>
-              <a:t>4/11/2019</a:t>
+              <a:t>5/26/2019</a:t>
             </a:fld>
             <a:endParaRPr lang="en-US"/>
           </a:p>
@@ -2053,7 +2084,7 @@
           <a:p>
             <a:fld id="{E9385586-C094-4874-A3EB-1898CF456001}" type="datetimeFigureOut">
               <a:rPr lang="en-US" smtClean="0"/>
-              <a:t>4/11/2019</a:t>
+              <a:t>5/26/2019</a:t>
             </a:fld>
             <a:endParaRPr lang="en-US"/>
           </a:p>
@@ -2253,7 +2284,7 @@
           <a:p>
             <a:fld id="{E9385586-C094-4874-A3EB-1898CF456001}" type="datetimeFigureOut">
               <a:rPr lang="en-US" smtClean="0"/>
-              <a:t>4/11/2019</a:t>
+              <a:t>5/26/2019</a:t>
             </a:fld>
             <a:endParaRPr lang="en-US"/>
           </a:p>
@@ -2498,7 +2529,7 @@
           <a:p>
             <a:fld id="{E9385586-C094-4874-A3EB-1898CF456001}" type="datetimeFigureOut">
               <a:rPr lang="en-US" smtClean="0"/>
-              <a:t>4/11/2019</a:t>
+              <a:t>5/26/2019</a:t>
             </a:fld>
             <a:endParaRPr lang="en-US"/>
           </a:p>
@@ -2728,7 +2759,7 @@
           <a:p>
             <a:fld id="{E9385586-C094-4874-A3EB-1898CF456001}" type="datetimeFigureOut">
               <a:rPr lang="en-US" smtClean="0"/>
-              <a:t>4/11/2019</a:t>
+              <a:t>5/26/2019</a:t>
             </a:fld>
             <a:endParaRPr lang="en-US"/>
           </a:p>
@@ -3093,7 +3124,7 @@
           <a:p>
             <a:fld id="{E9385586-C094-4874-A3EB-1898CF456001}" type="datetimeFigureOut">
               <a:rPr lang="en-US" smtClean="0"/>
-              <a:t>4/11/2019</a:t>
+              <a:t>5/26/2019</a:t>
             </a:fld>
             <a:endParaRPr lang="en-US"/>
           </a:p>
@@ -3211,7 +3242,7 @@
           <a:p>
             <a:fld id="{E9385586-C094-4874-A3EB-1898CF456001}" type="datetimeFigureOut">
               <a:rPr lang="en-US" smtClean="0"/>
-              <a:t>4/11/2019</a:t>
+              <a:t>5/26/2019</a:t>
             </a:fld>
             <a:endParaRPr lang="en-US"/>
           </a:p>
@@ -3306,7 +3337,7 @@
           <a:p>
             <a:fld id="{E9385586-C094-4874-A3EB-1898CF456001}" type="datetimeFigureOut">
               <a:rPr lang="en-US" smtClean="0"/>
-              <a:t>4/11/2019</a:t>
+              <a:t>5/26/2019</a:t>
             </a:fld>
             <a:endParaRPr lang="en-US"/>
           </a:p>
@@ -3582,7 +3613,7 @@
           <a:p>
             <a:fld id="{E9385586-C094-4874-A3EB-1898CF456001}" type="datetimeFigureOut">
               <a:rPr lang="en-US" smtClean="0"/>
-              <a:t>4/11/2019</a:t>
+              <a:t>5/26/2019</a:t>
             </a:fld>
             <a:endParaRPr lang="en-US"/>
           </a:p>
@@ -3835,7 +3866,7 @@
           <a:p>
             <a:fld id="{E9385586-C094-4874-A3EB-1898CF456001}" type="datetimeFigureOut">
               <a:rPr lang="en-US" smtClean="0"/>
-              <a:t>4/11/2019</a:t>
+              <a:t>5/26/2019</a:t>
             </a:fld>
             <a:endParaRPr lang="en-US"/>
           </a:p>
@@ -4051,7 +4082,7 @@
             <a:fld id="{E9385586-C094-4874-A3EB-1898CF456001}" type="datetimeFigureOut">
               <a:rPr lang="en-US" smtClean="0"/>
               <a:pPr/>
-              <a:t>4/11/2019</a:t>
+              <a:t>5/26/2019</a:t>
             </a:fld>
             <a:endParaRPr lang="en-US" dirty="0"/>
           </a:p>
@@ -4483,7 +4514,7 @@
           </a:ln>
           <a:extLst>
             <a:ext uri="{C572A759-6A51-4108-AA02-DFA0A04FC94B}">
-              <ma14:wrappingTextBoxFlag xmlns="" xmlns:ma14="http://schemas.microsoft.com/office/mac/drawingml/2011/main" val="1"/>
+              <ma14:wrappingTextBoxFlag xmlns:ma14="http://schemas.microsoft.com/office/mac/drawingml/2011/main" xmlns="" val="1"/>
             </a:ext>
           </a:extLst>
         </p:spPr>
@@ -4536,6 +4567,2024 @@
 </file>
 
 <file path=ppt/slides/slide10.xml><?xml version="1.0" encoding="utf-8"?>
+<p:sld xmlns:a="http://schemas.openxmlformats.org/drawingml/2006/main" xmlns:r="http://schemas.openxmlformats.org/officeDocument/2006/relationships" xmlns:p="http://schemas.openxmlformats.org/presentationml/2006/main">
+  <p:cSld>
+    <p:spTree>
+      <p:nvGrpSpPr>
+        <p:cNvPr id="1" name=""/>
+        <p:cNvGrpSpPr/>
+        <p:nvPr/>
+      </p:nvGrpSpPr>
+      <p:grpSpPr>
+        <a:xfrm>
+          <a:off x="0" y="0"/>
+          <a:ext cx="0" cy="0"/>
+          <a:chOff x="0" y="0"/>
+          <a:chExt cx="0" cy="0"/>
+        </a:xfrm>
+      </p:grpSpPr>
+      <p:sp>
+        <p:nvSpPr>
+          <p:cNvPr id="384" name="Shape 384"/>
+          <p:cNvSpPr/>
+          <p:nvPr/>
+        </p:nvSpPr>
+        <p:spPr>
+          <a:xfrm>
+            <a:off x="386308" y="147496"/>
+            <a:ext cx="8411463" cy="461665"/>
+          </a:xfrm>
+          <a:prstGeom prst="rect">
+            <a:avLst/>
+          </a:prstGeom>
+          <a:ln w="12700">
+            <a:miter lim="400000"/>
+          </a:ln>
+          <a:extLst>
+            <a:ext uri="{C572A759-6A51-4108-AA02-DFA0A04FC94B}">
+              <ma14:wrappingTextBoxFlag xmlns:ma14="http://schemas.microsoft.com/office/mac/drawingml/2011/main" xmlns="" val="1"/>
+            </a:ext>
+          </a:extLst>
+        </p:spPr>
+        <p:txBody>
+          <a:bodyPr wrap="square" lIns="0" tIns="0" rIns="0" bIns="0">
+            <a:spAutoFit/>
+          </a:bodyPr>
+          <a:lstStyle>
+            <a:lvl1pPr>
+              <a:defRPr sz="3000" b="1">
+                <a:uFill>
+                  <a:solidFill>
+                    <a:srgbClr val="FFFFFF"/>
+                  </a:solidFill>
+                </a:uFill>
+              </a:defRPr>
+            </a:lvl1pPr>
+          </a:lstStyle>
+          <a:p>
+            <a:pPr lvl="0">
+              <a:defRPr sz="1800" b="0">
+                <a:solidFill>
+                  <a:srgbClr val="000000"/>
+                </a:solidFill>
+                <a:uFillTx/>
+              </a:defRPr>
+            </a:pPr>
+            <a:r>
+              <a:rPr lang="en-US" sz="3000" b="0" dirty="0">
+                <a:solidFill>
+                  <a:srgbClr val="57068C"/>
+                </a:solidFill>
+                <a:uFill>
+                  <a:solidFill>
+                    <a:srgbClr val="FFFFFF"/>
+                  </a:solidFill>
+                </a:uFill>
+                <a:latin typeface="Arial Unicode MS" panose="020B0604020202020204" pitchFamily="34" charset="-128"/>
+                <a:ea typeface="Arial Unicode MS" panose="020B0604020202020204" pitchFamily="34" charset="-128"/>
+                <a:cs typeface="Arial Unicode MS" panose="020B0604020202020204" pitchFamily="34" charset="-128"/>
+              </a:rPr>
+              <a:t>Relationship </a:t>
+            </a:r>
+            <a:r>
+              <a:rPr sz="3000" b="0" dirty="0">
+                <a:solidFill>
+                  <a:srgbClr val="57068C"/>
+                </a:solidFill>
+                <a:uFill>
+                  <a:solidFill>
+                    <a:srgbClr val="FFFFFF"/>
+                  </a:solidFill>
+                </a:uFill>
+                <a:latin typeface="Arial Unicode MS" panose="020B0604020202020204" pitchFamily="34" charset="-128"/>
+                <a:ea typeface="Arial Unicode MS" panose="020B0604020202020204" pitchFamily="34" charset="-128"/>
+                <a:cs typeface="Arial Unicode MS" panose="020B0604020202020204" pitchFamily="34" charset="-128"/>
+              </a:rPr>
+              <a:t>Cardinalit</a:t>
+            </a:r>
+            <a:r>
+              <a:rPr lang="en-US" sz="3000" b="0" dirty="0">
+                <a:solidFill>
+                  <a:srgbClr val="57068C"/>
+                </a:solidFill>
+                <a:uFill>
+                  <a:solidFill>
+                    <a:srgbClr val="FFFFFF"/>
+                  </a:solidFill>
+                </a:uFill>
+                <a:latin typeface="Arial Unicode MS" panose="020B0604020202020204" pitchFamily="34" charset="-128"/>
+                <a:ea typeface="Arial Unicode MS" panose="020B0604020202020204" pitchFamily="34" charset="-128"/>
+                <a:cs typeface="Arial Unicode MS" panose="020B0604020202020204" pitchFamily="34" charset="-128"/>
+              </a:rPr>
+              <a:t>y: Participation constraints</a:t>
+            </a:r>
+            <a:endParaRPr sz="3000" b="0" dirty="0">
+              <a:solidFill>
+                <a:srgbClr val="57068C"/>
+              </a:solidFill>
+              <a:uFill>
+                <a:solidFill>
+                  <a:srgbClr val="FFFFFF"/>
+                </a:solidFill>
+              </a:uFill>
+              <a:latin typeface="Arial Unicode MS" panose="020B0604020202020204" pitchFamily="34" charset="-128"/>
+              <a:ea typeface="Arial Unicode MS" panose="020B0604020202020204" pitchFamily="34" charset="-128"/>
+              <a:cs typeface="Arial Unicode MS" panose="020B0604020202020204" pitchFamily="34" charset="-128"/>
+            </a:endParaRPr>
+          </a:p>
+        </p:txBody>
+      </p:sp>
+      <p:sp>
+        <p:nvSpPr>
+          <p:cNvPr id="385" name="Shape 385"/>
+          <p:cNvSpPr/>
+          <p:nvPr/>
+        </p:nvSpPr>
+        <p:spPr>
+          <a:xfrm>
+            <a:off x="469899" y="944759"/>
+            <a:ext cx="8230218" cy="1320874"/>
+          </a:xfrm>
+          <a:prstGeom prst="rect">
+            <a:avLst/>
+          </a:prstGeom>
+          <a:ln w="12700">
+            <a:miter lim="400000"/>
+          </a:ln>
+          <a:extLst>
+            <a:ext uri="{C572A759-6A51-4108-AA02-DFA0A04FC94B}">
+              <ma14:wrappingTextBoxFlag xmlns:ma14="http://schemas.microsoft.com/office/mac/drawingml/2011/main" xmlns="" val="1"/>
+            </a:ext>
+          </a:extLst>
+        </p:spPr>
+        <p:txBody>
+          <a:bodyPr wrap="square" lIns="0" tIns="0" rIns="0" bIns="0">
+            <a:spAutoFit/>
+          </a:bodyPr>
+          <a:lstStyle>
+            <a:lvl1pPr marL="342900" indent="-304800">
+              <a:spcBef>
+                <a:spcPts val="700"/>
+              </a:spcBef>
+              <a:buSzPct val="50000"/>
+              <a:buBlip>
+                <a:blip r:embed="rId3"/>
+              </a:buBlip>
+              <a:defRPr sz="2600">
+                <a:solidFill>
+                  <a:srgbClr val="01106D"/>
+                </a:solidFill>
+                <a:latin typeface="Iowan Old Style Roman"/>
+                <a:ea typeface="Iowan Old Style Roman"/>
+                <a:cs typeface="Iowan Old Style Roman"/>
+                <a:sym typeface="Iowan Old Style Roman"/>
+              </a:defRPr>
+            </a:lvl1pPr>
+          </a:lstStyle>
+          <a:p>
+            <a:pPr lvl="0">
+              <a:defRPr sz="1800">
+                <a:solidFill>
+                  <a:srgbClr val="000000"/>
+                </a:solidFill>
+                <a:uFillTx/>
+              </a:defRPr>
+            </a:pPr>
+            <a:r>
+              <a:rPr sz="2000" dirty="0">
+                <a:solidFill>
+                  <a:schemeClr val="tx1"/>
+                </a:solidFill>
+                <a:uFill>
+                  <a:solidFill/>
+                </a:uFill>
+                <a:latin typeface="Arial Unicode MS" panose="020B0604020202020204" pitchFamily="34" charset="-128"/>
+                <a:ea typeface="Arial Unicode MS" panose="020B0604020202020204" pitchFamily="34" charset="-128"/>
+                <a:cs typeface="Arial Unicode MS" panose="020B0604020202020204" pitchFamily="34" charset="-128"/>
+              </a:rPr>
+              <a:t>Cardinalities describe the number of instances that participate in a relationshi</a:t>
+            </a:r>
+            <a:r>
+              <a:rPr lang="en-US" sz="2000" dirty="0">
+                <a:solidFill>
+                  <a:schemeClr val="tx1"/>
+                </a:solidFill>
+                <a:uFill>
+                  <a:solidFill/>
+                </a:uFill>
+                <a:latin typeface="Arial Unicode MS" panose="020B0604020202020204" pitchFamily="34" charset="-128"/>
+                <a:ea typeface="Arial Unicode MS" panose="020B0604020202020204" pitchFamily="34" charset="-128"/>
+                <a:cs typeface="Arial Unicode MS" panose="020B0604020202020204" pitchFamily="34" charset="-128"/>
+              </a:rPr>
+              <a:t>p</a:t>
+            </a:r>
+          </a:p>
+          <a:p>
+            <a:pPr lvl="0">
+              <a:defRPr sz="1800">
+                <a:solidFill>
+                  <a:srgbClr val="000000"/>
+                </a:solidFill>
+                <a:uFillTx/>
+              </a:defRPr>
+            </a:pPr>
+            <a:r>
+              <a:rPr lang="en-US" sz="2000" b="1" dirty="0">
+                <a:solidFill>
+                  <a:srgbClr val="57068C"/>
+                </a:solidFill>
+                <a:latin typeface="Arial Unicode MS" panose="020B0604020202020204" pitchFamily="34" charset="-128"/>
+                <a:ea typeface="Arial Unicode MS" panose="020B0604020202020204" pitchFamily="34" charset="-128"/>
+                <a:cs typeface="Arial Unicode MS" panose="020B0604020202020204" pitchFamily="34" charset="-128"/>
+              </a:rPr>
+              <a:t>Participation</a:t>
+            </a:r>
+            <a:r>
+              <a:rPr lang="en-US" sz="2000" b="1" dirty="0">
+                <a:solidFill>
+                  <a:schemeClr val="tx1"/>
+                </a:solidFill>
+                <a:latin typeface="Arial Unicode MS" panose="020B0604020202020204" pitchFamily="34" charset="-128"/>
+                <a:ea typeface="Arial Unicode MS" panose="020B0604020202020204" pitchFamily="34" charset="-128"/>
+                <a:cs typeface="Arial Unicode MS" panose="020B0604020202020204" pitchFamily="34" charset="-128"/>
+              </a:rPr>
+              <a:t> constraint</a:t>
+            </a:r>
+            <a:r>
+              <a:rPr lang="en-US" sz="2000" dirty="0">
+                <a:solidFill>
+                  <a:schemeClr val="tx1"/>
+                </a:solidFill>
+                <a:latin typeface="Arial Unicode MS" panose="020B0604020202020204" pitchFamily="34" charset="-128"/>
+                <a:ea typeface="Arial Unicode MS" panose="020B0604020202020204" pitchFamily="34" charset="-128"/>
+                <a:cs typeface="Arial Unicode MS" panose="020B0604020202020204" pitchFamily="34" charset="-128"/>
+              </a:rPr>
+              <a:t>: </a:t>
+            </a:r>
+            <a:r>
+              <a:rPr lang="en-US" sz="2000" b="1" dirty="0">
+                <a:solidFill>
+                  <a:srgbClr val="57068C"/>
+                </a:solidFill>
+                <a:latin typeface="Arial Unicode MS" panose="020B0604020202020204" pitchFamily="34" charset="-128"/>
+                <a:ea typeface="Arial Unicode MS" panose="020B0604020202020204" pitchFamily="34" charset="-128"/>
+                <a:cs typeface="Arial Unicode MS" panose="020B0604020202020204" pitchFamily="34" charset="-128"/>
+              </a:rPr>
+              <a:t>Minimum</a:t>
+            </a:r>
+            <a:r>
+              <a:rPr lang="en-US" sz="2000" dirty="0">
+                <a:solidFill>
+                  <a:schemeClr val="tx1"/>
+                </a:solidFill>
+                <a:latin typeface="Arial Unicode MS" panose="020B0604020202020204" pitchFamily="34" charset="-128"/>
+                <a:ea typeface="Arial Unicode MS" panose="020B0604020202020204" pitchFamily="34" charset="-128"/>
+                <a:cs typeface="Arial Unicode MS" panose="020B0604020202020204" pitchFamily="34" charset="-128"/>
+              </a:rPr>
+              <a:t> number of relationships for each instance</a:t>
+            </a:r>
+            <a:endParaRPr lang="en-US" sz="2000" dirty="0">
+              <a:solidFill>
+                <a:schemeClr val="tx1"/>
+              </a:solidFill>
+              <a:uFill>
+                <a:solidFill/>
+              </a:uFill>
+              <a:latin typeface="Arial Unicode MS" panose="020B0604020202020204" pitchFamily="34" charset="-128"/>
+              <a:ea typeface="Arial Unicode MS" panose="020B0604020202020204" pitchFamily="34" charset="-128"/>
+              <a:cs typeface="Arial Unicode MS" panose="020B0604020202020204" pitchFamily="34" charset="-128"/>
+            </a:endParaRPr>
+          </a:p>
+        </p:txBody>
+      </p:sp>
+      <p:graphicFrame>
+        <p:nvGraphicFramePr>
+          <p:cNvPr id="386" name="Table 386"/>
+          <p:cNvGraphicFramePr/>
+          <p:nvPr>
+            <p:extLst/>
+          </p:nvPr>
+        </p:nvGraphicFramePr>
+        <p:xfrm>
+          <a:off x="4873680" y="2798064"/>
+          <a:ext cx="1455489" cy="1857759"/>
+        </p:xfrm>
+        <a:graphic>
+          <a:graphicData uri="http://schemas.openxmlformats.org/drawingml/2006/table">
+            <a:tbl>
+              <a:tblPr firstRow="1" bandRow="1">
+                <a:tableStyleId>{4C3C2611-4C71-4FC5-86AE-919BDF0F9419}</a:tableStyleId>
+              </a:tblPr>
+              <a:tblGrid>
+                <a:gridCol w="1455489">
+                  <a:extLst>
+                    <a:ext uri="{9D8B030D-6E8A-4147-A177-3AD203B41FA5}">
+                      <a16:colId xmlns:a16="http://schemas.microsoft.com/office/drawing/2014/main" val="20000"/>
+                    </a:ext>
+                  </a:extLst>
+                </a:gridCol>
+              </a:tblGrid>
+              <a:tr h="473459">
+                <a:tc>
+                  <a:txBody>
+                    <a:bodyPr/>
+                    <a:lstStyle/>
+                    <a:p>
+                      <a:pPr lvl="0" algn="l">
+                        <a:spcBef>
+                          <a:spcPts val="500"/>
+                        </a:spcBef>
+                        <a:defRPr sz="1800" b="0" i="0">
+                          <a:solidFill>
+                            <a:srgbClr val="000000"/>
+                          </a:solidFill>
+                          <a:uFillTx/>
+                        </a:defRPr>
+                      </a:pPr>
+                      <a:r>
+                        <a:rPr sz="2200" b="1" i="1" dirty="0">
+                          <a:solidFill>
+                            <a:srgbClr val="FFFFFF"/>
+                          </a:solidFill>
+                          <a:uFill>
+                            <a:solidFill>
+                              <a:srgbClr val="FFFFFF"/>
+                            </a:solidFill>
+                          </a:uFill>
+                          <a:latin typeface="Arial Unicode MS" panose="020B0604020202020204" pitchFamily="34" charset="-128"/>
+                        </a:rPr>
+                        <a:t>Students</a:t>
+                      </a:r>
+                    </a:p>
+                  </a:txBody>
+                  <a:tcPr marL="63500" marR="63500" marT="63500" marB="63500" horzOverflow="overflow">
+                    <a:lnL w="12700">
+                      <a:miter lim="400000"/>
+                    </a:lnL>
+                    <a:lnR w="12700">
+                      <a:miter lim="400000"/>
+                    </a:lnR>
+                    <a:lnT w="12700">
+                      <a:miter lim="400000"/>
+                    </a:lnT>
+                    <a:lnB w="12700">
+                      <a:miter lim="400000"/>
+                    </a:lnB>
+                  </a:tcPr>
+                </a:tc>
+                <a:extLst>
+                  <a:ext uri="{0D108BD9-81ED-4DB2-BD59-A6C34878D82A}">
+                    <a16:rowId xmlns:a16="http://schemas.microsoft.com/office/drawing/2014/main" val="10000"/>
+                  </a:ext>
+                </a:extLst>
+              </a:tr>
+              <a:tr h="469900">
+                <a:tc>
+                  <a:txBody>
+                    <a:bodyPr/>
+                    <a:lstStyle/>
+                    <a:p>
+                      <a:pPr lvl="0" algn="ctr">
+                        <a:defRPr sz="1800">
+                          <a:solidFill>
+                            <a:srgbClr val="000000"/>
+                          </a:solidFill>
+                          <a:uFillTx/>
+                        </a:defRPr>
+                      </a:pPr>
+                      <a:r>
+                        <a:rPr dirty="0">
+                          <a:solidFill>
+                            <a:srgbClr val="191164"/>
+                          </a:solidFill>
+                          <a:uFill>
+                            <a:solidFill/>
+                          </a:uFill>
+                          <a:latin typeface="Arial Unicode MS" panose="020B0604020202020204" pitchFamily="34" charset="-128"/>
+                        </a:rPr>
+                        <a:t>Student 1</a:t>
+                      </a:r>
+                    </a:p>
+                  </a:txBody>
+                  <a:tcPr marL="63500" marR="63500" marT="63500" marB="63500" horzOverflow="overflow">
+                    <a:lnL w="12700">
+                      <a:miter lim="400000"/>
+                    </a:lnL>
+                    <a:lnR w="12700">
+                      <a:miter lim="400000"/>
+                    </a:lnR>
+                    <a:lnT w="12700">
+                      <a:miter lim="400000"/>
+                    </a:lnT>
+                    <a:lnB w="12700">
+                      <a:miter lim="400000"/>
+                    </a:lnB>
+                  </a:tcPr>
+                </a:tc>
+                <a:extLst>
+                  <a:ext uri="{0D108BD9-81ED-4DB2-BD59-A6C34878D82A}">
+                    <a16:rowId xmlns:a16="http://schemas.microsoft.com/office/drawing/2014/main" val="10001"/>
+                  </a:ext>
+                </a:extLst>
+              </a:tr>
+              <a:tr h="457200">
+                <a:tc>
+                  <a:txBody>
+                    <a:bodyPr/>
+                    <a:lstStyle/>
+                    <a:p>
+                      <a:pPr lvl="0" algn="ctr">
+                        <a:defRPr sz="1800">
+                          <a:solidFill>
+                            <a:srgbClr val="000000"/>
+                          </a:solidFill>
+                          <a:uFillTx/>
+                        </a:defRPr>
+                      </a:pPr>
+                      <a:r>
+                        <a:rPr dirty="0">
+                          <a:solidFill>
+                            <a:srgbClr val="191164"/>
+                          </a:solidFill>
+                          <a:uFill>
+                            <a:solidFill/>
+                          </a:uFill>
+                          <a:latin typeface="Arial Unicode MS" panose="020B0604020202020204" pitchFamily="34" charset="-128"/>
+                        </a:rPr>
+                        <a:t>Student 2</a:t>
+                      </a:r>
+                    </a:p>
+                  </a:txBody>
+                  <a:tcPr marL="63500" marR="63500" marT="63500" marB="63500" horzOverflow="overflow">
+                    <a:lnL w="12700">
+                      <a:miter lim="400000"/>
+                    </a:lnL>
+                    <a:lnR w="12700">
+                      <a:miter lim="400000"/>
+                    </a:lnR>
+                    <a:lnT w="12700">
+                      <a:miter lim="400000"/>
+                    </a:lnT>
+                    <a:lnB w="12700">
+                      <a:miter lim="400000"/>
+                    </a:lnB>
+                  </a:tcPr>
+                </a:tc>
+                <a:extLst>
+                  <a:ext uri="{0D108BD9-81ED-4DB2-BD59-A6C34878D82A}">
+                    <a16:rowId xmlns:a16="http://schemas.microsoft.com/office/drawing/2014/main" val="10002"/>
+                  </a:ext>
+                </a:extLst>
+              </a:tr>
+              <a:tr h="457200">
+                <a:tc>
+                  <a:txBody>
+                    <a:bodyPr/>
+                    <a:lstStyle/>
+                    <a:p>
+                      <a:pPr lvl="0" algn="ctr">
+                        <a:defRPr sz="1800">
+                          <a:solidFill>
+                            <a:srgbClr val="000000"/>
+                          </a:solidFill>
+                          <a:uFillTx/>
+                        </a:defRPr>
+                      </a:pPr>
+                      <a:r>
+                        <a:rPr dirty="0">
+                          <a:solidFill>
+                            <a:srgbClr val="191164"/>
+                          </a:solidFill>
+                          <a:uFill>
+                            <a:solidFill/>
+                          </a:uFill>
+                          <a:latin typeface="Arial Unicode MS" panose="020B0604020202020204" pitchFamily="34" charset="-128"/>
+                        </a:rPr>
+                        <a:t>Student 3</a:t>
+                      </a:r>
+                    </a:p>
+                  </a:txBody>
+                  <a:tcPr marL="63500" marR="63500" marT="63500" marB="63500" horzOverflow="overflow">
+                    <a:lnL w="12700">
+                      <a:miter lim="400000"/>
+                    </a:lnL>
+                    <a:lnR w="12700">
+                      <a:miter lim="400000"/>
+                    </a:lnR>
+                    <a:lnT w="12700">
+                      <a:miter lim="400000"/>
+                    </a:lnT>
+                    <a:lnB w="12700">
+                      <a:miter lim="400000"/>
+                    </a:lnB>
+                  </a:tcPr>
+                </a:tc>
+                <a:extLst>
+                  <a:ext uri="{0D108BD9-81ED-4DB2-BD59-A6C34878D82A}">
+                    <a16:rowId xmlns:a16="http://schemas.microsoft.com/office/drawing/2014/main" val="10003"/>
+                  </a:ext>
+                </a:extLst>
+              </a:tr>
+            </a:tbl>
+          </a:graphicData>
+        </a:graphic>
+      </p:graphicFrame>
+      <p:graphicFrame>
+        <p:nvGraphicFramePr>
+          <p:cNvPr id="387" name="Table 387"/>
+          <p:cNvGraphicFramePr/>
+          <p:nvPr>
+            <p:extLst/>
+          </p:nvPr>
+        </p:nvGraphicFramePr>
+        <p:xfrm>
+          <a:off x="7555523" y="2798064"/>
+          <a:ext cx="1320800" cy="2314959"/>
+        </p:xfrm>
+        <a:graphic>
+          <a:graphicData uri="http://schemas.openxmlformats.org/drawingml/2006/table">
+            <a:tbl>
+              <a:tblPr firstRow="1" bandRow="1">
+                <a:tableStyleId>{4C3C2611-4C71-4FC5-86AE-919BDF0F9419}</a:tableStyleId>
+              </a:tblPr>
+              <a:tblGrid>
+                <a:gridCol w="1320800">
+                  <a:extLst>
+                    <a:ext uri="{9D8B030D-6E8A-4147-A177-3AD203B41FA5}">
+                      <a16:colId xmlns:a16="http://schemas.microsoft.com/office/drawing/2014/main" val="20000"/>
+                    </a:ext>
+                  </a:extLst>
+                </a:gridCol>
+              </a:tblGrid>
+              <a:tr h="473459">
+                <a:tc>
+                  <a:txBody>
+                    <a:bodyPr/>
+                    <a:lstStyle/>
+                    <a:p>
+                      <a:pPr lvl="0" algn="l">
+                        <a:spcBef>
+                          <a:spcPts val="500"/>
+                        </a:spcBef>
+                        <a:defRPr sz="1800" b="0" i="0">
+                          <a:solidFill>
+                            <a:srgbClr val="000000"/>
+                          </a:solidFill>
+                          <a:uFillTx/>
+                        </a:defRPr>
+                      </a:pPr>
+                      <a:r>
+                        <a:rPr sz="2200" b="1" i="1" dirty="0">
+                          <a:solidFill>
+                            <a:srgbClr val="FFFFFF"/>
+                          </a:solidFill>
+                          <a:uFill>
+                            <a:solidFill>
+                              <a:srgbClr val="FFFFFF"/>
+                            </a:solidFill>
+                          </a:uFill>
+                          <a:latin typeface="Arial Unicode MS" panose="020B0604020202020204" pitchFamily="34" charset="-128"/>
+                        </a:rPr>
+                        <a:t>Courses</a:t>
+                      </a:r>
+                    </a:p>
+                  </a:txBody>
+                  <a:tcPr marL="63500" marR="63500" marT="63500" marB="63500" horzOverflow="overflow">
+                    <a:lnL w="12700">
+                      <a:miter lim="400000"/>
+                    </a:lnL>
+                    <a:lnR w="12700">
+                      <a:miter lim="400000"/>
+                    </a:lnR>
+                    <a:lnT w="12700">
+                      <a:miter lim="400000"/>
+                    </a:lnT>
+                    <a:lnB w="12700">
+                      <a:miter lim="400000"/>
+                    </a:lnB>
+                  </a:tcPr>
+                </a:tc>
+                <a:extLst>
+                  <a:ext uri="{0D108BD9-81ED-4DB2-BD59-A6C34878D82A}">
+                    <a16:rowId xmlns:a16="http://schemas.microsoft.com/office/drawing/2014/main" val="10000"/>
+                  </a:ext>
+                </a:extLst>
+              </a:tr>
+              <a:tr h="469900">
+                <a:tc>
+                  <a:txBody>
+                    <a:bodyPr/>
+                    <a:lstStyle/>
+                    <a:p>
+                      <a:pPr lvl="0" algn="ctr">
+                        <a:defRPr sz="1800">
+                          <a:solidFill>
+                            <a:srgbClr val="000000"/>
+                          </a:solidFill>
+                          <a:uFillTx/>
+                        </a:defRPr>
+                      </a:pPr>
+                      <a:r>
+                        <a:rPr dirty="0">
+                          <a:solidFill>
+                            <a:srgbClr val="191164"/>
+                          </a:solidFill>
+                          <a:uFill>
+                            <a:solidFill/>
+                          </a:uFill>
+                          <a:latin typeface="Arial Unicode MS" panose="020B0604020202020204" pitchFamily="34" charset="-128"/>
+                        </a:rPr>
+                        <a:t>Course 1</a:t>
+                      </a:r>
+                    </a:p>
+                  </a:txBody>
+                  <a:tcPr marL="63500" marR="63500" marT="63500" marB="63500" horzOverflow="overflow">
+                    <a:lnL w="12700">
+                      <a:miter lim="400000"/>
+                    </a:lnL>
+                    <a:lnR w="12700">
+                      <a:miter lim="400000"/>
+                    </a:lnR>
+                    <a:lnT w="12700">
+                      <a:miter lim="400000"/>
+                    </a:lnT>
+                    <a:lnB w="12700">
+                      <a:miter lim="400000"/>
+                    </a:lnB>
+                  </a:tcPr>
+                </a:tc>
+                <a:extLst>
+                  <a:ext uri="{0D108BD9-81ED-4DB2-BD59-A6C34878D82A}">
+                    <a16:rowId xmlns:a16="http://schemas.microsoft.com/office/drawing/2014/main" val="10001"/>
+                  </a:ext>
+                </a:extLst>
+              </a:tr>
+              <a:tr h="457200">
+                <a:tc>
+                  <a:txBody>
+                    <a:bodyPr/>
+                    <a:lstStyle/>
+                    <a:p>
+                      <a:pPr lvl="0" algn="ctr">
+                        <a:defRPr sz="1800">
+                          <a:solidFill>
+                            <a:srgbClr val="000000"/>
+                          </a:solidFill>
+                          <a:uFillTx/>
+                        </a:defRPr>
+                      </a:pPr>
+                      <a:r>
+                        <a:rPr dirty="0">
+                          <a:solidFill>
+                            <a:srgbClr val="191164"/>
+                          </a:solidFill>
+                          <a:uFill>
+                            <a:solidFill/>
+                          </a:uFill>
+                          <a:latin typeface="Arial Unicode MS" panose="020B0604020202020204" pitchFamily="34" charset="-128"/>
+                        </a:rPr>
+                        <a:t>Course 2</a:t>
+                      </a:r>
+                    </a:p>
+                  </a:txBody>
+                  <a:tcPr marL="63500" marR="63500" marT="63500" marB="63500" horzOverflow="overflow">
+                    <a:lnL w="12700">
+                      <a:miter lim="400000"/>
+                    </a:lnL>
+                    <a:lnR w="12700">
+                      <a:miter lim="400000"/>
+                    </a:lnR>
+                    <a:lnT w="12700">
+                      <a:miter lim="400000"/>
+                    </a:lnT>
+                    <a:lnB w="12700">
+                      <a:miter lim="400000"/>
+                    </a:lnB>
+                  </a:tcPr>
+                </a:tc>
+                <a:extLst>
+                  <a:ext uri="{0D108BD9-81ED-4DB2-BD59-A6C34878D82A}">
+                    <a16:rowId xmlns:a16="http://schemas.microsoft.com/office/drawing/2014/main" val="10002"/>
+                  </a:ext>
+                </a:extLst>
+              </a:tr>
+              <a:tr h="457200">
+                <a:tc>
+                  <a:txBody>
+                    <a:bodyPr/>
+                    <a:lstStyle/>
+                    <a:p>
+                      <a:pPr lvl="0" algn="ctr">
+                        <a:defRPr sz="1800">
+                          <a:solidFill>
+                            <a:srgbClr val="000000"/>
+                          </a:solidFill>
+                          <a:uFillTx/>
+                        </a:defRPr>
+                      </a:pPr>
+                      <a:r>
+                        <a:rPr dirty="0">
+                          <a:solidFill>
+                            <a:srgbClr val="191164"/>
+                          </a:solidFill>
+                          <a:uFill>
+                            <a:solidFill/>
+                          </a:uFill>
+                          <a:latin typeface="Arial Unicode MS" panose="020B0604020202020204" pitchFamily="34" charset="-128"/>
+                        </a:rPr>
+                        <a:t>Course 3</a:t>
+                      </a:r>
+                    </a:p>
+                  </a:txBody>
+                  <a:tcPr marL="63500" marR="63500" marT="63500" marB="63500" horzOverflow="overflow">
+                    <a:lnL w="12700">
+                      <a:miter lim="400000"/>
+                    </a:lnL>
+                    <a:lnR w="12700">
+                      <a:miter lim="400000"/>
+                    </a:lnR>
+                    <a:lnT w="12700">
+                      <a:miter lim="400000"/>
+                    </a:lnT>
+                    <a:lnB w="12700">
+                      <a:miter lim="400000"/>
+                    </a:lnB>
+                  </a:tcPr>
+                </a:tc>
+                <a:extLst>
+                  <a:ext uri="{0D108BD9-81ED-4DB2-BD59-A6C34878D82A}">
+                    <a16:rowId xmlns:a16="http://schemas.microsoft.com/office/drawing/2014/main" val="10003"/>
+                  </a:ext>
+                </a:extLst>
+              </a:tr>
+              <a:tr h="457200">
+                <a:tc>
+                  <a:txBody>
+                    <a:bodyPr/>
+                    <a:lstStyle/>
+                    <a:p>
+                      <a:pPr lvl="0" algn="ctr">
+                        <a:defRPr sz="1800">
+                          <a:solidFill>
+                            <a:srgbClr val="000000"/>
+                          </a:solidFill>
+                          <a:uFillTx/>
+                        </a:defRPr>
+                      </a:pPr>
+                      <a:r>
+                        <a:rPr dirty="0">
+                          <a:solidFill>
+                            <a:srgbClr val="191164"/>
+                          </a:solidFill>
+                          <a:uFill>
+                            <a:solidFill/>
+                          </a:uFill>
+                          <a:latin typeface="Arial Unicode MS" panose="020B0604020202020204" pitchFamily="34" charset="-128"/>
+                        </a:rPr>
+                        <a:t>Course 4</a:t>
+                      </a:r>
+                    </a:p>
+                  </a:txBody>
+                  <a:tcPr marL="63500" marR="63500" marT="63500" marB="63500" horzOverflow="overflow">
+                    <a:lnL w="12700">
+                      <a:miter lim="400000"/>
+                    </a:lnL>
+                    <a:lnR w="12700">
+                      <a:miter lim="400000"/>
+                    </a:lnR>
+                    <a:lnT w="12700">
+                      <a:miter lim="400000"/>
+                    </a:lnT>
+                    <a:lnB w="12700">
+                      <a:miter lim="400000"/>
+                    </a:lnB>
+                  </a:tcPr>
+                </a:tc>
+                <a:extLst>
+                  <a:ext uri="{0D108BD9-81ED-4DB2-BD59-A6C34878D82A}">
+                    <a16:rowId xmlns:a16="http://schemas.microsoft.com/office/drawing/2014/main" val="10004"/>
+                  </a:ext>
+                </a:extLst>
+              </a:tr>
+            </a:tbl>
+          </a:graphicData>
+        </a:graphic>
+      </p:graphicFrame>
+      <p:sp>
+        <p:nvSpPr>
+          <p:cNvPr id="388" name="Shape 388"/>
+          <p:cNvSpPr/>
+          <p:nvPr/>
+        </p:nvSpPr>
+        <p:spPr>
+          <a:xfrm>
+            <a:off x="6321669" y="3502881"/>
+            <a:ext cx="1231901" cy="16861"/>
+          </a:xfrm>
+          <a:prstGeom prst="line">
+            <a:avLst/>
+          </a:prstGeom>
+          <a:ln w="25400">
+            <a:solidFill>
+              <a:srgbClr val="CCCC00"/>
+            </a:solidFill>
+            <a:round/>
+          </a:ln>
+          <a:effectLst>
+            <a:outerShdw blurRad="38100" dist="20000" dir="5400000" rotWithShape="0">
+              <a:srgbClr val="000000">
+                <a:alpha val="38000"/>
+              </a:srgbClr>
+            </a:outerShdw>
+          </a:effectLst>
+        </p:spPr>
+        <p:txBody>
+          <a:bodyPr lIns="45719" rIns="45719"/>
+          <a:lstStyle/>
+          <a:p>
+            <a:pPr lvl="0" defTabSz="457200">
+              <a:defRPr sz="1200">
+                <a:solidFill>
+                  <a:srgbClr val="000000"/>
+                </a:solidFill>
+                <a:uFillTx/>
+                <a:latin typeface="+mj-lt"/>
+                <a:ea typeface="+mj-ea"/>
+                <a:cs typeface="+mj-cs"/>
+                <a:sym typeface="Helvetica"/>
+              </a:defRPr>
+            </a:pPr>
+            <a:endParaRPr dirty="0">
+              <a:solidFill>
+                <a:schemeClr val="tx1"/>
+              </a:solidFill>
+              <a:latin typeface="Arial Unicode MS" panose="020B0604020202020204" pitchFamily="34" charset="-128"/>
+              <a:ea typeface="Arial Unicode MS" panose="020B0604020202020204" pitchFamily="34" charset="-128"/>
+              <a:cs typeface="Arial Unicode MS" panose="020B0604020202020204" pitchFamily="34" charset="-128"/>
+            </a:endParaRPr>
+          </a:p>
+        </p:txBody>
+      </p:sp>
+      <p:sp>
+        <p:nvSpPr>
+          <p:cNvPr id="389" name="Shape 389"/>
+          <p:cNvSpPr/>
+          <p:nvPr/>
+        </p:nvSpPr>
+        <p:spPr>
+          <a:xfrm>
+            <a:off x="6321669" y="3519755"/>
+            <a:ext cx="1233854" cy="904322"/>
+          </a:xfrm>
+          <a:prstGeom prst="line">
+            <a:avLst/>
+          </a:prstGeom>
+          <a:ln w="25400">
+            <a:solidFill>
+              <a:srgbClr val="CCCC00"/>
+            </a:solidFill>
+            <a:round/>
+          </a:ln>
+          <a:effectLst>
+            <a:outerShdw blurRad="38100" dist="20000" dir="5400000" rotWithShape="0">
+              <a:srgbClr val="000000">
+                <a:alpha val="38000"/>
+              </a:srgbClr>
+            </a:outerShdw>
+          </a:effectLst>
+        </p:spPr>
+        <p:txBody>
+          <a:bodyPr lIns="45719" rIns="45719"/>
+          <a:lstStyle/>
+          <a:p>
+            <a:pPr lvl="0" defTabSz="457200">
+              <a:defRPr sz="1200">
+                <a:solidFill>
+                  <a:srgbClr val="000000"/>
+                </a:solidFill>
+                <a:uFillTx/>
+                <a:latin typeface="+mj-lt"/>
+                <a:ea typeface="+mj-ea"/>
+                <a:cs typeface="+mj-cs"/>
+                <a:sym typeface="Helvetica"/>
+              </a:defRPr>
+            </a:pPr>
+            <a:endParaRPr dirty="0">
+              <a:solidFill>
+                <a:schemeClr val="tx1"/>
+              </a:solidFill>
+              <a:latin typeface="Arial Unicode MS" panose="020B0604020202020204" pitchFamily="34" charset="-128"/>
+              <a:ea typeface="Arial Unicode MS" panose="020B0604020202020204" pitchFamily="34" charset="-128"/>
+              <a:cs typeface="Arial Unicode MS" panose="020B0604020202020204" pitchFamily="34" charset="-128"/>
+            </a:endParaRPr>
+          </a:p>
+        </p:txBody>
+      </p:sp>
+      <p:sp>
+        <p:nvSpPr>
+          <p:cNvPr id="390" name="Shape 390"/>
+          <p:cNvSpPr/>
+          <p:nvPr/>
+        </p:nvSpPr>
+        <p:spPr>
+          <a:xfrm>
+            <a:off x="6321666" y="4466494"/>
+            <a:ext cx="1233855" cy="443968"/>
+          </a:xfrm>
+          <a:prstGeom prst="line">
+            <a:avLst/>
+          </a:prstGeom>
+          <a:ln w="25400">
+            <a:solidFill>
+              <a:srgbClr val="CCCC00"/>
+            </a:solidFill>
+            <a:round/>
+          </a:ln>
+          <a:effectLst>
+            <a:outerShdw blurRad="38100" dist="20000" dir="5400000" rotWithShape="0">
+              <a:srgbClr val="000000">
+                <a:alpha val="38000"/>
+              </a:srgbClr>
+            </a:outerShdw>
+          </a:effectLst>
+        </p:spPr>
+        <p:txBody>
+          <a:bodyPr lIns="45719" rIns="45719"/>
+          <a:lstStyle/>
+          <a:p>
+            <a:pPr lvl="0" defTabSz="457200">
+              <a:defRPr sz="1200">
+                <a:solidFill>
+                  <a:srgbClr val="000000"/>
+                </a:solidFill>
+                <a:uFillTx/>
+                <a:latin typeface="+mj-lt"/>
+                <a:ea typeface="+mj-ea"/>
+                <a:cs typeface="+mj-cs"/>
+                <a:sym typeface="Helvetica"/>
+              </a:defRPr>
+            </a:pPr>
+            <a:endParaRPr dirty="0">
+              <a:solidFill>
+                <a:schemeClr val="tx1"/>
+              </a:solidFill>
+              <a:latin typeface="Arial Unicode MS" panose="020B0604020202020204" pitchFamily="34" charset="-128"/>
+              <a:ea typeface="Arial Unicode MS" panose="020B0604020202020204" pitchFamily="34" charset="-128"/>
+              <a:cs typeface="Arial Unicode MS" panose="020B0604020202020204" pitchFamily="34" charset="-128"/>
+            </a:endParaRPr>
+          </a:p>
+        </p:txBody>
+      </p:sp>
+      <p:sp>
+        <p:nvSpPr>
+          <p:cNvPr id="391" name="Shape 391"/>
+          <p:cNvSpPr/>
+          <p:nvPr/>
+        </p:nvSpPr>
+        <p:spPr>
+          <a:xfrm>
+            <a:off x="112358" y="4815128"/>
+            <a:ext cx="8959362" cy="1938992"/>
+          </a:xfrm>
+          <a:prstGeom prst="rect">
+            <a:avLst/>
+          </a:prstGeom>
+          <a:ln w="12700">
+            <a:miter lim="400000"/>
+          </a:ln>
+          <a:extLst>
+            <a:ext uri="{C572A759-6A51-4108-AA02-DFA0A04FC94B}">
+              <ma14:wrappingTextBoxFlag xmlns:ma14="http://schemas.microsoft.com/office/mac/drawingml/2011/main" xmlns="" val="1"/>
+            </a:ext>
+          </a:extLst>
+        </p:spPr>
+        <p:txBody>
+          <a:bodyPr wrap="square" lIns="0" tIns="0" rIns="0" bIns="0">
+            <a:spAutoFit/>
+          </a:bodyPr>
+          <a:lstStyle/>
+          <a:p>
+            <a:pPr lvl="0" algn="just">
+              <a:defRPr sz="1800">
+                <a:solidFill>
+                  <a:srgbClr val="000000"/>
+                </a:solidFill>
+                <a:uFillTx/>
+              </a:defRPr>
+            </a:pPr>
+            <a:r>
+              <a:rPr lang="en-US" b="1" dirty="0">
+                <a:solidFill>
+                  <a:schemeClr val="tx1"/>
+                </a:solidFill>
+                <a:latin typeface="Arial Unicode MS" panose="020B0604020202020204" pitchFamily="34" charset="-128"/>
+                <a:ea typeface="Arial Unicode MS" panose="020B0604020202020204" pitchFamily="34" charset="-128"/>
+                <a:cs typeface="Arial Unicode MS" panose="020B0604020202020204" pitchFamily="34" charset="-128"/>
+                <a:sym typeface="Arial"/>
+              </a:rPr>
+              <a:t>Optional participation</a:t>
+            </a:r>
+            <a:r>
+              <a:rPr lang="en-US" dirty="0">
+                <a:solidFill>
+                  <a:schemeClr val="tx1"/>
+                </a:solidFill>
+                <a:latin typeface="Arial Unicode MS" panose="020B0604020202020204" pitchFamily="34" charset="-128"/>
+                <a:ea typeface="Arial Unicode MS" panose="020B0604020202020204" pitchFamily="34" charset="-128"/>
+                <a:cs typeface="Arial Unicode MS" panose="020B0604020202020204" pitchFamily="34" charset="-128"/>
+                <a:sym typeface="Arial"/>
+              </a:rPr>
+              <a:t>: </a:t>
+            </a:r>
+          </a:p>
+          <a:p>
+            <a:pPr marL="285750" lvl="0" indent="-285750" algn="just">
+              <a:buFont typeface="Arial" panose="020B0604020202020204" pitchFamily="34" charset="0"/>
+              <a:buChar char="•"/>
+              <a:defRPr sz="1800">
+                <a:solidFill>
+                  <a:srgbClr val="000000"/>
+                </a:solidFill>
+                <a:uFillTx/>
+              </a:defRPr>
+            </a:pPr>
+            <a:r>
+              <a:rPr lang="en-US" dirty="0">
+                <a:solidFill>
+                  <a:schemeClr val="tx1"/>
+                </a:solidFill>
+                <a:latin typeface="Arial Unicode MS" panose="020B0604020202020204" pitchFamily="34" charset="-128"/>
+                <a:ea typeface="Arial Unicode MS" panose="020B0604020202020204" pitchFamily="34" charset="-128"/>
+                <a:cs typeface="Arial Unicode MS" panose="020B0604020202020204" pitchFamily="34" charset="-128"/>
+                <a:sym typeface="Arial"/>
+              </a:rPr>
+              <a:t>Each office has one advisor at most but it can also be empty</a:t>
+            </a:r>
+          </a:p>
+          <a:p>
+            <a:pPr marL="285750" lvl="0" indent="-285750" algn="just">
+              <a:buFont typeface="Arial" panose="020B0604020202020204" pitchFamily="34" charset="0"/>
+              <a:buChar char="•"/>
+              <a:defRPr sz="1800">
+                <a:solidFill>
+                  <a:srgbClr val="000000"/>
+                </a:solidFill>
+                <a:uFillTx/>
+              </a:defRPr>
+            </a:pPr>
+            <a:r>
+              <a:rPr lang="en-US" dirty="0">
+                <a:solidFill>
+                  <a:schemeClr val="tx1"/>
+                </a:solidFill>
+                <a:latin typeface="Arial Unicode MS" panose="020B0604020202020204" pitchFamily="34" charset="-128"/>
+                <a:ea typeface="Arial Unicode MS" panose="020B0604020202020204" pitchFamily="34" charset="-128"/>
+                <a:cs typeface="Arial Unicode MS" panose="020B0604020202020204" pitchFamily="34" charset="-128"/>
+                <a:sym typeface="Arial"/>
+              </a:rPr>
+              <a:t>A course may have no students</a:t>
+            </a:r>
+          </a:p>
+          <a:p>
+            <a:pPr marL="285750" lvl="0" indent="-285750" algn="just">
+              <a:buFont typeface="Arial" panose="020B0604020202020204" pitchFamily="34" charset="0"/>
+              <a:buChar char="•"/>
+              <a:defRPr sz="1800">
+                <a:solidFill>
+                  <a:srgbClr val="000000"/>
+                </a:solidFill>
+                <a:uFillTx/>
+              </a:defRPr>
+            </a:pPr>
+            <a:r>
+              <a:rPr lang="en-US" dirty="0">
+                <a:solidFill>
+                  <a:schemeClr val="tx1"/>
+                </a:solidFill>
+                <a:latin typeface="Arial Unicode MS" panose="020B0604020202020204" pitchFamily="34" charset="-128"/>
+                <a:ea typeface="Arial Unicode MS" panose="020B0604020202020204" pitchFamily="34" charset="-128"/>
+                <a:cs typeface="Arial Unicode MS" panose="020B0604020202020204" pitchFamily="34" charset="-128"/>
+                <a:sym typeface="Arial"/>
+              </a:rPr>
+              <a:t>A student may take no courses</a:t>
+            </a:r>
+          </a:p>
+          <a:p>
+            <a:pPr lvl="0" algn="just">
+              <a:defRPr sz="1800">
+                <a:solidFill>
+                  <a:srgbClr val="000000"/>
+                </a:solidFill>
+                <a:uFillTx/>
+              </a:defRPr>
+            </a:pPr>
+            <a:r>
+              <a:rPr lang="en-US" b="1" dirty="0">
+                <a:solidFill>
+                  <a:schemeClr val="tx1"/>
+                </a:solidFill>
+                <a:latin typeface="Arial Unicode MS" panose="020B0604020202020204" pitchFamily="34" charset="-128"/>
+                <a:ea typeface="Arial Unicode MS" panose="020B0604020202020204" pitchFamily="34" charset="-128"/>
+                <a:cs typeface="Arial Unicode MS" panose="020B0604020202020204" pitchFamily="34" charset="-128"/>
+                <a:sym typeface="Arial"/>
+              </a:rPr>
+              <a:t>Mandatory participation</a:t>
+            </a:r>
+          </a:p>
+          <a:p>
+            <a:pPr marL="285750" lvl="0" indent="-285750" algn="just">
+              <a:buFont typeface="Arial" panose="020B0604020202020204" pitchFamily="34" charset="0"/>
+              <a:buChar char="•"/>
+              <a:defRPr sz="1800">
+                <a:solidFill>
+                  <a:srgbClr val="000000"/>
+                </a:solidFill>
+                <a:uFillTx/>
+              </a:defRPr>
+            </a:pPr>
+            <a:r>
+              <a:rPr lang="en-US" dirty="0">
+                <a:solidFill>
+                  <a:schemeClr val="tx1"/>
+                </a:solidFill>
+                <a:latin typeface="Arial Unicode MS" panose="020B0604020202020204" pitchFamily="34" charset="-128"/>
+                <a:ea typeface="Arial Unicode MS" panose="020B0604020202020204" pitchFamily="34" charset="-128"/>
+                <a:cs typeface="Arial Unicode MS" panose="020B0604020202020204" pitchFamily="34" charset="-128"/>
+                <a:sym typeface="Arial"/>
+              </a:rPr>
+              <a:t>Each advisor should have an office and should advise students</a:t>
+            </a:r>
+          </a:p>
+          <a:p>
+            <a:pPr marL="285750" lvl="0" indent="-285750" algn="just">
+              <a:buFont typeface="Arial" panose="020B0604020202020204" pitchFamily="34" charset="0"/>
+              <a:buChar char="•"/>
+              <a:defRPr sz="1800">
+                <a:solidFill>
+                  <a:srgbClr val="000000"/>
+                </a:solidFill>
+                <a:uFillTx/>
+              </a:defRPr>
+            </a:pPr>
+            <a:r>
+              <a:rPr lang="en-US" dirty="0">
+                <a:solidFill>
+                  <a:schemeClr val="tx1"/>
+                </a:solidFill>
+                <a:uFill>
+                  <a:solidFill/>
+                </a:uFill>
+                <a:latin typeface="Arial Unicode MS" panose="020B0604020202020204" pitchFamily="34" charset="-128"/>
+                <a:ea typeface="Arial Unicode MS" panose="020B0604020202020204" pitchFamily="34" charset="-128"/>
+                <a:cs typeface="Arial Unicode MS" panose="020B0604020202020204" pitchFamily="34" charset="-128"/>
+                <a:sym typeface="Arial"/>
+              </a:rPr>
+              <a:t>Each student needs an advisor assigned</a:t>
+            </a:r>
+            <a:endParaRPr dirty="0">
+              <a:solidFill>
+                <a:schemeClr val="tx1"/>
+              </a:solidFill>
+              <a:uFill>
+                <a:solidFill/>
+              </a:uFill>
+              <a:latin typeface="Arial Unicode MS" panose="020B0604020202020204" pitchFamily="34" charset="-128"/>
+              <a:ea typeface="Arial Unicode MS" panose="020B0604020202020204" pitchFamily="34" charset="-128"/>
+              <a:cs typeface="Arial Unicode MS" panose="020B0604020202020204" pitchFamily="34" charset="-128"/>
+              <a:sym typeface="Arial"/>
+            </a:endParaRPr>
+          </a:p>
+        </p:txBody>
+      </p:sp>
+      <p:graphicFrame>
+        <p:nvGraphicFramePr>
+          <p:cNvPr id="10" name="Table 386">
+            <a:extLst>
+              <a:ext uri="{FF2B5EF4-FFF2-40B4-BE49-F238E27FC236}">
+                <a16:creationId xmlns:a16="http://schemas.microsoft.com/office/drawing/2014/main" id="{F7B419EA-F930-4F91-B6EA-3A469BCF0A92}"/>
+              </a:ext>
+            </a:extLst>
+          </p:cNvPr>
+          <p:cNvGraphicFramePr/>
+          <p:nvPr>
+            <p:extLst/>
+          </p:nvPr>
+        </p:nvGraphicFramePr>
+        <p:xfrm>
+          <a:off x="2421789" y="2840101"/>
+          <a:ext cx="1455489" cy="1400559"/>
+        </p:xfrm>
+        <a:graphic>
+          <a:graphicData uri="http://schemas.openxmlformats.org/drawingml/2006/table">
+            <a:tbl>
+              <a:tblPr firstRow="1" bandRow="1">
+                <a:tableStyleId>{4C3C2611-4C71-4FC5-86AE-919BDF0F9419}</a:tableStyleId>
+              </a:tblPr>
+              <a:tblGrid>
+                <a:gridCol w="1455489">
+                  <a:extLst>
+                    <a:ext uri="{9D8B030D-6E8A-4147-A177-3AD203B41FA5}">
+                      <a16:colId xmlns:a16="http://schemas.microsoft.com/office/drawing/2014/main" val="20000"/>
+                    </a:ext>
+                  </a:extLst>
+                </a:gridCol>
+              </a:tblGrid>
+              <a:tr h="473459">
+                <a:tc>
+                  <a:txBody>
+                    <a:bodyPr/>
+                    <a:lstStyle/>
+                    <a:p>
+                      <a:pPr lvl="0" algn="l">
+                        <a:spcBef>
+                          <a:spcPts val="500"/>
+                        </a:spcBef>
+                        <a:defRPr sz="1800" b="0" i="0">
+                          <a:solidFill>
+                            <a:srgbClr val="000000"/>
+                          </a:solidFill>
+                          <a:uFillTx/>
+                        </a:defRPr>
+                      </a:pPr>
+                      <a:r>
+                        <a:rPr lang="en-US" sz="2200" b="1" i="1" dirty="0">
+                          <a:solidFill>
+                            <a:srgbClr val="FFFFFF"/>
+                          </a:solidFill>
+                          <a:uFill>
+                            <a:solidFill>
+                              <a:srgbClr val="FFFFFF"/>
+                            </a:solidFill>
+                          </a:uFill>
+                          <a:latin typeface="Arial Unicode MS" panose="020B0604020202020204" pitchFamily="34" charset="-128"/>
+                        </a:rPr>
+                        <a:t>Advisors</a:t>
+                      </a:r>
+                      <a:endParaRPr sz="2200" b="1" i="1" dirty="0">
+                        <a:solidFill>
+                          <a:srgbClr val="FFFFFF"/>
+                        </a:solidFill>
+                        <a:uFill>
+                          <a:solidFill>
+                            <a:srgbClr val="FFFFFF"/>
+                          </a:solidFill>
+                        </a:uFill>
+                        <a:latin typeface="Arial Unicode MS" panose="020B0604020202020204" pitchFamily="34" charset="-128"/>
+                      </a:endParaRPr>
+                    </a:p>
+                  </a:txBody>
+                  <a:tcPr marL="63500" marR="63500" marT="63500" marB="63500" horzOverflow="overflow">
+                    <a:lnL w="12700">
+                      <a:miter lim="400000"/>
+                    </a:lnL>
+                    <a:lnR w="12700">
+                      <a:miter lim="400000"/>
+                    </a:lnR>
+                    <a:lnT w="12700">
+                      <a:miter lim="400000"/>
+                    </a:lnT>
+                    <a:lnB w="12700">
+                      <a:miter lim="400000"/>
+                    </a:lnB>
+                  </a:tcPr>
+                </a:tc>
+                <a:extLst>
+                  <a:ext uri="{0D108BD9-81ED-4DB2-BD59-A6C34878D82A}">
+                    <a16:rowId xmlns:a16="http://schemas.microsoft.com/office/drawing/2014/main" val="10000"/>
+                  </a:ext>
+                </a:extLst>
+              </a:tr>
+              <a:tr h="469900">
+                <a:tc>
+                  <a:txBody>
+                    <a:bodyPr/>
+                    <a:lstStyle/>
+                    <a:p>
+                      <a:pPr lvl="0" algn="ctr">
+                        <a:defRPr sz="1800">
+                          <a:solidFill>
+                            <a:srgbClr val="000000"/>
+                          </a:solidFill>
+                          <a:uFillTx/>
+                        </a:defRPr>
+                      </a:pPr>
+                      <a:r>
+                        <a:rPr lang="en-US" dirty="0">
+                          <a:solidFill>
+                            <a:srgbClr val="191164"/>
+                          </a:solidFill>
+                          <a:uFill>
+                            <a:solidFill/>
+                          </a:uFill>
+                          <a:latin typeface="Arial Unicode MS" panose="020B0604020202020204" pitchFamily="34" charset="-128"/>
+                        </a:rPr>
+                        <a:t>Advisor</a:t>
+                      </a:r>
+                      <a:r>
+                        <a:rPr dirty="0">
+                          <a:solidFill>
+                            <a:srgbClr val="191164"/>
+                          </a:solidFill>
+                          <a:uFill>
+                            <a:solidFill/>
+                          </a:uFill>
+                          <a:latin typeface="Arial Unicode MS" panose="020B0604020202020204" pitchFamily="34" charset="-128"/>
+                        </a:rPr>
+                        <a:t> 1</a:t>
+                      </a:r>
+                    </a:p>
+                  </a:txBody>
+                  <a:tcPr marL="63500" marR="63500" marT="63500" marB="63500" horzOverflow="overflow">
+                    <a:lnL w="12700">
+                      <a:miter lim="400000"/>
+                    </a:lnL>
+                    <a:lnR w="12700">
+                      <a:miter lim="400000"/>
+                    </a:lnR>
+                    <a:lnT w="12700">
+                      <a:miter lim="400000"/>
+                    </a:lnT>
+                    <a:lnB w="12700">
+                      <a:miter lim="400000"/>
+                    </a:lnB>
+                  </a:tcPr>
+                </a:tc>
+                <a:extLst>
+                  <a:ext uri="{0D108BD9-81ED-4DB2-BD59-A6C34878D82A}">
+                    <a16:rowId xmlns:a16="http://schemas.microsoft.com/office/drawing/2014/main" val="10001"/>
+                  </a:ext>
+                </a:extLst>
+              </a:tr>
+              <a:tr h="457200">
+                <a:tc>
+                  <a:txBody>
+                    <a:bodyPr/>
+                    <a:lstStyle/>
+                    <a:p>
+                      <a:pPr lvl="0" algn="ctr">
+                        <a:defRPr sz="1800">
+                          <a:solidFill>
+                            <a:srgbClr val="000000"/>
+                          </a:solidFill>
+                          <a:uFillTx/>
+                        </a:defRPr>
+                      </a:pPr>
+                      <a:r>
+                        <a:rPr lang="en-US" dirty="0">
+                          <a:solidFill>
+                            <a:srgbClr val="191164"/>
+                          </a:solidFill>
+                          <a:uFill>
+                            <a:solidFill/>
+                          </a:uFill>
+                          <a:latin typeface="Arial Unicode MS" panose="020B0604020202020204" pitchFamily="34" charset="-128"/>
+                        </a:rPr>
+                        <a:t>Advisor</a:t>
+                      </a:r>
+                      <a:r>
+                        <a:rPr dirty="0">
+                          <a:solidFill>
+                            <a:srgbClr val="191164"/>
+                          </a:solidFill>
+                          <a:uFill>
+                            <a:solidFill/>
+                          </a:uFill>
+                          <a:latin typeface="Arial Unicode MS" panose="020B0604020202020204" pitchFamily="34" charset="-128"/>
+                        </a:rPr>
+                        <a:t> 2</a:t>
+                      </a:r>
+                    </a:p>
+                  </a:txBody>
+                  <a:tcPr marL="63500" marR="63500" marT="63500" marB="63500" horzOverflow="overflow">
+                    <a:lnL w="12700">
+                      <a:miter lim="400000"/>
+                    </a:lnL>
+                    <a:lnR w="12700">
+                      <a:miter lim="400000"/>
+                    </a:lnR>
+                    <a:lnT w="12700">
+                      <a:miter lim="400000"/>
+                    </a:lnT>
+                    <a:lnB w="12700">
+                      <a:miter lim="400000"/>
+                    </a:lnB>
+                  </a:tcPr>
+                </a:tc>
+                <a:extLst>
+                  <a:ext uri="{0D108BD9-81ED-4DB2-BD59-A6C34878D82A}">
+                    <a16:rowId xmlns:a16="http://schemas.microsoft.com/office/drawing/2014/main" val="10002"/>
+                  </a:ext>
+                </a:extLst>
+              </a:tr>
+            </a:tbl>
+          </a:graphicData>
+        </a:graphic>
+      </p:graphicFrame>
+      <p:sp>
+        <p:nvSpPr>
+          <p:cNvPr id="11" name="Shape 389">
+            <a:extLst>
+              <a:ext uri="{FF2B5EF4-FFF2-40B4-BE49-F238E27FC236}">
+                <a16:creationId xmlns:a16="http://schemas.microsoft.com/office/drawing/2014/main" id="{04F871F4-4396-48B1-BC01-85A499F15EBB}"/>
+              </a:ext>
+            </a:extLst>
+          </p:cNvPr>
+          <p:cNvSpPr/>
+          <p:nvPr/>
+        </p:nvSpPr>
+        <p:spPr>
+          <a:xfrm flipV="1">
+            <a:off x="3868615" y="3502881"/>
+            <a:ext cx="1005065" cy="0"/>
+          </a:xfrm>
+          <a:prstGeom prst="line">
+            <a:avLst/>
+          </a:prstGeom>
+          <a:ln w="25400">
+            <a:solidFill>
+              <a:srgbClr val="CCCC00"/>
+            </a:solidFill>
+            <a:round/>
+          </a:ln>
+          <a:effectLst>
+            <a:outerShdw blurRad="38100" dist="20000" dir="5400000" rotWithShape="0">
+              <a:srgbClr val="000000">
+                <a:alpha val="38000"/>
+              </a:srgbClr>
+            </a:outerShdw>
+          </a:effectLst>
+        </p:spPr>
+        <p:txBody>
+          <a:bodyPr lIns="45719" rIns="45719"/>
+          <a:lstStyle/>
+          <a:p>
+            <a:pPr lvl="0" defTabSz="457200">
+              <a:defRPr sz="1200">
+                <a:solidFill>
+                  <a:srgbClr val="000000"/>
+                </a:solidFill>
+                <a:uFillTx/>
+                <a:latin typeface="+mj-lt"/>
+                <a:ea typeface="+mj-ea"/>
+                <a:cs typeface="+mj-cs"/>
+                <a:sym typeface="Helvetica"/>
+              </a:defRPr>
+            </a:pPr>
+            <a:endParaRPr dirty="0">
+              <a:solidFill>
+                <a:schemeClr val="tx1"/>
+              </a:solidFill>
+              <a:latin typeface="Arial Unicode MS" panose="020B0604020202020204" pitchFamily="34" charset="-128"/>
+              <a:ea typeface="Arial Unicode MS" panose="020B0604020202020204" pitchFamily="34" charset="-128"/>
+              <a:cs typeface="Arial Unicode MS" panose="020B0604020202020204" pitchFamily="34" charset="-128"/>
+            </a:endParaRPr>
+          </a:p>
+        </p:txBody>
+      </p:sp>
+      <p:sp>
+        <p:nvSpPr>
+          <p:cNvPr id="12" name="Shape 389">
+            <a:extLst>
+              <a:ext uri="{FF2B5EF4-FFF2-40B4-BE49-F238E27FC236}">
+                <a16:creationId xmlns:a16="http://schemas.microsoft.com/office/drawing/2014/main" id="{216561E7-5305-4790-8A3A-F611D3A5F31D}"/>
+              </a:ext>
+            </a:extLst>
+          </p:cNvPr>
+          <p:cNvSpPr/>
+          <p:nvPr/>
+        </p:nvSpPr>
+        <p:spPr>
+          <a:xfrm>
+            <a:off x="3868614" y="3519742"/>
+            <a:ext cx="1003112" cy="392748"/>
+          </a:xfrm>
+          <a:prstGeom prst="line">
+            <a:avLst/>
+          </a:prstGeom>
+          <a:ln w="25400">
+            <a:solidFill>
+              <a:srgbClr val="CCCC00"/>
+            </a:solidFill>
+            <a:round/>
+          </a:ln>
+          <a:effectLst>
+            <a:outerShdw blurRad="38100" dist="20000" dir="5400000" rotWithShape="0">
+              <a:srgbClr val="000000">
+                <a:alpha val="38000"/>
+              </a:srgbClr>
+            </a:outerShdw>
+          </a:effectLst>
+        </p:spPr>
+        <p:txBody>
+          <a:bodyPr lIns="45719" rIns="45719"/>
+          <a:lstStyle/>
+          <a:p>
+            <a:pPr lvl="0" defTabSz="457200">
+              <a:defRPr sz="1200">
+                <a:solidFill>
+                  <a:srgbClr val="000000"/>
+                </a:solidFill>
+                <a:uFillTx/>
+                <a:latin typeface="+mj-lt"/>
+                <a:ea typeface="+mj-ea"/>
+                <a:cs typeface="+mj-cs"/>
+                <a:sym typeface="Helvetica"/>
+              </a:defRPr>
+            </a:pPr>
+            <a:endParaRPr dirty="0">
+              <a:solidFill>
+                <a:schemeClr val="tx1"/>
+              </a:solidFill>
+              <a:latin typeface="Arial Unicode MS" panose="020B0604020202020204" pitchFamily="34" charset="-128"/>
+              <a:ea typeface="Arial Unicode MS" panose="020B0604020202020204" pitchFamily="34" charset="-128"/>
+              <a:cs typeface="Arial Unicode MS" panose="020B0604020202020204" pitchFamily="34" charset="-128"/>
+            </a:endParaRPr>
+          </a:p>
+        </p:txBody>
+      </p:sp>
+      <p:sp>
+        <p:nvSpPr>
+          <p:cNvPr id="13" name="Shape 390">
+            <a:extLst>
+              <a:ext uri="{FF2B5EF4-FFF2-40B4-BE49-F238E27FC236}">
+                <a16:creationId xmlns:a16="http://schemas.microsoft.com/office/drawing/2014/main" id="{62D2688D-4473-4BB0-AD03-9D1671469D84}"/>
+              </a:ext>
+            </a:extLst>
+          </p:cNvPr>
+          <p:cNvSpPr/>
+          <p:nvPr/>
+        </p:nvSpPr>
+        <p:spPr>
+          <a:xfrm>
+            <a:off x="3866660" y="4009369"/>
+            <a:ext cx="1005066" cy="457126"/>
+          </a:xfrm>
+          <a:prstGeom prst="line">
+            <a:avLst/>
+          </a:prstGeom>
+          <a:ln w="25400">
+            <a:solidFill>
+              <a:srgbClr val="CCCC00"/>
+            </a:solidFill>
+            <a:round/>
+          </a:ln>
+          <a:effectLst>
+            <a:outerShdw blurRad="38100" dist="20000" dir="5400000" rotWithShape="0">
+              <a:srgbClr val="000000">
+                <a:alpha val="38000"/>
+              </a:srgbClr>
+            </a:outerShdw>
+          </a:effectLst>
+        </p:spPr>
+        <p:txBody>
+          <a:bodyPr lIns="45719" rIns="45719"/>
+          <a:lstStyle/>
+          <a:p>
+            <a:pPr lvl="0" defTabSz="457200">
+              <a:defRPr sz="1200">
+                <a:solidFill>
+                  <a:srgbClr val="000000"/>
+                </a:solidFill>
+                <a:uFillTx/>
+                <a:latin typeface="+mj-lt"/>
+                <a:ea typeface="+mj-ea"/>
+                <a:cs typeface="+mj-cs"/>
+                <a:sym typeface="Helvetica"/>
+              </a:defRPr>
+            </a:pPr>
+            <a:endParaRPr dirty="0">
+              <a:solidFill>
+                <a:schemeClr val="tx1"/>
+              </a:solidFill>
+              <a:latin typeface="Arial Unicode MS" panose="020B0604020202020204" pitchFamily="34" charset="-128"/>
+              <a:ea typeface="Arial Unicode MS" panose="020B0604020202020204" pitchFamily="34" charset="-128"/>
+              <a:cs typeface="Arial Unicode MS" panose="020B0604020202020204" pitchFamily="34" charset="-128"/>
+            </a:endParaRPr>
+          </a:p>
+        </p:txBody>
+      </p:sp>
+      <p:sp>
+        <p:nvSpPr>
+          <p:cNvPr id="14" name="Shape 390">
+            <a:extLst>
+              <a:ext uri="{FF2B5EF4-FFF2-40B4-BE49-F238E27FC236}">
+                <a16:creationId xmlns:a16="http://schemas.microsoft.com/office/drawing/2014/main" id="{D251F39D-756E-4D9E-B629-2BCCD21B1620}"/>
+              </a:ext>
+            </a:extLst>
+          </p:cNvPr>
+          <p:cNvSpPr/>
+          <p:nvPr/>
+        </p:nvSpPr>
+        <p:spPr>
+          <a:xfrm>
+            <a:off x="6319716" y="3912497"/>
+            <a:ext cx="1233854" cy="511568"/>
+          </a:xfrm>
+          <a:prstGeom prst="line">
+            <a:avLst/>
+          </a:prstGeom>
+          <a:ln w="25400">
+            <a:solidFill>
+              <a:srgbClr val="CCCC00"/>
+            </a:solidFill>
+            <a:round/>
+          </a:ln>
+          <a:effectLst>
+            <a:outerShdw blurRad="38100" dist="20000" dir="5400000" rotWithShape="0">
+              <a:srgbClr val="000000">
+                <a:alpha val="38000"/>
+              </a:srgbClr>
+            </a:outerShdw>
+          </a:effectLst>
+        </p:spPr>
+        <p:txBody>
+          <a:bodyPr lIns="45719" rIns="45719"/>
+          <a:lstStyle/>
+          <a:p>
+            <a:pPr lvl="0" defTabSz="457200">
+              <a:defRPr sz="1200">
+                <a:solidFill>
+                  <a:srgbClr val="000000"/>
+                </a:solidFill>
+                <a:uFillTx/>
+                <a:latin typeface="+mj-lt"/>
+                <a:ea typeface="+mj-ea"/>
+                <a:cs typeface="+mj-cs"/>
+                <a:sym typeface="Helvetica"/>
+              </a:defRPr>
+            </a:pPr>
+            <a:endParaRPr dirty="0">
+              <a:solidFill>
+                <a:schemeClr val="tx1"/>
+              </a:solidFill>
+              <a:latin typeface="Arial Unicode MS" panose="020B0604020202020204" pitchFamily="34" charset="-128"/>
+              <a:ea typeface="Arial Unicode MS" panose="020B0604020202020204" pitchFamily="34" charset="-128"/>
+              <a:cs typeface="Arial Unicode MS" panose="020B0604020202020204" pitchFamily="34" charset="-128"/>
+            </a:endParaRPr>
+          </a:p>
+        </p:txBody>
+      </p:sp>
+      <p:graphicFrame>
+        <p:nvGraphicFramePr>
+          <p:cNvPr id="15" name="Table 386">
+            <a:extLst>
+              <a:ext uri="{FF2B5EF4-FFF2-40B4-BE49-F238E27FC236}">
+                <a16:creationId xmlns:a16="http://schemas.microsoft.com/office/drawing/2014/main" id="{165864C3-56EF-4825-B8D1-09DF5F0C0486}"/>
+              </a:ext>
+            </a:extLst>
+          </p:cNvPr>
+          <p:cNvGraphicFramePr/>
+          <p:nvPr>
+            <p:extLst/>
+          </p:nvPr>
+        </p:nvGraphicFramePr>
+        <p:xfrm>
+          <a:off x="353123" y="2825448"/>
+          <a:ext cx="1455489" cy="1400559"/>
+        </p:xfrm>
+        <a:graphic>
+          <a:graphicData uri="http://schemas.openxmlformats.org/drawingml/2006/table">
+            <a:tbl>
+              <a:tblPr firstRow="1" bandRow="1">
+                <a:tableStyleId>{4C3C2611-4C71-4FC5-86AE-919BDF0F9419}</a:tableStyleId>
+              </a:tblPr>
+              <a:tblGrid>
+                <a:gridCol w="1455489">
+                  <a:extLst>
+                    <a:ext uri="{9D8B030D-6E8A-4147-A177-3AD203B41FA5}">
+                      <a16:colId xmlns:a16="http://schemas.microsoft.com/office/drawing/2014/main" val="20000"/>
+                    </a:ext>
+                  </a:extLst>
+                </a:gridCol>
+              </a:tblGrid>
+              <a:tr h="473459">
+                <a:tc>
+                  <a:txBody>
+                    <a:bodyPr/>
+                    <a:lstStyle/>
+                    <a:p>
+                      <a:pPr lvl="0" algn="l">
+                        <a:spcBef>
+                          <a:spcPts val="500"/>
+                        </a:spcBef>
+                        <a:defRPr sz="1800" b="0" i="0">
+                          <a:solidFill>
+                            <a:srgbClr val="000000"/>
+                          </a:solidFill>
+                          <a:uFillTx/>
+                        </a:defRPr>
+                      </a:pPr>
+                      <a:r>
+                        <a:rPr lang="en-US" sz="2200" b="1" i="1" dirty="0">
+                          <a:solidFill>
+                            <a:srgbClr val="FFFFFF"/>
+                          </a:solidFill>
+                          <a:uFill>
+                            <a:solidFill>
+                              <a:srgbClr val="FFFFFF"/>
+                            </a:solidFill>
+                          </a:uFill>
+                          <a:latin typeface="Arial Unicode MS" panose="020B0604020202020204" pitchFamily="34" charset="-128"/>
+                        </a:rPr>
+                        <a:t>Office</a:t>
+                      </a:r>
+                      <a:endParaRPr sz="2200" b="1" i="1" dirty="0">
+                        <a:solidFill>
+                          <a:srgbClr val="FFFFFF"/>
+                        </a:solidFill>
+                        <a:uFill>
+                          <a:solidFill>
+                            <a:srgbClr val="FFFFFF"/>
+                          </a:solidFill>
+                        </a:uFill>
+                        <a:latin typeface="Arial Unicode MS" panose="020B0604020202020204" pitchFamily="34" charset="-128"/>
+                      </a:endParaRPr>
+                    </a:p>
+                  </a:txBody>
+                  <a:tcPr marL="63500" marR="63500" marT="63500" marB="63500" horzOverflow="overflow">
+                    <a:lnL w="12700">
+                      <a:miter lim="400000"/>
+                    </a:lnL>
+                    <a:lnR w="12700">
+                      <a:miter lim="400000"/>
+                    </a:lnR>
+                    <a:lnT w="12700">
+                      <a:miter lim="400000"/>
+                    </a:lnT>
+                    <a:lnB w="12700">
+                      <a:miter lim="400000"/>
+                    </a:lnB>
+                  </a:tcPr>
+                </a:tc>
+                <a:extLst>
+                  <a:ext uri="{0D108BD9-81ED-4DB2-BD59-A6C34878D82A}">
+                    <a16:rowId xmlns:a16="http://schemas.microsoft.com/office/drawing/2014/main" val="10000"/>
+                  </a:ext>
+                </a:extLst>
+              </a:tr>
+              <a:tr h="469900">
+                <a:tc>
+                  <a:txBody>
+                    <a:bodyPr/>
+                    <a:lstStyle/>
+                    <a:p>
+                      <a:pPr lvl="0" algn="ctr">
+                        <a:defRPr sz="1800">
+                          <a:solidFill>
+                            <a:srgbClr val="000000"/>
+                          </a:solidFill>
+                          <a:uFillTx/>
+                        </a:defRPr>
+                      </a:pPr>
+                      <a:r>
+                        <a:rPr lang="en-US" dirty="0">
+                          <a:solidFill>
+                            <a:srgbClr val="191164"/>
+                          </a:solidFill>
+                          <a:uFill>
+                            <a:solidFill/>
+                          </a:uFill>
+                          <a:latin typeface="Arial Unicode MS" panose="020B0604020202020204" pitchFamily="34" charset="-128"/>
+                        </a:rPr>
+                        <a:t>Office</a:t>
+                      </a:r>
+                      <a:r>
+                        <a:rPr dirty="0">
+                          <a:solidFill>
+                            <a:srgbClr val="191164"/>
+                          </a:solidFill>
+                          <a:uFill>
+                            <a:solidFill/>
+                          </a:uFill>
+                          <a:latin typeface="Arial Unicode MS" panose="020B0604020202020204" pitchFamily="34" charset="-128"/>
+                        </a:rPr>
+                        <a:t> 1</a:t>
+                      </a:r>
+                    </a:p>
+                  </a:txBody>
+                  <a:tcPr marL="63500" marR="63500" marT="63500" marB="63500" horzOverflow="overflow">
+                    <a:lnL w="12700">
+                      <a:miter lim="400000"/>
+                    </a:lnL>
+                    <a:lnR w="12700">
+                      <a:miter lim="400000"/>
+                    </a:lnR>
+                    <a:lnT w="12700">
+                      <a:miter lim="400000"/>
+                    </a:lnT>
+                    <a:lnB w="12700">
+                      <a:miter lim="400000"/>
+                    </a:lnB>
+                  </a:tcPr>
+                </a:tc>
+                <a:extLst>
+                  <a:ext uri="{0D108BD9-81ED-4DB2-BD59-A6C34878D82A}">
+                    <a16:rowId xmlns:a16="http://schemas.microsoft.com/office/drawing/2014/main" val="10001"/>
+                  </a:ext>
+                </a:extLst>
+              </a:tr>
+              <a:tr h="457200">
+                <a:tc>
+                  <a:txBody>
+                    <a:bodyPr/>
+                    <a:lstStyle/>
+                    <a:p>
+                      <a:pPr lvl="0" algn="ctr">
+                        <a:defRPr sz="1800">
+                          <a:solidFill>
+                            <a:srgbClr val="000000"/>
+                          </a:solidFill>
+                          <a:uFillTx/>
+                        </a:defRPr>
+                      </a:pPr>
+                      <a:r>
+                        <a:rPr lang="en-US" dirty="0">
+                          <a:solidFill>
+                            <a:srgbClr val="191164"/>
+                          </a:solidFill>
+                          <a:uFill>
+                            <a:solidFill/>
+                          </a:uFill>
+                          <a:latin typeface="Arial Unicode MS" panose="020B0604020202020204" pitchFamily="34" charset="-128"/>
+                        </a:rPr>
+                        <a:t>Office</a:t>
+                      </a:r>
+                      <a:r>
+                        <a:rPr dirty="0">
+                          <a:solidFill>
+                            <a:srgbClr val="191164"/>
+                          </a:solidFill>
+                          <a:uFill>
+                            <a:solidFill/>
+                          </a:uFill>
+                          <a:latin typeface="Arial Unicode MS" panose="020B0604020202020204" pitchFamily="34" charset="-128"/>
+                        </a:rPr>
+                        <a:t> 2</a:t>
+                      </a:r>
+                    </a:p>
+                  </a:txBody>
+                  <a:tcPr marL="63500" marR="63500" marT="63500" marB="63500" horzOverflow="overflow">
+                    <a:lnL w="12700">
+                      <a:miter lim="400000"/>
+                    </a:lnL>
+                    <a:lnR w="12700">
+                      <a:miter lim="400000"/>
+                    </a:lnR>
+                    <a:lnT w="12700">
+                      <a:miter lim="400000"/>
+                    </a:lnT>
+                    <a:lnB w="12700">
+                      <a:miter lim="400000"/>
+                    </a:lnB>
+                  </a:tcPr>
+                </a:tc>
+                <a:extLst>
+                  <a:ext uri="{0D108BD9-81ED-4DB2-BD59-A6C34878D82A}">
+                    <a16:rowId xmlns:a16="http://schemas.microsoft.com/office/drawing/2014/main" val="10002"/>
+                  </a:ext>
+                </a:extLst>
+              </a:tr>
+            </a:tbl>
+          </a:graphicData>
+        </a:graphic>
+      </p:graphicFrame>
+      <p:sp>
+        <p:nvSpPr>
+          <p:cNvPr id="16" name="Shape 389">
+            <a:extLst>
+              <a:ext uri="{FF2B5EF4-FFF2-40B4-BE49-F238E27FC236}">
+                <a16:creationId xmlns:a16="http://schemas.microsoft.com/office/drawing/2014/main" id="{6A190AC4-DD38-4975-88B2-F17DA80C9289}"/>
+              </a:ext>
+            </a:extLst>
+          </p:cNvPr>
+          <p:cNvSpPr/>
+          <p:nvPr/>
+        </p:nvSpPr>
+        <p:spPr>
+          <a:xfrm>
+            <a:off x="1808612" y="3482253"/>
+            <a:ext cx="613177" cy="20627"/>
+          </a:xfrm>
+          <a:prstGeom prst="line">
+            <a:avLst/>
+          </a:prstGeom>
+          <a:ln w="25400">
+            <a:solidFill>
+              <a:srgbClr val="CCCC00"/>
+            </a:solidFill>
+            <a:round/>
+          </a:ln>
+          <a:effectLst>
+            <a:outerShdw blurRad="38100" dist="20000" dir="5400000" rotWithShape="0">
+              <a:srgbClr val="000000">
+                <a:alpha val="38000"/>
+              </a:srgbClr>
+            </a:outerShdw>
+          </a:effectLst>
+        </p:spPr>
+        <p:txBody>
+          <a:bodyPr lIns="45719" rIns="45719"/>
+          <a:lstStyle/>
+          <a:p>
+            <a:pPr lvl="0" defTabSz="457200">
+              <a:defRPr sz="1200">
+                <a:solidFill>
+                  <a:srgbClr val="000000"/>
+                </a:solidFill>
+                <a:uFillTx/>
+                <a:latin typeface="+mj-lt"/>
+                <a:ea typeface="+mj-ea"/>
+                <a:cs typeface="+mj-cs"/>
+                <a:sym typeface="Helvetica"/>
+              </a:defRPr>
+            </a:pPr>
+            <a:endParaRPr dirty="0">
+              <a:solidFill>
+                <a:schemeClr val="tx1"/>
+              </a:solidFill>
+              <a:latin typeface="Arial Unicode MS" panose="020B0604020202020204" pitchFamily="34" charset="-128"/>
+              <a:ea typeface="Arial Unicode MS" panose="020B0604020202020204" pitchFamily="34" charset="-128"/>
+              <a:cs typeface="Arial Unicode MS" panose="020B0604020202020204" pitchFamily="34" charset="-128"/>
+            </a:endParaRPr>
+          </a:p>
+        </p:txBody>
+      </p:sp>
+      <p:sp>
+        <p:nvSpPr>
+          <p:cNvPr id="17" name="Shape 389">
+            <a:extLst>
+              <a:ext uri="{FF2B5EF4-FFF2-40B4-BE49-F238E27FC236}">
+                <a16:creationId xmlns:a16="http://schemas.microsoft.com/office/drawing/2014/main" id="{B82D63E9-9F3C-4E4A-A79F-3F157B4E6B00}"/>
+              </a:ext>
+            </a:extLst>
+          </p:cNvPr>
+          <p:cNvSpPr/>
+          <p:nvPr/>
+        </p:nvSpPr>
+        <p:spPr>
+          <a:xfrm>
+            <a:off x="1808612" y="3961602"/>
+            <a:ext cx="613177" cy="20627"/>
+          </a:xfrm>
+          <a:prstGeom prst="line">
+            <a:avLst/>
+          </a:prstGeom>
+          <a:ln w="25400">
+            <a:solidFill>
+              <a:srgbClr val="CCCC00"/>
+            </a:solidFill>
+            <a:round/>
+          </a:ln>
+          <a:effectLst>
+            <a:outerShdw blurRad="38100" dist="20000" dir="5400000" rotWithShape="0">
+              <a:srgbClr val="000000">
+                <a:alpha val="38000"/>
+              </a:srgbClr>
+            </a:outerShdw>
+          </a:effectLst>
+        </p:spPr>
+        <p:txBody>
+          <a:bodyPr lIns="45719" rIns="45719"/>
+          <a:lstStyle/>
+          <a:p>
+            <a:pPr lvl="0" defTabSz="457200">
+              <a:defRPr sz="1200">
+                <a:solidFill>
+                  <a:srgbClr val="000000"/>
+                </a:solidFill>
+                <a:uFillTx/>
+                <a:latin typeface="+mj-lt"/>
+                <a:ea typeface="+mj-ea"/>
+                <a:cs typeface="+mj-cs"/>
+                <a:sym typeface="Helvetica"/>
+              </a:defRPr>
+            </a:pPr>
+            <a:endParaRPr dirty="0">
+              <a:solidFill>
+                <a:schemeClr val="tx1"/>
+              </a:solidFill>
+              <a:latin typeface="Arial Unicode MS" panose="020B0604020202020204" pitchFamily="34" charset="-128"/>
+              <a:ea typeface="Arial Unicode MS" panose="020B0604020202020204" pitchFamily="34" charset="-128"/>
+              <a:cs typeface="Arial Unicode MS" panose="020B0604020202020204" pitchFamily="34" charset="-128"/>
+            </a:endParaRPr>
+          </a:p>
+        </p:txBody>
+      </p:sp>
+    </p:spTree>
+    <p:extLst>
+      <p:ext uri="{BB962C8B-B14F-4D97-AF65-F5344CB8AC3E}">
+        <p14:creationId xmlns:p14="http://schemas.microsoft.com/office/powerpoint/2010/main" val="2397910232"/>
+      </p:ext>
+    </p:extLst>
+  </p:cSld>
+  <p:clrMapOvr>
+    <a:masterClrMapping/>
+  </p:clrMapOvr>
+  <p:transition spd="med"/>
+</p:sld>
+</file>
+
+<file path=ppt/slides/slide11.xml><?xml version="1.0" encoding="utf-8"?>
 <p:sld xmlns:a="http://schemas.openxmlformats.org/drawingml/2006/main" xmlns:r="http://schemas.openxmlformats.org/officeDocument/2006/relationships" xmlns:p="http://schemas.openxmlformats.org/presentationml/2006/main">
   <p:cSld>
     <p:spTree>
@@ -4571,7 +6620,7 @@
           </a:ln>
           <a:extLst>
             <a:ext uri="{C572A759-6A51-4108-AA02-DFA0A04FC94B}">
-              <ma14:wrappingTextBoxFlag xmlns="" xmlns:ma14="http://schemas.microsoft.com/office/mac/drawingml/2011/main" val="1"/>
+              <ma14:wrappingTextBoxFlag xmlns:ma14="http://schemas.microsoft.com/office/mac/drawingml/2011/main" xmlns="" val="1"/>
             </a:ext>
           </a:extLst>
         </p:spPr>
@@ -6226,7 +8275,7 @@
 </p:sld>
 </file>
 
-<file path=ppt/slides/slide11.xml><?xml version="1.0" encoding="utf-8"?>
+<file path=ppt/slides/slide12.xml><?xml version="1.0" encoding="utf-8"?>
 <p:sld xmlns:a="http://schemas.openxmlformats.org/drawingml/2006/main" xmlns:r="http://schemas.openxmlformats.org/officeDocument/2006/relationships" xmlns:p="http://schemas.openxmlformats.org/presentationml/2006/main">
   <p:cSld>
     <p:spTree>
@@ -6262,7 +8311,7 @@
           </a:ln>
           <a:extLst>
             <a:ext uri="{C572A759-6A51-4108-AA02-DFA0A04FC94B}">
-              <ma14:wrappingTextBoxFlag xmlns="" xmlns:ma14="http://schemas.microsoft.com/office/mac/drawingml/2011/main" val="1"/>
+              <ma14:wrappingTextBoxFlag xmlns:ma14="http://schemas.microsoft.com/office/mac/drawingml/2011/main" xmlns="" val="1"/>
             </a:ext>
           </a:extLst>
         </p:spPr>
@@ -6499,7 +8548,7 @@
                 <a:ea typeface="Arial Unicode MS" panose="020B0604020202020204" pitchFamily="34" charset="-128"/>
                 <a:cs typeface="Arial Unicode MS" panose="020B0604020202020204" pitchFamily="34" charset="-128"/>
               </a:rPr>
-              <a:t>The “0-many” cardinality next to the Offering means that “Each Course may have zero offerings and may have many offerings”</a:t>
+              <a:t>The “0-many” cardinality next to the Offering means that “Each Course may have zero Offerings and may have many Offerings”</a:t>
             </a:r>
           </a:p>
           <a:p>
@@ -6527,7 +8576,7 @@
 </p:sld>
 </file>
 
-<file path=ppt/slides/slide12.xml><?xml version="1.0" encoding="utf-8"?>
+<file path=ppt/slides/slide13.xml><?xml version="1.0" encoding="utf-8"?>
 <p:sld xmlns:a="http://schemas.openxmlformats.org/drawingml/2006/main" xmlns:r="http://schemas.openxmlformats.org/officeDocument/2006/relationships" xmlns:p="http://schemas.openxmlformats.org/presentationml/2006/main">
   <p:cSld>
     <p:spTree>
@@ -6563,7 +8612,7 @@
           </a:ln>
           <a:extLst>
             <a:ext uri="{C572A759-6A51-4108-AA02-DFA0A04FC94B}">
-              <ma14:wrappingTextBoxFlag xmlns="" xmlns:ma14="http://schemas.microsoft.com/office/mac/drawingml/2011/main" val="1"/>
+              <ma14:wrappingTextBoxFlag xmlns:ma14="http://schemas.microsoft.com/office/mac/drawingml/2011/main" xmlns="" val="1"/>
             </a:ext>
           </a:extLst>
         </p:spPr>
@@ -6629,7 +8678,7 @@
           </a:ln>
           <a:extLst>
             <a:ext uri="{C572A759-6A51-4108-AA02-DFA0A04FC94B}">
-              <ma14:wrappingTextBoxFlag xmlns="" xmlns:ma14="http://schemas.microsoft.com/office/mac/drawingml/2011/main" val="1"/>
+              <ma14:wrappingTextBoxFlag xmlns:ma14="http://schemas.microsoft.com/office/mac/drawingml/2011/main" xmlns="" val="1"/>
             </a:ext>
           </a:extLst>
         </p:spPr>
@@ -7694,7 +9743,7 @@
 </p:sld>
 </file>
 
-<file path=ppt/slides/slide13.xml><?xml version="1.0" encoding="utf-8"?>
+<file path=ppt/slides/slide14.xml><?xml version="1.0" encoding="utf-8"?>
 <p:sld xmlns:a="http://schemas.openxmlformats.org/drawingml/2006/main" xmlns:r="http://schemas.openxmlformats.org/officeDocument/2006/relationships" xmlns:p="http://schemas.openxmlformats.org/presentationml/2006/main">
   <p:cSld>
     <p:spTree>
@@ -7730,7 +9779,7 @@
           </a:ln>
           <a:extLst>
             <a:ext uri="{C572A759-6A51-4108-AA02-DFA0A04FC94B}">
-              <ma14:wrappingTextBoxFlag xmlns="" xmlns:ma14="http://schemas.microsoft.com/office/mac/drawingml/2011/main" val="1"/>
+              <ma14:wrappingTextBoxFlag xmlns:ma14="http://schemas.microsoft.com/office/mac/drawingml/2011/main" xmlns="" val="1"/>
             </a:ext>
           </a:extLst>
         </p:spPr>
@@ -7796,7 +9845,7 @@
           </a:ln>
           <a:extLst>
             <a:ext uri="{C572A759-6A51-4108-AA02-DFA0A04FC94B}">
-              <ma14:wrappingTextBoxFlag xmlns="" xmlns:ma14="http://schemas.microsoft.com/office/mac/drawingml/2011/main" val="1"/>
+              <ma14:wrappingTextBoxFlag xmlns:ma14="http://schemas.microsoft.com/office/mac/drawingml/2011/main" xmlns="" val="1"/>
             </a:ext>
           </a:extLst>
         </p:spPr>
@@ -8121,7 +10170,7 @@
               <a:effectLst/>
               <a:extLst>
                 <a:ext uri="{C572A759-6A51-4108-AA02-DFA0A04FC94B}">
-                  <ma14:wrappingTextBoxFlag xmlns="" xmlns:ma14="http://schemas.microsoft.com/office/mac/drawingml/2011/main" val="1"/>
+                  <ma14:wrappingTextBoxFlag xmlns:ma14="http://schemas.microsoft.com/office/mac/drawingml/2011/main" xmlns="" val="1"/>
                 </a:ext>
               </a:extLst>
             </p:spPr>
@@ -8241,7 +10290,7 @@
               <a:effectLst/>
               <a:extLst>
                 <a:ext uri="{C572A759-6A51-4108-AA02-DFA0A04FC94B}">
-                  <ma14:wrappingTextBoxFlag xmlns="" xmlns:ma14="http://schemas.microsoft.com/office/mac/drawingml/2011/main" val="1"/>
+                  <ma14:wrappingTextBoxFlag xmlns:ma14="http://schemas.microsoft.com/office/mac/drawingml/2011/main" xmlns="" val="1"/>
                 </a:ext>
               </a:extLst>
             </p:spPr>
@@ -8372,7 +10421,7 @@
             <a:effectLst/>
             <a:extLst>
               <a:ext uri="{C572A759-6A51-4108-AA02-DFA0A04FC94B}">
-                <ma14:wrappingTextBoxFlag xmlns="" xmlns:ma14="http://schemas.microsoft.com/office/mac/drawingml/2011/main" val="1"/>
+                <ma14:wrappingTextBoxFlag xmlns:ma14="http://schemas.microsoft.com/office/mac/drawingml/2011/main" xmlns="" val="1"/>
               </a:ext>
             </a:extLst>
           </p:spPr>
@@ -8506,7 +10555,7 @@
               <a:effectLst/>
               <a:extLst>
                 <a:ext uri="{C572A759-6A51-4108-AA02-DFA0A04FC94B}">
-                  <ma14:wrappingTextBoxFlag xmlns="" xmlns:ma14="http://schemas.microsoft.com/office/mac/drawingml/2011/main" val="1"/>
+                  <ma14:wrappingTextBoxFlag xmlns:ma14="http://schemas.microsoft.com/office/mac/drawingml/2011/main" xmlns="" val="1"/>
                 </a:ext>
               </a:extLst>
             </p:spPr>
@@ -8637,7 +10686,7 @@
               <a:effectLst/>
               <a:extLst>
                 <a:ext uri="{C572A759-6A51-4108-AA02-DFA0A04FC94B}">
-                  <ma14:wrappingTextBoxFlag xmlns="" xmlns:ma14="http://schemas.microsoft.com/office/mac/drawingml/2011/main" val="1"/>
+                  <ma14:wrappingTextBoxFlag xmlns:ma14="http://schemas.microsoft.com/office/mac/drawingml/2011/main" xmlns="" val="1"/>
                 </a:ext>
               </a:extLst>
             </p:spPr>
@@ -8715,7 +10764,7 @@
             <a:effectLst/>
             <a:extLst>
               <a:ext uri="{C572A759-6A51-4108-AA02-DFA0A04FC94B}">
-                <ma14:wrappingTextBoxFlag xmlns="" xmlns:ma14="http://schemas.microsoft.com/office/mac/drawingml/2011/main" val="1"/>
+                <ma14:wrappingTextBoxFlag xmlns:ma14="http://schemas.microsoft.com/office/mac/drawingml/2011/main" xmlns="" val="1"/>
               </a:ext>
             </a:extLst>
           </p:spPr>
@@ -8781,7 +10830,7 @@
             <a:effectLst/>
             <a:extLst>
               <a:ext uri="{C572A759-6A51-4108-AA02-DFA0A04FC94B}">
-                <ma14:wrappingTextBoxFlag xmlns="" xmlns:ma14="http://schemas.microsoft.com/office/mac/drawingml/2011/main" val="1"/>
+                <ma14:wrappingTextBoxFlag xmlns:ma14="http://schemas.microsoft.com/office/mac/drawingml/2011/main" xmlns="" val="1"/>
               </a:ext>
             </a:extLst>
           </p:spPr>
@@ -8847,7 +10896,7 @@
             <a:effectLst/>
             <a:extLst>
               <a:ext uri="{C572A759-6A51-4108-AA02-DFA0A04FC94B}">
-                <ma14:wrappingTextBoxFlag xmlns="" xmlns:ma14="http://schemas.microsoft.com/office/mac/drawingml/2011/main" val="1"/>
+                <ma14:wrappingTextBoxFlag xmlns:ma14="http://schemas.microsoft.com/office/mac/drawingml/2011/main" xmlns="" val="1"/>
               </a:ext>
             </a:extLst>
           </p:spPr>
@@ -9009,7 +11058,7 @@
 </p:sld>
 </file>
 
-<file path=ppt/slides/slide14.xml><?xml version="1.0" encoding="utf-8"?>
+<file path=ppt/slides/slide15.xml><?xml version="1.0" encoding="utf-8"?>
 <p:sld xmlns:a="http://schemas.openxmlformats.org/drawingml/2006/main" xmlns:r="http://schemas.openxmlformats.org/officeDocument/2006/relationships" xmlns:p="http://schemas.openxmlformats.org/presentationml/2006/main">
   <p:cSld>
     <p:spTree>
@@ -9045,7 +11094,7 @@
           </a:ln>
           <a:extLst>
             <a:ext uri="{C572A759-6A51-4108-AA02-DFA0A04FC94B}">
-              <ma14:wrappingTextBoxFlag xmlns="" xmlns:ma14="http://schemas.microsoft.com/office/mac/drawingml/2011/main" val="1"/>
+              <ma14:wrappingTextBoxFlag xmlns:ma14="http://schemas.microsoft.com/office/mac/drawingml/2011/main" xmlns="" val="1"/>
             </a:ext>
           </a:extLst>
         </p:spPr>
@@ -9111,7 +11160,7 @@
           </a:ln>
           <a:extLst>
             <a:ext uri="{C572A759-6A51-4108-AA02-DFA0A04FC94B}">
-              <ma14:wrappingTextBoxFlag xmlns="" xmlns:ma14="http://schemas.microsoft.com/office/mac/drawingml/2011/main" val="1"/>
+              <ma14:wrappingTextBoxFlag xmlns:ma14="http://schemas.microsoft.com/office/mac/drawingml/2011/main" xmlns="" val="1"/>
             </a:ext>
           </a:extLst>
         </p:spPr>
@@ -9509,7 +11558,7 @@
             <a:effectLst/>
             <a:extLst>
               <a:ext uri="{C572A759-6A51-4108-AA02-DFA0A04FC94B}">
-                <ma14:wrappingTextBoxFlag xmlns="" xmlns:ma14="http://schemas.microsoft.com/office/mac/drawingml/2011/main" val="1"/>
+                <ma14:wrappingTextBoxFlag xmlns:ma14="http://schemas.microsoft.com/office/mac/drawingml/2011/main" xmlns="" val="1"/>
               </a:ext>
             </a:extLst>
           </p:spPr>
@@ -9629,7 +11678,7 @@
             <a:effectLst/>
             <a:extLst>
               <a:ext uri="{C572A759-6A51-4108-AA02-DFA0A04FC94B}">
-                <ma14:wrappingTextBoxFlag xmlns="" xmlns:ma14="http://schemas.microsoft.com/office/mac/drawingml/2011/main" val="1"/>
+                <ma14:wrappingTextBoxFlag xmlns:ma14="http://schemas.microsoft.com/office/mac/drawingml/2011/main" xmlns="" val="1"/>
               </a:ext>
             </a:extLst>
           </p:spPr>
@@ -9751,7 +11800,7 @@
           </a:ln>
           <a:extLst>
             <a:ext uri="{C572A759-6A51-4108-AA02-DFA0A04FC94B}">
-              <ma14:wrappingTextBoxFlag xmlns="" xmlns:ma14="http://schemas.microsoft.com/office/mac/drawingml/2011/main" val="1"/>
+              <ma14:wrappingTextBoxFlag xmlns:ma14="http://schemas.microsoft.com/office/mac/drawingml/2011/main" xmlns="" val="1"/>
             </a:ext>
           </a:extLst>
         </p:spPr>
@@ -9885,7 +11934,7 @@
             <a:effectLst/>
             <a:extLst>
               <a:ext uri="{C572A759-6A51-4108-AA02-DFA0A04FC94B}">
-                <ma14:wrappingTextBoxFlag xmlns="" xmlns:ma14="http://schemas.microsoft.com/office/mac/drawingml/2011/main" val="1"/>
+                <ma14:wrappingTextBoxFlag xmlns:ma14="http://schemas.microsoft.com/office/mac/drawingml/2011/main" xmlns="" val="1"/>
               </a:ext>
             </a:extLst>
           </p:spPr>
@@ -10005,7 +12054,7 @@
             <a:effectLst/>
             <a:extLst>
               <a:ext uri="{C572A759-6A51-4108-AA02-DFA0A04FC94B}">
-                <ma14:wrappingTextBoxFlag xmlns="" xmlns:ma14="http://schemas.microsoft.com/office/mac/drawingml/2011/main" val="1"/>
+                <ma14:wrappingTextBoxFlag xmlns:ma14="http://schemas.microsoft.com/office/mac/drawingml/2011/main" xmlns="" val="1"/>
               </a:ext>
             </a:extLst>
           </p:spPr>
@@ -10080,7 +12129,7 @@
           </a:ln>
           <a:extLst>
             <a:ext uri="{C572A759-6A51-4108-AA02-DFA0A04FC94B}">
-              <ma14:wrappingTextBoxFlag xmlns="" xmlns:ma14="http://schemas.microsoft.com/office/mac/drawingml/2011/main" val="1"/>
+              <ma14:wrappingTextBoxFlag xmlns:ma14="http://schemas.microsoft.com/office/mac/drawingml/2011/main" xmlns="" val="1"/>
             </a:ext>
           </a:extLst>
         </p:spPr>
@@ -10143,7 +12192,7 @@
           </a:ln>
           <a:extLst>
             <a:ext uri="{C572A759-6A51-4108-AA02-DFA0A04FC94B}">
-              <ma14:wrappingTextBoxFlag xmlns="" xmlns:ma14="http://schemas.microsoft.com/office/mac/drawingml/2011/main" val="1"/>
+              <ma14:wrappingTextBoxFlag xmlns:ma14="http://schemas.microsoft.com/office/mac/drawingml/2011/main" xmlns="" val="1"/>
             </a:ext>
           </a:extLst>
         </p:spPr>
@@ -10206,7 +12255,7 @@
           </a:ln>
           <a:extLst>
             <a:ext uri="{C572A759-6A51-4108-AA02-DFA0A04FC94B}">
-              <ma14:wrappingTextBoxFlag xmlns="" xmlns:ma14="http://schemas.microsoft.com/office/mac/drawingml/2011/main" val="1"/>
+              <ma14:wrappingTextBoxFlag xmlns:ma14="http://schemas.microsoft.com/office/mac/drawingml/2011/main" xmlns="" val="1"/>
             </a:ext>
           </a:extLst>
         </p:spPr>
@@ -10542,7 +12591,7 @@
 </p:sld>
 </file>
 
-<file path=ppt/slides/slide15.xml><?xml version="1.0" encoding="utf-8"?>
+<file path=ppt/slides/slide16.xml><?xml version="1.0" encoding="utf-8"?>
 <p:sld xmlns:a="http://schemas.openxmlformats.org/drawingml/2006/main" xmlns:r="http://schemas.openxmlformats.org/officeDocument/2006/relationships" xmlns:p="http://schemas.openxmlformats.org/presentationml/2006/main">
   <p:cSld>
     <p:spTree>
@@ -10578,7 +12627,7 @@
           </a:ln>
           <a:extLst>
             <a:ext uri="{C572A759-6A51-4108-AA02-DFA0A04FC94B}">
-              <ma14:wrappingTextBoxFlag xmlns="" xmlns:ma14="http://schemas.microsoft.com/office/mac/drawingml/2011/main" val="1"/>
+              <ma14:wrappingTextBoxFlag xmlns:ma14="http://schemas.microsoft.com/office/mac/drawingml/2011/main" xmlns="" val="1"/>
             </a:ext>
           </a:extLst>
         </p:spPr>
@@ -10644,7 +12693,7 @@
           </a:ln>
           <a:extLst>
             <a:ext uri="{C572A759-6A51-4108-AA02-DFA0A04FC94B}">
-              <ma14:wrappingTextBoxFlag xmlns="" xmlns:ma14="http://schemas.microsoft.com/office/mac/drawingml/2011/main" val="1"/>
+              <ma14:wrappingTextBoxFlag xmlns:ma14="http://schemas.microsoft.com/office/mac/drawingml/2011/main" xmlns="" val="1"/>
             </a:ext>
           </a:extLst>
         </p:spPr>
@@ -10868,7 +12917,7 @@
           </a:ln>
           <a:extLst>
             <a:ext uri="{C572A759-6A51-4108-AA02-DFA0A04FC94B}">
-              <ma14:wrappingTextBoxFlag xmlns="" xmlns:ma14="http://schemas.microsoft.com/office/mac/drawingml/2011/main" val="1"/>
+              <ma14:wrappingTextBoxFlag xmlns:ma14="http://schemas.microsoft.com/office/mac/drawingml/2011/main" xmlns="" val="1"/>
             </a:ext>
           </a:extLst>
         </p:spPr>
@@ -10977,7 +13026,7 @@
           </a:ln>
           <a:extLst>
             <a:ext uri="{C572A759-6A51-4108-AA02-DFA0A04FC94B}">
-              <ma14:wrappingTextBoxFlag xmlns="" xmlns:ma14="http://schemas.microsoft.com/office/mac/drawingml/2011/main" val="1"/>
+              <ma14:wrappingTextBoxFlag xmlns:ma14="http://schemas.microsoft.com/office/mac/drawingml/2011/main" xmlns="" val="1"/>
             </a:ext>
           </a:extLst>
         </p:spPr>
@@ -11045,7 +13094,7 @@
           </a:ln>
           <a:extLst>
             <a:ext uri="{C572A759-6A51-4108-AA02-DFA0A04FC94B}">
-              <ma14:wrappingTextBoxFlag xmlns="" xmlns:ma14="http://schemas.microsoft.com/office/mac/drawingml/2011/main" val="1"/>
+              <ma14:wrappingTextBoxFlag xmlns:ma14="http://schemas.microsoft.com/office/mac/drawingml/2011/main" xmlns="" val="1"/>
             </a:ext>
           </a:extLst>
         </p:spPr>
@@ -11179,7 +13228,7 @@
           </a:ln>
           <a:extLst>
             <a:ext uri="{C572A759-6A51-4108-AA02-DFA0A04FC94B}">
-              <ma14:wrappingTextBoxFlag xmlns="" xmlns:ma14="http://schemas.microsoft.com/office/mac/drawingml/2011/main" val="1"/>
+              <ma14:wrappingTextBoxFlag xmlns:ma14="http://schemas.microsoft.com/office/mac/drawingml/2011/main" xmlns="" val="1"/>
             </a:ext>
           </a:extLst>
         </p:spPr>
@@ -11553,7 +13602,7 @@
           </a:ln>
           <a:extLst>
             <a:ext uri="{C572A759-6A51-4108-AA02-DFA0A04FC94B}">
-              <ma14:wrappingTextBoxFlag xmlns="" xmlns:ma14="http://schemas.microsoft.com/office/mac/drawingml/2011/main" val="1"/>
+              <ma14:wrappingTextBoxFlag xmlns:ma14="http://schemas.microsoft.com/office/mac/drawingml/2011/main" xmlns="" val="1"/>
             </a:ext>
           </a:extLst>
         </p:spPr>
@@ -11862,7 +13911,7 @@
 </p:sld>
 </file>
 
-<file path=ppt/slides/slide16.xml><?xml version="1.0" encoding="utf-8"?>
+<file path=ppt/slides/slide17.xml><?xml version="1.0" encoding="utf-8"?>
 <p:sld xmlns:a="http://schemas.openxmlformats.org/drawingml/2006/main" xmlns:r="http://schemas.openxmlformats.org/officeDocument/2006/relationships" xmlns:p="http://schemas.openxmlformats.org/presentationml/2006/main">
   <p:cSld>
     <p:spTree>
@@ -11898,7 +13947,7 @@
           </a:ln>
           <a:extLst>
             <a:ext uri="{C572A759-6A51-4108-AA02-DFA0A04FC94B}">
-              <ma14:wrappingTextBoxFlag xmlns="" xmlns:ma14="http://schemas.microsoft.com/office/mac/drawingml/2011/main" val="1"/>
+              <ma14:wrappingTextBoxFlag xmlns:ma14="http://schemas.microsoft.com/office/mac/drawingml/2011/main" xmlns="" val="1"/>
             </a:ext>
           </a:extLst>
         </p:spPr>
@@ -11964,7 +14013,7 @@
           </a:ln>
           <a:extLst>
             <a:ext uri="{C572A759-6A51-4108-AA02-DFA0A04FC94B}">
-              <ma14:wrappingTextBoxFlag xmlns="" xmlns:ma14="http://schemas.microsoft.com/office/mac/drawingml/2011/main" val="1"/>
+              <ma14:wrappingTextBoxFlag xmlns:ma14="http://schemas.microsoft.com/office/mac/drawingml/2011/main" xmlns="" val="1"/>
             </a:ext>
           </a:extLst>
         </p:spPr>
@@ -12245,7 +14294,7 @@
           </a:ln>
           <a:extLst>
             <a:ext uri="{C572A759-6A51-4108-AA02-DFA0A04FC94B}">
-              <ma14:wrappingTextBoxFlag xmlns="" xmlns:ma14="http://schemas.microsoft.com/office/mac/drawingml/2011/main" val="1"/>
+              <ma14:wrappingTextBoxFlag xmlns:ma14="http://schemas.microsoft.com/office/mac/drawingml/2011/main" xmlns="" val="1"/>
             </a:ext>
           </a:extLst>
         </p:spPr>
@@ -12382,7 +14431,7 @@
           </a:ln>
           <a:extLst>
             <a:ext uri="{C572A759-6A51-4108-AA02-DFA0A04FC94B}">
-              <ma14:wrappingTextBoxFlag xmlns="" xmlns:ma14="http://schemas.microsoft.com/office/mac/drawingml/2011/main" val="1"/>
+              <ma14:wrappingTextBoxFlag xmlns:ma14="http://schemas.microsoft.com/office/mac/drawingml/2011/main" xmlns="" val="1"/>
             </a:ext>
           </a:extLst>
         </p:spPr>
@@ -12534,7 +14583,7 @@
           </a:ln>
           <a:extLst>
             <a:ext uri="{C572A759-6A51-4108-AA02-DFA0A04FC94B}">
-              <ma14:wrappingTextBoxFlag xmlns="" xmlns:ma14="http://schemas.microsoft.com/office/mac/drawingml/2011/main" val="1"/>
+              <ma14:wrappingTextBoxFlag xmlns:ma14="http://schemas.microsoft.com/office/mac/drawingml/2011/main" xmlns="" val="1"/>
             </a:ext>
           </a:extLst>
         </p:spPr>
@@ -12645,7 +14694,7 @@
 </p:sld>
 </file>
 
-<file path=ppt/slides/slide17.xml><?xml version="1.0" encoding="utf-8"?>
+<file path=ppt/slides/slide18.xml><?xml version="1.0" encoding="utf-8"?>
 <p:sld xmlns:a="http://schemas.openxmlformats.org/drawingml/2006/main" xmlns:r="http://schemas.openxmlformats.org/officeDocument/2006/relationships" xmlns:p="http://schemas.openxmlformats.org/presentationml/2006/main">
   <p:cSld>
     <p:spTree>
@@ -12681,7 +14730,7 @@
           </a:ln>
           <a:extLst>
             <a:ext uri="{C572A759-6A51-4108-AA02-DFA0A04FC94B}">
-              <ma14:wrappingTextBoxFlag xmlns="" xmlns:ma14="http://schemas.microsoft.com/office/mac/drawingml/2011/main" val="1"/>
+              <ma14:wrappingTextBoxFlag xmlns:ma14="http://schemas.microsoft.com/office/mac/drawingml/2011/main" xmlns="" val="1"/>
             </a:ext>
           </a:extLst>
         </p:spPr>
@@ -12792,7 +14841,7 @@
           </a:ln>
           <a:extLst>
             <a:ext uri="{C572A759-6A51-4108-AA02-DFA0A04FC94B}">
-              <ma14:wrappingTextBoxFlag xmlns="" xmlns:ma14="http://schemas.microsoft.com/office/mac/drawingml/2011/main" val="1"/>
+              <ma14:wrappingTextBoxFlag xmlns:ma14="http://schemas.microsoft.com/office/mac/drawingml/2011/main" xmlns="" val="1"/>
             </a:ext>
           </a:extLst>
         </p:spPr>
@@ -13016,7 +15065,7 @@
           </a:ln>
           <a:extLst>
             <a:ext uri="{C572A759-6A51-4108-AA02-DFA0A04FC94B}">
-              <ma14:wrappingTextBoxFlag xmlns="" xmlns:ma14="http://schemas.microsoft.com/office/mac/drawingml/2011/main" val="1"/>
+              <ma14:wrappingTextBoxFlag xmlns:ma14="http://schemas.microsoft.com/office/mac/drawingml/2011/main" xmlns="" val="1"/>
             </a:ext>
           </a:extLst>
         </p:spPr>
@@ -13259,7 +15308,7 @@
           </a:ln>
           <a:extLst>
             <a:ext uri="{C572A759-6A51-4108-AA02-DFA0A04FC94B}">
-              <ma14:wrappingTextBoxFlag xmlns="" xmlns:ma14="http://schemas.microsoft.com/office/mac/drawingml/2011/main" val="1"/>
+              <ma14:wrappingTextBoxFlag xmlns:ma14="http://schemas.microsoft.com/office/mac/drawingml/2011/main" xmlns="" val="1"/>
             </a:ext>
           </a:extLst>
         </p:spPr>
@@ -13365,7 +15414,7 @@
           </a:ln>
           <a:extLst>
             <a:ext uri="{C572A759-6A51-4108-AA02-DFA0A04FC94B}">
-              <ma14:wrappingTextBoxFlag xmlns="" xmlns:ma14="http://schemas.microsoft.com/office/mac/drawingml/2011/main" val="1"/>
+              <ma14:wrappingTextBoxFlag xmlns:ma14="http://schemas.microsoft.com/office/mac/drawingml/2011/main" xmlns="" val="1"/>
             </a:ext>
           </a:extLst>
         </p:spPr>
@@ -13634,7 +15683,7 @@
           </a:ln>
           <a:extLst>
             <a:ext uri="{C572A759-6A51-4108-AA02-DFA0A04FC94B}">
-              <ma14:wrappingTextBoxFlag xmlns="" xmlns:ma14="http://schemas.microsoft.com/office/mac/drawingml/2011/main" val="1"/>
+              <ma14:wrappingTextBoxFlag xmlns:ma14="http://schemas.microsoft.com/office/mac/drawingml/2011/main" xmlns="" val="1"/>
             </a:ext>
           </a:extLst>
         </p:spPr>
@@ -13696,7 +15745,7 @@
           </a:ln>
           <a:extLst>
             <a:ext uri="{C572A759-6A51-4108-AA02-DFA0A04FC94B}">
-              <ma14:wrappingTextBoxFlag xmlns="" xmlns:ma14="http://schemas.microsoft.com/office/mac/drawingml/2011/main" val="1"/>
+              <ma14:wrappingTextBoxFlag xmlns:ma14="http://schemas.microsoft.com/office/mac/drawingml/2011/main" xmlns="" val="1"/>
             </a:ext>
           </a:extLst>
         </p:spPr>
@@ -14263,7 +16312,7 @@
           </a:ln>
           <a:extLst>
             <a:ext uri="{C572A759-6A51-4108-AA02-DFA0A04FC94B}">
-              <ma14:wrappingTextBoxFlag xmlns="" xmlns:ma14="http://schemas.microsoft.com/office/mac/drawingml/2011/main" val="1"/>
+              <ma14:wrappingTextBoxFlag xmlns:ma14="http://schemas.microsoft.com/office/mac/drawingml/2011/main" xmlns="" val="1"/>
             </a:ext>
           </a:extLst>
         </p:spPr>
@@ -14437,7 +16486,7 @@
           </a:ln>
           <a:extLst>
             <a:ext uri="{C572A759-6A51-4108-AA02-DFA0A04FC94B}">
-              <ma14:wrappingTextBoxFlag xmlns="" xmlns:ma14="http://schemas.microsoft.com/office/mac/drawingml/2011/main" val="1"/>
+              <ma14:wrappingTextBoxFlag xmlns:ma14="http://schemas.microsoft.com/office/mac/drawingml/2011/main" xmlns="" val="1"/>
             </a:ext>
           </a:extLst>
         </p:spPr>
@@ -14502,356 +16551,6 @@
     <a:masterClrMapping/>
   </p:clrMapOvr>
   <p:transition spd="med"/>
-  <p:timing>
-    <p:tnLst>
-      <p:par>
-        <p:cTn id="1" dur="indefinite" restart="never" fill="hold" nodeType="tmRoot">
-          <p:childTnLst>
-            <p:seq concurrent="1" prevAc="none" nextAc="seek">
-              <p:cTn id="2" dur="indefinite" fill="hold" nodeType="mainSeq">
-                <p:childTnLst>
-                  <p:par>
-                    <p:cTn id="3" fill="hold">
-                      <p:stCondLst>
-                        <p:cond delay="indefinite"/>
-                      </p:stCondLst>
-                      <p:childTnLst>
-                        <p:par>
-                          <p:cTn id="4" fill="hold">
-                            <p:stCondLst>
-                              <p:cond delay="0"/>
-                            </p:stCondLst>
-                            <p:childTnLst>
-                              <p:par>
-                                <p:cTn id="5" presetID="9" presetClass="entr" presetSubtype="16" fill="hold" grpId="0" nodeType="clickEffect">
-                                  <p:stCondLst>
-                                    <p:cond delay="0"/>
-                                  </p:stCondLst>
-                                  <p:iterate>
-                                    <p:tmAbs val="0"/>
-                                  </p:iterate>
-                                  <p:childTnLst>
-                                    <p:set>
-                                      <p:cBhvr>
-                                        <p:cTn id="6" fill="hold"/>
-                                        <p:tgtEl>
-                                          <p:spTgt spid="306"/>
-                                        </p:tgtEl>
-                                        <p:attrNameLst>
-                                          <p:attrName>style.visibility</p:attrName>
-                                        </p:attrNameLst>
-                                      </p:cBhvr>
-                                      <p:to>
-                                        <p:strVal val="visible"/>
-                                      </p:to>
-                                    </p:set>
-                                    <p:animEffect transition="in" filter="dissolve(in)">
-                                      <p:cBhvr>
-                                        <p:cTn id="7" dur="750"/>
-                                        <p:tgtEl>
-                                          <p:spTgt spid="306"/>
-                                        </p:tgtEl>
-                                      </p:cBhvr>
-                                    </p:animEffect>
-                                  </p:childTnLst>
-                                </p:cTn>
-                              </p:par>
-                            </p:childTnLst>
-                          </p:cTn>
-                        </p:par>
-                      </p:childTnLst>
-                    </p:cTn>
-                  </p:par>
-                  <p:par>
-                    <p:cTn id="8" fill="hold">
-                      <p:stCondLst>
-                        <p:cond delay="indefinite"/>
-                      </p:stCondLst>
-                      <p:childTnLst>
-                        <p:par>
-                          <p:cTn id="9" fill="hold">
-                            <p:stCondLst>
-                              <p:cond delay="0"/>
-                            </p:stCondLst>
-                            <p:childTnLst>
-                              <p:par>
-                                <p:cTn id="10" presetID="9" presetClass="entr" presetSubtype="16" fill="hold" grpId="0" nodeType="clickEffect">
-                                  <p:stCondLst>
-                                    <p:cond delay="0"/>
-                                  </p:stCondLst>
-                                  <p:iterate>
-                                    <p:tmAbs val="0"/>
-                                  </p:iterate>
-                                  <p:childTnLst>
-                                    <p:set>
-                                      <p:cBhvr>
-                                        <p:cTn id="11" fill="hold"/>
-                                        <p:tgtEl>
-                                          <p:spTgt spid="308"/>
-                                        </p:tgtEl>
-                                        <p:attrNameLst>
-                                          <p:attrName>style.visibility</p:attrName>
-                                        </p:attrNameLst>
-                                      </p:cBhvr>
-                                      <p:to>
-                                        <p:strVal val="visible"/>
-                                      </p:to>
-                                    </p:set>
-                                    <p:animEffect transition="in" filter="dissolve(in)">
-                                      <p:cBhvr>
-                                        <p:cTn id="12" dur="750"/>
-                                        <p:tgtEl>
-                                          <p:spTgt spid="308"/>
-                                        </p:tgtEl>
-                                      </p:cBhvr>
-                                    </p:animEffect>
-                                  </p:childTnLst>
-                                </p:cTn>
-                              </p:par>
-                            </p:childTnLst>
-                          </p:cTn>
-                        </p:par>
-                      </p:childTnLst>
-                    </p:cTn>
-                  </p:par>
-                  <p:par>
-                    <p:cTn id="13" fill="hold">
-                      <p:stCondLst>
-                        <p:cond delay="indefinite"/>
-                      </p:stCondLst>
-                      <p:childTnLst>
-                        <p:par>
-                          <p:cTn id="14" fill="hold">
-                            <p:stCondLst>
-                              <p:cond delay="0"/>
-                            </p:stCondLst>
-                            <p:childTnLst>
-                              <p:par>
-                                <p:cTn id="15" presetID="9" presetClass="entr" presetSubtype="16" fill="hold" grpId="0" nodeType="clickEffect">
-                                  <p:stCondLst>
-                                    <p:cond delay="0"/>
-                                  </p:stCondLst>
-                                  <p:iterate>
-                                    <p:tmAbs val="0"/>
-                                  </p:iterate>
-                                  <p:childTnLst>
-                                    <p:set>
-                                      <p:cBhvr>
-                                        <p:cTn id="16" fill="hold"/>
-                                        <p:tgtEl>
-                                          <p:spTgt spid="309"/>
-                                        </p:tgtEl>
-                                        <p:attrNameLst>
-                                          <p:attrName>style.visibility</p:attrName>
-                                        </p:attrNameLst>
-                                      </p:cBhvr>
-                                      <p:to>
-                                        <p:strVal val="visible"/>
-                                      </p:to>
-                                    </p:set>
-                                    <p:animEffect transition="in" filter="dissolve(in)">
-                                      <p:cBhvr>
-                                        <p:cTn id="17" dur="750"/>
-                                        <p:tgtEl>
-                                          <p:spTgt spid="309"/>
-                                        </p:tgtEl>
-                                      </p:cBhvr>
-                                    </p:animEffect>
-                                  </p:childTnLst>
-                                </p:cTn>
-                              </p:par>
-                            </p:childTnLst>
-                          </p:cTn>
-                        </p:par>
-                      </p:childTnLst>
-                    </p:cTn>
-                  </p:par>
-                  <p:par>
-                    <p:cTn id="18" fill="hold">
-                      <p:stCondLst>
-                        <p:cond delay="indefinite"/>
-                      </p:stCondLst>
-                      <p:childTnLst>
-                        <p:par>
-                          <p:cTn id="19" fill="hold">
-                            <p:stCondLst>
-                              <p:cond delay="0"/>
-                            </p:stCondLst>
-                            <p:childTnLst>
-                              <p:par>
-                                <p:cTn id="20" presetID="9" presetClass="entr" presetSubtype="16" fill="hold" grpId="0" nodeType="clickEffect">
-                                  <p:stCondLst>
-                                    <p:cond delay="0"/>
-                                  </p:stCondLst>
-                                  <p:iterate>
-                                    <p:tmAbs val="0"/>
-                                  </p:iterate>
-                                  <p:childTnLst>
-                                    <p:set>
-                                      <p:cBhvr>
-                                        <p:cTn id="21" fill="hold"/>
-                                        <p:tgtEl>
-                                          <p:spTgt spid="10"/>
-                                        </p:tgtEl>
-                                        <p:attrNameLst>
-                                          <p:attrName>style.visibility</p:attrName>
-                                        </p:attrNameLst>
-                                      </p:cBhvr>
-                                      <p:to>
-                                        <p:strVal val="visible"/>
-                                      </p:to>
-                                    </p:set>
-                                    <p:animEffect transition="in" filter="dissolve(in)">
-                                      <p:cBhvr>
-                                        <p:cTn id="22" dur="750"/>
-                                        <p:tgtEl>
-                                          <p:spTgt spid="10"/>
-                                        </p:tgtEl>
-                                      </p:cBhvr>
-                                    </p:animEffect>
-                                  </p:childTnLst>
-                                </p:cTn>
-                              </p:par>
-                            </p:childTnLst>
-                          </p:cTn>
-                        </p:par>
-                      </p:childTnLst>
-                    </p:cTn>
-                  </p:par>
-                  <p:par>
-                    <p:cTn id="23" fill="hold">
-                      <p:stCondLst>
-                        <p:cond delay="indefinite"/>
-                      </p:stCondLst>
-                      <p:childTnLst>
-                        <p:par>
-                          <p:cTn id="24" fill="hold">
-                            <p:stCondLst>
-                              <p:cond delay="0"/>
-                            </p:stCondLst>
-                            <p:childTnLst>
-                              <p:par>
-                                <p:cTn id="25" presetID="9" presetClass="entr" presetSubtype="16" fill="hold" grpId="0" nodeType="clickEffect">
-                                  <p:stCondLst>
-                                    <p:cond delay="0"/>
-                                  </p:stCondLst>
-                                  <p:iterate>
-                                    <p:tmAbs val="0"/>
-                                  </p:iterate>
-                                  <p:childTnLst>
-                                    <p:set>
-                                      <p:cBhvr>
-                                        <p:cTn id="26" fill="hold"/>
-                                        <p:tgtEl>
-                                          <p:spTgt spid="13"/>
-                                        </p:tgtEl>
-                                        <p:attrNameLst>
-                                          <p:attrName>style.visibility</p:attrName>
-                                        </p:attrNameLst>
-                                      </p:cBhvr>
-                                      <p:to>
-                                        <p:strVal val="visible"/>
-                                      </p:to>
-                                    </p:set>
-                                    <p:animEffect transition="in" filter="dissolve(in)">
-                                      <p:cBhvr>
-                                        <p:cTn id="27" dur="750"/>
-                                        <p:tgtEl>
-                                          <p:spTgt spid="13"/>
-                                        </p:tgtEl>
-                                      </p:cBhvr>
-                                    </p:animEffect>
-                                  </p:childTnLst>
-                                </p:cTn>
-                              </p:par>
-                            </p:childTnLst>
-                          </p:cTn>
-                        </p:par>
-                      </p:childTnLst>
-                    </p:cTn>
-                  </p:par>
-                  <p:par>
-                    <p:cTn id="28" fill="hold">
-                      <p:stCondLst>
-                        <p:cond delay="indefinite"/>
-                      </p:stCondLst>
-                      <p:childTnLst>
-                        <p:par>
-                          <p:cTn id="29" fill="hold">
-                            <p:stCondLst>
-                              <p:cond delay="0"/>
-                            </p:stCondLst>
-                            <p:childTnLst>
-                              <p:par>
-                                <p:cTn id="30" presetID="9" presetClass="entr" presetSubtype="16" fill="hold" grpId="0" nodeType="clickEffect">
-                                  <p:stCondLst>
-                                    <p:cond delay="0"/>
-                                  </p:stCondLst>
-                                  <p:iterate>
-                                    <p:tmAbs val="0"/>
-                                  </p:iterate>
-                                  <p:childTnLst>
-                                    <p:set>
-                                      <p:cBhvr>
-                                        <p:cTn id="31" fill="hold"/>
-                                        <p:tgtEl>
-                                          <p:spTgt spid="14"/>
-                                        </p:tgtEl>
-                                        <p:attrNameLst>
-                                          <p:attrName>style.visibility</p:attrName>
-                                        </p:attrNameLst>
-                                      </p:cBhvr>
-                                      <p:to>
-                                        <p:strVal val="visible"/>
-                                      </p:to>
-                                    </p:set>
-                                    <p:animEffect transition="in" filter="dissolve(in)">
-                                      <p:cBhvr>
-                                        <p:cTn id="32" dur="750"/>
-                                        <p:tgtEl>
-                                          <p:spTgt spid="14"/>
-                                        </p:tgtEl>
-                                      </p:cBhvr>
-                                    </p:animEffect>
-                                  </p:childTnLst>
-                                </p:cTn>
-                              </p:par>
-                            </p:childTnLst>
-                          </p:cTn>
-                        </p:par>
-                      </p:childTnLst>
-                    </p:cTn>
-                  </p:par>
-                </p:childTnLst>
-              </p:cTn>
-              <p:prevCondLst>
-                <p:cond evt="onPrev" delay="0">
-                  <p:tgtEl>
-                    <p:sldTgt/>
-                  </p:tgtEl>
-                </p:cond>
-              </p:prevCondLst>
-              <p:nextCondLst>
-                <p:cond evt="onNext" delay="0">
-                  <p:tgtEl>
-                    <p:sldTgt/>
-                  </p:tgtEl>
-                </p:cond>
-              </p:nextCondLst>
-            </p:seq>
-          </p:childTnLst>
-        </p:cTn>
-      </p:par>
-    </p:tnLst>
-    <p:bldLst>
-      <p:bldP spid="306" grpId="0" animBg="1" advAuto="0"/>
-      <p:bldP spid="308" grpId="0" animBg="1" advAuto="0"/>
-      <p:bldP spid="309" grpId="0" animBg="1" advAuto="0"/>
-      <p:bldP spid="10" grpId="0" animBg="1" advAuto="0"/>
-      <p:bldP spid="13" grpId="0" animBg="1" advAuto="0"/>
-      <p:bldP spid="14" grpId="0" animBg="1" advAuto="0"/>
-    </p:bldLst>
-  </p:timing>
 </p:sld>
 </file>
 
@@ -14891,7 +16590,7 @@
           </a:ln>
           <a:extLst>
             <a:ext uri="{C572A759-6A51-4108-AA02-DFA0A04FC94B}">
-              <ma14:wrappingTextBoxFlag xmlns="" xmlns:ma14="http://schemas.microsoft.com/office/mac/drawingml/2011/main" val="1"/>
+              <ma14:wrappingTextBoxFlag xmlns:ma14="http://schemas.microsoft.com/office/mac/drawingml/2011/main" xmlns="" val="1"/>
             </a:ext>
           </a:extLst>
         </p:spPr>
@@ -14957,7 +16656,7 @@
           </a:ln>
           <a:extLst>
             <a:ext uri="{C572A759-6A51-4108-AA02-DFA0A04FC94B}">
-              <ma14:wrappingTextBoxFlag xmlns="" xmlns:ma14="http://schemas.microsoft.com/office/mac/drawingml/2011/main" val="1"/>
+              <ma14:wrappingTextBoxFlag xmlns:ma14="http://schemas.microsoft.com/office/mac/drawingml/2011/main" xmlns="" val="1"/>
             </a:ext>
           </a:extLst>
         </p:spPr>
@@ -15281,7 +16980,7 @@
           </a:ln>
           <a:extLst>
             <a:ext uri="{C572A759-6A51-4108-AA02-DFA0A04FC94B}">
-              <ma14:wrappingTextBoxFlag xmlns="" xmlns:ma14="http://schemas.microsoft.com/office/mac/drawingml/2011/main" val="1"/>
+              <ma14:wrappingTextBoxFlag xmlns:ma14="http://schemas.microsoft.com/office/mac/drawingml/2011/main" xmlns="" val="1"/>
             </a:ext>
           </a:extLst>
         </p:spPr>
@@ -15346,7 +17045,7 @@
           </a:ln>
           <a:extLst>
             <a:ext uri="{C572A759-6A51-4108-AA02-DFA0A04FC94B}">
-              <ma14:wrappingTextBoxFlag xmlns="" xmlns:ma14="http://schemas.microsoft.com/office/mac/drawingml/2011/main" val="1"/>
+              <ma14:wrappingTextBoxFlag xmlns:ma14="http://schemas.microsoft.com/office/mac/drawingml/2011/main" xmlns="" val="1"/>
             </a:ext>
           </a:extLst>
         </p:spPr>
@@ -15492,7 +17191,7 @@
           </a:ln>
           <a:extLst>
             <a:ext uri="{C572A759-6A51-4108-AA02-DFA0A04FC94B}">
-              <ma14:wrappingTextBoxFlag xmlns="" xmlns:ma14="http://schemas.microsoft.com/office/mac/drawingml/2011/main" val="1"/>
+              <ma14:wrappingTextBoxFlag xmlns:ma14="http://schemas.microsoft.com/office/mac/drawingml/2011/main" xmlns="" val="1"/>
             </a:ext>
           </a:extLst>
         </p:spPr>
@@ -15560,7 +17259,7 @@
           </a:ln>
           <a:extLst>
             <a:ext uri="{C572A759-6A51-4108-AA02-DFA0A04FC94B}">
-              <ma14:wrappingTextBoxFlag xmlns="" xmlns:ma14="http://schemas.microsoft.com/office/mac/drawingml/2011/main" val="1"/>
+              <ma14:wrappingTextBoxFlag xmlns:ma14="http://schemas.microsoft.com/office/mac/drawingml/2011/main" xmlns="" val="1"/>
             </a:ext>
           </a:extLst>
         </p:spPr>
@@ -15694,7 +17393,7 @@
           </a:ln>
           <a:extLst>
             <a:ext uri="{C572A759-6A51-4108-AA02-DFA0A04FC94B}">
-              <ma14:wrappingTextBoxFlag xmlns="" xmlns:ma14="http://schemas.microsoft.com/office/mac/drawingml/2011/main" val="1"/>
+              <ma14:wrappingTextBoxFlag xmlns:ma14="http://schemas.microsoft.com/office/mac/drawingml/2011/main" xmlns="" val="1"/>
             </a:ext>
           </a:extLst>
         </p:spPr>
@@ -15812,7 +17511,7 @@
           </a:ln>
           <a:extLst>
             <a:ext uri="{C572A759-6A51-4108-AA02-DFA0A04FC94B}">
-              <ma14:wrappingTextBoxFlag xmlns="" xmlns:ma14="http://schemas.microsoft.com/office/mac/drawingml/2011/main" val="1"/>
+              <ma14:wrappingTextBoxFlag xmlns:ma14="http://schemas.microsoft.com/office/mac/drawingml/2011/main" xmlns="" val="1"/>
             </a:ext>
           </a:extLst>
         </p:spPr>
@@ -15971,197 +17670,6 @@
     <a:masterClrMapping/>
   </p:clrMapOvr>
   <p:transition spd="med"/>
-  <p:timing>
-    <p:tnLst>
-      <p:par>
-        <p:cTn id="1" dur="indefinite" restart="never" nodeType="tmRoot">
-          <p:childTnLst>
-            <p:seq concurrent="1" nextAc="seek">
-              <p:cTn id="2" dur="indefinite" nodeType="mainSeq">
-                <p:childTnLst>
-                  <p:par>
-                    <p:cTn id="3" fill="hold">
-                      <p:stCondLst>
-                        <p:cond delay="indefinite"/>
-                      </p:stCondLst>
-                      <p:childTnLst>
-                        <p:par>
-                          <p:cTn id="4" fill="hold">
-                            <p:stCondLst>
-                              <p:cond delay="0"/>
-                            </p:stCondLst>
-                            <p:childTnLst>
-                              <p:par>
-                                <p:cTn id="5" presetID="9" presetClass="entr" presetSubtype="16" fill="hold" grpId="0" nodeType="clickEffect">
-                                  <p:stCondLst>
-                                    <p:cond delay="0"/>
-                                  </p:stCondLst>
-                                  <p:iterate>
-                                    <p:tmAbs val="0"/>
-                                  </p:iterate>
-                                  <p:childTnLst>
-                                    <p:set>
-                                      <p:cBhvr>
-                                        <p:cTn id="6" fill="hold"/>
-                                        <p:tgtEl>
-                                          <p:spTgt spid="11"/>
-                                        </p:tgtEl>
-                                        <p:attrNameLst>
-                                          <p:attrName>style.visibility</p:attrName>
-                                        </p:attrNameLst>
-                                      </p:cBhvr>
-                                      <p:to>
-                                        <p:strVal val="visible"/>
-                                      </p:to>
-                                    </p:set>
-                                    <p:animEffect transition="in" filter="dissolve(in)">
-                                      <p:cBhvr>
-                                        <p:cTn id="7" dur="750"/>
-                                        <p:tgtEl>
-                                          <p:spTgt spid="11"/>
-                                        </p:tgtEl>
-                                      </p:cBhvr>
-                                    </p:animEffect>
-                                  </p:childTnLst>
-                                </p:cTn>
-                              </p:par>
-                            </p:childTnLst>
-                          </p:cTn>
-                        </p:par>
-                      </p:childTnLst>
-                    </p:cTn>
-                  </p:par>
-                  <p:par>
-                    <p:cTn id="8" fill="hold">
-                      <p:stCondLst>
-                        <p:cond delay="indefinite"/>
-                      </p:stCondLst>
-                      <p:childTnLst>
-                        <p:par>
-                          <p:cTn id="9" fill="hold">
-                            <p:stCondLst>
-                              <p:cond delay="0"/>
-                            </p:stCondLst>
-                            <p:childTnLst>
-                              <p:par>
-                                <p:cTn id="10" presetID="9" presetClass="entr" presetSubtype="16" fill="hold" grpId="0" nodeType="clickEffect">
-                                  <p:stCondLst>
-                                    <p:cond delay="0"/>
-                                  </p:stCondLst>
-                                  <p:iterate>
-                                    <p:tmAbs val="0"/>
-                                  </p:iterate>
-                                  <p:childTnLst>
-                                    <p:set>
-                                      <p:cBhvr>
-                                        <p:cTn id="11" fill="hold"/>
-                                        <p:tgtEl>
-                                          <p:spTgt spid="12"/>
-                                        </p:tgtEl>
-                                        <p:attrNameLst>
-                                          <p:attrName>style.visibility</p:attrName>
-                                        </p:attrNameLst>
-                                      </p:cBhvr>
-                                      <p:to>
-                                        <p:strVal val="visible"/>
-                                      </p:to>
-                                    </p:set>
-                                    <p:animEffect transition="in" filter="dissolve(in)">
-                                      <p:cBhvr>
-                                        <p:cTn id="12" dur="750"/>
-                                        <p:tgtEl>
-                                          <p:spTgt spid="12"/>
-                                        </p:tgtEl>
-                                      </p:cBhvr>
-                                    </p:animEffect>
-                                  </p:childTnLst>
-                                </p:cTn>
-                              </p:par>
-                            </p:childTnLst>
-                          </p:cTn>
-                        </p:par>
-                      </p:childTnLst>
-                    </p:cTn>
-                  </p:par>
-                  <p:par>
-                    <p:cTn id="13" fill="hold">
-                      <p:stCondLst>
-                        <p:cond delay="indefinite"/>
-                      </p:stCondLst>
-                      <p:childTnLst>
-                        <p:par>
-                          <p:cTn id="14" fill="hold">
-                            <p:stCondLst>
-                              <p:cond delay="0"/>
-                            </p:stCondLst>
-                            <p:childTnLst>
-                              <p:par>
-                                <p:cTn id="15" presetID="9" presetClass="entr" presetSubtype="16" fill="hold" grpId="0" nodeType="clickEffect">
-                                  <p:stCondLst>
-                                    <p:cond delay="0"/>
-                                  </p:stCondLst>
-                                  <p:iterate>
-                                    <p:tmAbs val="0"/>
-                                  </p:iterate>
-                                  <p:childTnLst>
-                                    <p:set>
-                                      <p:cBhvr>
-                                        <p:cTn id="16" fill="hold"/>
-                                        <p:tgtEl>
-                                          <p:spTgt spid="13"/>
-                                        </p:tgtEl>
-                                        <p:attrNameLst>
-                                          <p:attrName>style.visibility</p:attrName>
-                                        </p:attrNameLst>
-                                      </p:cBhvr>
-                                      <p:to>
-                                        <p:strVal val="visible"/>
-                                      </p:to>
-                                    </p:set>
-                                    <p:animEffect transition="in" filter="dissolve(in)">
-                                      <p:cBhvr>
-                                        <p:cTn id="17" dur="750"/>
-                                        <p:tgtEl>
-                                          <p:spTgt spid="13"/>
-                                        </p:tgtEl>
-                                      </p:cBhvr>
-                                    </p:animEffect>
-                                  </p:childTnLst>
-                                </p:cTn>
-                              </p:par>
-                            </p:childTnLst>
-                          </p:cTn>
-                        </p:par>
-                      </p:childTnLst>
-                    </p:cTn>
-                  </p:par>
-                </p:childTnLst>
-              </p:cTn>
-              <p:prevCondLst>
-                <p:cond evt="onPrev" delay="0">
-                  <p:tgtEl>
-                    <p:sldTgt/>
-                  </p:tgtEl>
-                </p:cond>
-              </p:prevCondLst>
-              <p:nextCondLst>
-                <p:cond evt="onNext" delay="0">
-                  <p:tgtEl>
-                    <p:sldTgt/>
-                  </p:tgtEl>
-                </p:cond>
-              </p:nextCondLst>
-            </p:seq>
-          </p:childTnLst>
-        </p:cTn>
-      </p:par>
-    </p:tnLst>
-    <p:bldLst>
-      <p:bldP spid="11" grpId="0" animBg="1" advAuto="0"/>
-      <p:bldP spid="12" grpId="0" animBg="1" advAuto="0"/>
-      <p:bldP spid="13" grpId="0" animBg="1" advAuto="0"/>
-    </p:bldLst>
-  </p:timing>
 </p:sld>
 </file>
 
@@ -16201,7 +17709,7 @@
           </a:ln>
           <a:extLst>
             <a:ext uri="{C572A759-6A51-4108-AA02-DFA0A04FC94B}">
-              <ma14:wrappingTextBoxFlag xmlns="" xmlns:ma14="http://schemas.microsoft.com/office/mac/drawingml/2011/main" val="1"/>
+              <ma14:wrappingTextBoxFlag xmlns:ma14="http://schemas.microsoft.com/office/mac/drawingml/2011/main" xmlns="" val="1"/>
             </a:ext>
           </a:extLst>
         </p:spPr>
@@ -16267,7 +17775,7 @@
           </a:ln>
           <a:extLst>
             <a:ext uri="{C572A759-6A51-4108-AA02-DFA0A04FC94B}">
-              <ma14:wrappingTextBoxFlag xmlns="" xmlns:ma14="http://schemas.microsoft.com/office/mac/drawingml/2011/main" val="1"/>
+              <ma14:wrappingTextBoxFlag xmlns:ma14="http://schemas.microsoft.com/office/mac/drawingml/2011/main" xmlns="" val="1"/>
             </a:ext>
           </a:extLst>
         </p:spPr>
@@ -16395,7 +17903,7 @@
           </a:ln>
           <a:extLst>
             <a:ext uri="{C572A759-6A51-4108-AA02-DFA0A04FC94B}">
-              <ma14:wrappingTextBoxFlag xmlns="" xmlns:ma14="http://schemas.microsoft.com/office/mac/drawingml/2011/main" val="1"/>
+              <ma14:wrappingTextBoxFlag xmlns:ma14="http://schemas.microsoft.com/office/mac/drawingml/2011/main" xmlns="" val="1"/>
             </a:ext>
           </a:extLst>
         </p:spPr>
@@ -16541,7 +18049,7 @@
           </a:ln>
           <a:extLst>
             <a:ext uri="{C572A759-6A51-4108-AA02-DFA0A04FC94B}">
-              <ma14:wrappingTextBoxFlag xmlns="" xmlns:ma14="http://schemas.microsoft.com/office/mac/drawingml/2011/main" val="1"/>
+              <ma14:wrappingTextBoxFlag xmlns:ma14="http://schemas.microsoft.com/office/mac/drawingml/2011/main" xmlns="" val="1"/>
             </a:ext>
           </a:extLst>
         </p:spPr>
@@ -16609,7 +18117,7 @@
           </a:ln>
           <a:extLst>
             <a:ext uri="{C572A759-6A51-4108-AA02-DFA0A04FC94B}">
-              <ma14:wrappingTextBoxFlag xmlns="" xmlns:ma14="http://schemas.microsoft.com/office/mac/drawingml/2011/main" val="1"/>
+              <ma14:wrappingTextBoxFlag xmlns:ma14="http://schemas.microsoft.com/office/mac/drawingml/2011/main" xmlns="" val="1"/>
             </a:ext>
           </a:extLst>
         </p:spPr>
@@ -16743,7 +18251,7 @@
           </a:ln>
           <a:extLst>
             <a:ext uri="{C572A759-6A51-4108-AA02-DFA0A04FC94B}">
-              <ma14:wrappingTextBoxFlag xmlns="" xmlns:ma14="http://schemas.microsoft.com/office/mac/drawingml/2011/main" val="1"/>
+              <ma14:wrappingTextBoxFlag xmlns:ma14="http://schemas.microsoft.com/office/mac/drawingml/2011/main" xmlns="" val="1"/>
             </a:ext>
           </a:extLst>
         </p:spPr>
@@ -16860,7 +18368,7 @@
           </a:ln>
           <a:extLst>
             <a:ext uri="{C572A759-6A51-4108-AA02-DFA0A04FC94B}">
-              <ma14:wrappingTextBoxFlag xmlns="" xmlns:ma14="http://schemas.microsoft.com/office/mac/drawingml/2011/main" val="1"/>
+              <ma14:wrappingTextBoxFlag xmlns:ma14="http://schemas.microsoft.com/office/mac/drawingml/2011/main" xmlns="" val="1"/>
             </a:ext>
           </a:extLst>
         </p:spPr>
@@ -17029,7 +18537,7 @@
           </a:ln>
           <a:extLst>
             <a:ext uri="{C572A759-6A51-4108-AA02-DFA0A04FC94B}">
-              <ma14:wrappingTextBoxFlag xmlns="" xmlns:ma14="http://schemas.microsoft.com/office/mac/drawingml/2011/main" val="1"/>
+              <ma14:wrappingTextBoxFlag xmlns:ma14="http://schemas.microsoft.com/office/mac/drawingml/2011/main" xmlns="" val="1"/>
             </a:ext>
           </a:extLst>
         </p:spPr>
@@ -17124,7 +18632,7 @@
           </a:ln>
           <a:extLst>
             <a:ext uri="{C572A759-6A51-4108-AA02-DFA0A04FC94B}">
-              <ma14:wrappingTextBoxFlag xmlns="" xmlns:ma14="http://schemas.microsoft.com/office/mac/drawingml/2011/main" val="1"/>
+              <ma14:wrappingTextBoxFlag xmlns:ma14="http://schemas.microsoft.com/office/mac/drawingml/2011/main" xmlns="" val="1"/>
             </a:ext>
           </a:extLst>
         </p:spPr>
@@ -17177,22 +18685,7 @@
                 <a:cs typeface="Arial Unicode MS" panose="020B0604020202020204" pitchFamily="34" charset="-128"/>
                 <a:sym typeface="Iowan Old Style Roman"/>
               </a:rPr>
-              <a:t>may have </a:t>
-            </a:r>
-            <a:r>
-              <a:rPr lang="en-US" sz="2600" dirty="0" err="1">
-                <a:solidFill>
-                  <a:schemeClr val="tx1"/>
-                </a:solidFill>
-                <a:uFill>
-                  <a:solidFill/>
-                </a:uFill>
-                <a:latin typeface="Arial Unicode MS" panose="020B0604020202020204" pitchFamily="34" charset="-128"/>
-                <a:ea typeface="Arial Unicode MS" panose="020B0604020202020204" pitchFamily="34" charset="-128"/>
-                <a:cs typeface="Arial Unicode MS" panose="020B0604020202020204" pitchFamily="34" charset="-128"/>
-                <a:sym typeface="Iowan Old Style Roman"/>
-              </a:rPr>
-              <a:t>attribures</a:t>
+              <a:t>may have attributes</a:t>
             </a:r>
             <a:r>
               <a:rPr sz="2600" dirty="0">
@@ -17351,7 +18844,7 @@
           </a:ln>
           <a:extLst>
             <a:ext uri="{C572A759-6A51-4108-AA02-DFA0A04FC94B}">
-              <ma14:wrappingTextBoxFlag xmlns="" xmlns:ma14="http://schemas.microsoft.com/office/mac/drawingml/2011/main" val="1"/>
+              <ma14:wrappingTextBoxFlag xmlns:ma14="http://schemas.microsoft.com/office/mac/drawingml/2011/main" xmlns="" val="1"/>
             </a:ext>
           </a:extLst>
         </p:spPr>
@@ -17497,7 +18990,7 @@
           </a:ln>
           <a:extLst>
             <a:ext uri="{C572A759-6A51-4108-AA02-DFA0A04FC94B}">
-              <ma14:wrappingTextBoxFlag xmlns="" xmlns:ma14="http://schemas.microsoft.com/office/mac/drawingml/2011/main" val="1"/>
+              <ma14:wrappingTextBoxFlag xmlns:ma14="http://schemas.microsoft.com/office/mac/drawingml/2011/main" xmlns="" val="1"/>
             </a:ext>
           </a:extLst>
         </p:spPr>
@@ -17565,7 +19058,7 @@
           </a:ln>
           <a:extLst>
             <a:ext uri="{C572A759-6A51-4108-AA02-DFA0A04FC94B}">
-              <ma14:wrappingTextBoxFlag xmlns="" xmlns:ma14="http://schemas.microsoft.com/office/mac/drawingml/2011/main" val="1"/>
+              <ma14:wrappingTextBoxFlag xmlns:ma14="http://schemas.microsoft.com/office/mac/drawingml/2011/main" xmlns="" val="1"/>
             </a:ext>
           </a:extLst>
         </p:spPr>
@@ -17699,7 +19192,7 @@
           </a:ln>
           <a:extLst>
             <a:ext uri="{C572A759-6A51-4108-AA02-DFA0A04FC94B}">
-              <ma14:wrappingTextBoxFlag xmlns="" xmlns:ma14="http://schemas.microsoft.com/office/mac/drawingml/2011/main" val="1"/>
+              <ma14:wrappingTextBoxFlag xmlns:ma14="http://schemas.microsoft.com/office/mac/drawingml/2011/main" xmlns="" val="1"/>
             </a:ext>
           </a:extLst>
         </p:spPr>
@@ -17985,7 +19478,1948 @@
           </a:ln>
           <a:extLst>
             <a:ext uri="{C572A759-6A51-4108-AA02-DFA0A04FC94B}">
-              <ma14:wrappingTextBoxFlag xmlns="" xmlns:ma14="http://schemas.microsoft.com/office/mac/drawingml/2011/main" val="1"/>
+              <ma14:wrappingTextBoxFlag xmlns:ma14="http://schemas.microsoft.com/office/mac/drawingml/2011/main" xmlns="" val="1"/>
+            </a:ext>
+          </a:extLst>
+        </p:spPr>
+        <p:txBody>
+          <a:bodyPr lIns="0" tIns="0" rIns="0" bIns="0">
+            <a:spAutoFit/>
+          </a:bodyPr>
+          <a:lstStyle>
+            <a:lvl1pPr>
+              <a:defRPr sz="3000" b="1">
+                <a:uFill>
+                  <a:solidFill>
+                    <a:srgbClr val="FFFFFF"/>
+                  </a:solidFill>
+                </a:uFill>
+              </a:defRPr>
+            </a:lvl1pPr>
+          </a:lstStyle>
+          <a:p>
+            <a:pPr lvl="0">
+              <a:defRPr sz="1800" b="0">
+                <a:solidFill>
+                  <a:srgbClr val="000000"/>
+                </a:solidFill>
+                <a:uFillTx/>
+              </a:defRPr>
+            </a:pPr>
+            <a:r>
+              <a:rPr lang="en-US" sz="3000" b="0" dirty="0">
+                <a:solidFill>
+                  <a:srgbClr val="57068C"/>
+                </a:solidFill>
+                <a:uFill>
+                  <a:solidFill>
+                    <a:srgbClr val="FFFFFF"/>
+                  </a:solidFill>
+                </a:uFill>
+                <a:latin typeface="Arial Unicode MS" panose="020B0604020202020204" pitchFamily="34" charset="-128"/>
+                <a:ea typeface="Arial Unicode MS" panose="020B0604020202020204" pitchFamily="34" charset="-128"/>
+                <a:cs typeface="Arial Unicode MS" panose="020B0604020202020204" pitchFamily="34" charset="-128"/>
+              </a:rPr>
+              <a:t>Relationship </a:t>
+            </a:r>
+            <a:r>
+              <a:rPr sz="3000" b="0" dirty="0">
+                <a:solidFill>
+                  <a:srgbClr val="57068C"/>
+                </a:solidFill>
+                <a:uFill>
+                  <a:solidFill>
+                    <a:srgbClr val="FFFFFF"/>
+                  </a:solidFill>
+                </a:uFill>
+                <a:latin typeface="Arial Unicode MS" panose="020B0604020202020204" pitchFamily="34" charset="-128"/>
+                <a:ea typeface="Arial Unicode MS" panose="020B0604020202020204" pitchFamily="34" charset="-128"/>
+                <a:cs typeface="Arial Unicode MS" panose="020B0604020202020204" pitchFamily="34" charset="-128"/>
+              </a:rPr>
+              <a:t>Cardinalit</a:t>
+            </a:r>
+            <a:r>
+              <a:rPr lang="en-US" sz="3000" b="0" dirty="0">
+                <a:solidFill>
+                  <a:srgbClr val="57068C"/>
+                </a:solidFill>
+                <a:uFill>
+                  <a:solidFill>
+                    <a:srgbClr val="FFFFFF"/>
+                  </a:solidFill>
+                </a:uFill>
+                <a:latin typeface="Arial Unicode MS" panose="020B0604020202020204" pitchFamily="34" charset="-128"/>
+                <a:ea typeface="Arial Unicode MS" panose="020B0604020202020204" pitchFamily="34" charset="-128"/>
+                <a:cs typeface="Arial Unicode MS" panose="020B0604020202020204" pitchFamily="34" charset="-128"/>
+              </a:rPr>
+              <a:t>ies</a:t>
+            </a:r>
+            <a:endParaRPr sz="3000" b="0" dirty="0">
+              <a:solidFill>
+                <a:srgbClr val="57068C"/>
+              </a:solidFill>
+              <a:uFill>
+                <a:solidFill>
+                  <a:srgbClr val="FFFFFF"/>
+                </a:solidFill>
+              </a:uFill>
+              <a:latin typeface="Arial Unicode MS" panose="020B0604020202020204" pitchFamily="34" charset="-128"/>
+              <a:ea typeface="Arial Unicode MS" panose="020B0604020202020204" pitchFamily="34" charset="-128"/>
+              <a:cs typeface="Arial Unicode MS" panose="020B0604020202020204" pitchFamily="34" charset="-128"/>
+            </a:endParaRPr>
+          </a:p>
+        </p:txBody>
+      </p:sp>
+      <p:sp>
+        <p:nvSpPr>
+          <p:cNvPr id="385" name="Shape 385"/>
+          <p:cNvSpPr/>
+          <p:nvPr/>
+        </p:nvSpPr>
+        <p:spPr>
+          <a:xfrm>
+            <a:off x="469899" y="944759"/>
+            <a:ext cx="8230218" cy="615553"/>
+          </a:xfrm>
+          <a:prstGeom prst="rect">
+            <a:avLst/>
+          </a:prstGeom>
+          <a:ln w="12700">
+            <a:miter lim="400000"/>
+          </a:ln>
+          <a:extLst>
+            <a:ext uri="{C572A759-6A51-4108-AA02-DFA0A04FC94B}">
+              <ma14:wrappingTextBoxFlag xmlns:ma14="http://schemas.microsoft.com/office/mac/drawingml/2011/main" xmlns="" val="1"/>
+            </a:ext>
+          </a:extLst>
+        </p:spPr>
+        <p:txBody>
+          <a:bodyPr wrap="square" lIns="0" tIns="0" rIns="0" bIns="0">
+            <a:spAutoFit/>
+          </a:bodyPr>
+          <a:lstStyle>
+            <a:lvl1pPr marL="342900" indent="-304800">
+              <a:spcBef>
+                <a:spcPts val="700"/>
+              </a:spcBef>
+              <a:buSzPct val="50000"/>
+              <a:buBlip>
+                <a:blip r:embed="rId3"/>
+              </a:buBlip>
+              <a:defRPr sz="2600">
+                <a:solidFill>
+                  <a:srgbClr val="01106D"/>
+                </a:solidFill>
+                <a:latin typeface="Iowan Old Style Roman"/>
+                <a:ea typeface="Iowan Old Style Roman"/>
+                <a:cs typeface="Iowan Old Style Roman"/>
+                <a:sym typeface="Iowan Old Style Roman"/>
+              </a:defRPr>
+            </a:lvl1pPr>
+          </a:lstStyle>
+          <a:p>
+            <a:pPr lvl="0">
+              <a:defRPr sz="1800">
+                <a:solidFill>
+                  <a:srgbClr val="000000"/>
+                </a:solidFill>
+                <a:uFillTx/>
+              </a:defRPr>
+            </a:pPr>
+            <a:r>
+              <a:rPr sz="2000" dirty="0">
+                <a:solidFill>
+                  <a:schemeClr val="tx1"/>
+                </a:solidFill>
+                <a:uFill>
+                  <a:solidFill/>
+                </a:uFill>
+                <a:latin typeface="Arial Unicode MS" panose="020B0604020202020204" pitchFamily="34" charset="-128"/>
+                <a:ea typeface="Arial Unicode MS" panose="020B0604020202020204" pitchFamily="34" charset="-128"/>
+                <a:cs typeface="Arial Unicode MS" panose="020B0604020202020204" pitchFamily="34" charset="-128"/>
+              </a:rPr>
+              <a:t>Cardinalities describe the number of instances that participate in a relationshi</a:t>
+            </a:r>
+            <a:r>
+              <a:rPr lang="en-US" sz="2000" dirty="0">
+                <a:solidFill>
+                  <a:schemeClr val="tx1"/>
+                </a:solidFill>
+                <a:uFill>
+                  <a:solidFill/>
+                </a:uFill>
+                <a:latin typeface="Arial Unicode MS" panose="020B0604020202020204" pitchFamily="34" charset="-128"/>
+                <a:ea typeface="Arial Unicode MS" panose="020B0604020202020204" pitchFamily="34" charset="-128"/>
+                <a:cs typeface="Arial Unicode MS" panose="020B0604020202020204" pitchFamily="34" charset="-128"/>
+              </a:rPr>
+              <a:t>p</a:t>
+            </a:r>
+          </a:p>
+        </p:txBody>
+      </p:sp>
+      <p:graphicFrame>
+        <p:nvGraphicFramePr>
+          <p:cNvPr id="386" name="Table 386"/>
+          <p:cNvGraphicFramePr/>
+          <p:nvPr>
+            <p:extLst>
+              <p:ext uri="{D42A27DB-BD31-4B8C-83A1-F6EECF244321}">
+                <p14:modId xmlns:p14="http://schemas.microsoft.com/office/powerpoint/2010/main" val="3419613645"/>
+              </p:ext>
+            </p:extLst>
+          </p:nvPr>
+        </p:nvGraphicFramePr>
+        <p:xfrm>
+          <a:off x="4873680" y="2271244"/>
+          <a:ext cx="1455489" cy="1857759"/>
+        </p:xfrm>
+        <a:graphic>
+          <a:graphicData uri="http://schemas.openxmlformats.org/drawingml/2006/table">
+            <a:tbl>
+              <a:tblPr firstRow="1" bandRow="1">
+                <a:tableStyleId>{4C3C2611-4C71-4FC5-86AE-919BDF0F9419}</a:tableStyleId>
+              </a:tblPr>
+              <a:tblGrid>
+                <a:gridCol w="1455489">
+                  <a:extLst>
+                    <a:ext uri="{9D8B030D-6E8A-4147-A177-3AD203B41FA5}">
+                      <a16:colId xmlns:a16="http://schemas.microsoft.com/office/drawing/2014/main" val="20000"/>
+                    </a:ext>
+                  </a:extLst>
+                </a:gridCol>
+              </a:tblGrid>
+              <a:tr h="473459">
+                <a:tc>
+                  <a:txBody>
+                    <a:bodyPr/>
+                    <a:lstStyle/>
+                    <a:p>
+                      <a:pPr lvl="0" algn="l">
+                        <a:spcBef>
+                          <a:spcPts val="500"/>
+                        </a:spcBef>
+                        <a:defRPr sz="1800" b="0" i="0">
+                          <a:solidFill>
+                            <a:srgbClr val="000000"/>
+                          </a:solidFill>
+                          <a:uFillTx/>
+                        </a:defRPr>
+                      </a:pPr>
+                      <a:r>
+                        <a:rPr sz="2200" b="1" i="1" dirty="0">
+                          <a:solidFill>
+                            <a:srgbClr val="FFFFFF"/>
+                          </a:solidFill>
+                          <a:uFill>
+                            <a:solidFill>
+                              <a:srgbClr val="FFFFFF"/>
+                            </a:solidFill>
+                          </a:uFill>
+                          <a:latin typeface="Arial Unicode MS" panose="020B0604020202020204" pitchFamily="34" charset="-128"/>
+                        </a:rPr>
+                        <a:t>Students</a:t>
+                      </a:r>
+                    </a:p>
+                  </a:txBody>
+                  <a:tcPr marL="63500" marR="63500" marT="63500" marB="63500" horzOverflow="overflow">
+                    <a:lnL w="12700">
+                      <a:miter lim="400000"/>
+                    </a:lnL>
+                    <a:lnR w="12700">
+                      <a:miter lim="400000"/>
+                    </a:lnR>
+                    <a:lnT w="12700">
+                      <a:miter lim="400000"/>
+                    </a:lnT>
+                    <a:lnB w="12700">
+                      <a:miter lim="400000"/>
+                    </a:lnB>
+                  </a:tcPr>
+                </a:tc>
+                <a:extLst>
+                  <a:ext uri="{0D108BD9-81ED-4DB2-BD59-A6C34878D82A}">
+                    <a16:rowId xmlns:a16="http://schemas.microsoft.com/office/drawing/2014/main" val="10000"/>
+                  </a:ext>
+                </a:extLst>
+              </a:tr>
+              <a:tr h="469900">
+                <a:tc>
+                  <a:txBody>
+                    <a:bodyPr/>
+                    <a:lstStyle/>
+                    <a:p>
+                      <a:pPr lvl="0" algn="ctr">
+                        <a:defRPr sz="1800">
+                          <a:solidFill>
+                            <a:srgbClr val="000000"/>
+                          </a:solidFill>
+                          <a:uFillTx/>
+                        </a:defRPr>
+                      </a:pPr>
+                      <a:r>
+                        <a:rPr dirty="0">
+                          <a:solidFill>
+                            <a:srgbClr val="191164"/>
+                          </a:solidFill>
+                          <a:uFill>
+                            <a:solidFill/>
+                          </a:uFill>
+                          <a:latin typeface="Arial Unicode MS" panose="020B0604020202020204" pitchFamily="34" charset="-128"/>
+                        </a:rPr>
+                        <a:t>Student 1</a:t>
+                      </a:r>
+                    </a:p>
+                  </a:txBody>
+                  <a:tcPr marL="63500" marR="63500" marT="63500" marB="63500" horzOverflow="overflow">
+                    <a:lnL w="12700">
+                      <a:miter lim="400000"/>
+                    </a:lnL>
+                    <a:lnR w="12700">
+                      <a:miter lim="400000"/>
+                    </a:lnR>
+                    <a:lnT w="12700">
+                      <a:miter lim="400000"/>
+                    </a:lnT>
+                    <a:lnB w="12700">
+                      <a:miter lim="400000"/>
+                    </a:lnB>
+                  </a:tcPr>
+                </a:tc>
+                <a:extLst>
+                  <a:ext uri="{0D108BD9-81ED-4DB2-BD59-A6C34878D82A}">
+                    <a16:rowId xmlns:a16="http://schemas.microsoft.com/office/drawing/2014/main" val="10001"/>
+                  </a:ext>
+                </a:extLst>
+              </a:tr>
+              <a:tr h="457200">
+                <a:tc>
+                  <a:txBody>
+                    <a:bodyPr/>
+                    <a:lstStyle/>
+                    <a:p>
+                      <a:pPr lvl="0" algn="ctr">
+                        <a:defRPr sz="1800">
+                          <a:solidFill>
+                            <a:srgbClr val="000000"/>
+                          </a:solidFill>
+                          <a:uFillTx/>
+                        </a:defRPr>
+                      </a:pPr>
+                      <a:r>
+                        <a:rPr dirty="0">
+                          <a:solidFill>
+                            <a:srgbClr val="191164"/>
+                          </a:solidFill>
+                          <a:uFill>
+                            <a:solidFill/>
+                          </a:uFill>
+                          <a:latin typeface="Arial Unicode MS" panose="020B0604020202020204" pitchFamily="34" charset="-128"/>
+                        </a:rPr>
+                        <a:t>Student 2</a:t>
+                      </a:r>
+                    </a:p>
+                  </a:txBody>
+                  <a:tcPr marL="63500" marR="63500" marT="63500" marB="63500" horzOverflow="overflow">
+                    <a:lnL w="12700">
+                      <a:miter lim="400000"/>
+                    </a:lnL>
+                    <a:lnR w="12700">
+                      <a:miter lim="400000"/>
+                    </a:lnR>
+                    <a:lnT w="12700">
+                      <a:miter lim="400000"/>
+                    </a:lnT>
+                    <a:lnB w="12700">
+                      <a:miter lim="400000"/>
+                    </a:lnB>
+                  </a:tcPr>
+                </a:tc>
+                <a:extLst>
+                  <a:ext uri="{0D108BD9-81ED-4DB2-BD59-A6C34878D82A}">
+                    <a16:rowId xmlns:a16="http://schemas.microsoft.com/office/drawing/2014/main" val="10002"/>
+                  </a:ext>
+                </a:extLst>
+              </a:tr>
+              <a:tr h="457200">
+                <a:tc>
+                  <a:txBody>
+                    <a:bodyPr/>
+                    <a:lstStyle/>
+                    <a:p>
+                      <a:pPr lvl="0" algn="ctr">
+                        <a:defRPr sz="1800">
+                          <a:solidFill>
+                            <a:srgbClr val="000000"/>
+                          </a:solidFill>
+                          <a:uFillTx/>
+                        </a:defRPr>
+                      </a:pPr>
+                      <a:r>
+                        <a:rPr dirty="0">
+                          <a:solidFill>
+                            <a:srgbClr val="191164"/>
+                          </a:solidFill>
+                          <a:uFill>
+                            <a:solidFill/>
+                          </a:uFill>
+                          <a:latin typeface="Arial Unicode MS" panose="020B0604020202020204" pitchFamily="34" charset="-128"/>
+                        </a:rPr>
+                        <a:t>Student 3</a:t>
+                      </a:r>
+                    </a:p>
+                  </a:txBody>
+                  <a:tcPr marL="63500" marR="63500" marT="63500" marB="63500" horzOverflow="overflow">
+                    <a:lnL w="12700">
+                      <a:miter lim="400000"/>
+                    </a:lnL>
+                    <a:lnR w="12700">
+                      <a:miter lim="400000"/>
+                    </a:lnR>
+                    <a:lnT w="12700">
+                      <a:miter lim="400000"/>
+                    </a:lnT>
+                    <a:lnB w="12700">
+                      <a:miter lim="400000"/>
+                    </a:lnB>
+                  </a:tcPr>
+                </a:tc>
+                <a:extLst>
+                  <a:ext uri="{0D108BD9-81ED-4DB2-BD59-A6C34878D82A}">
+                    <a16:rowId xmlns:a16="http://schemas.microsoft.com/office/drawing/2014/main" val="10003"/>
+                  </a:ext>
+                </a:extLst>
+              </a:tr>
+            </a:tbl>
+          </a:graphicData>
+        </a:graphic>
+      </p:graphicFrame>
+      <p:graphicFrame>
+        <p:nvGraphicFramePr>
+          <p:cNvPr id="387" name="Table 387"/>
+          <p:cNvGraphicFramePr/>
+          <p:nvPr>
+            <p:extLst>
+              <p:ext uri="{D42A27DB-BD31-4B8C-83A1-F6EECF244321}">
+                <p14:modId xmlns:p14="http://schemas.microsoft.com/office/powerpoint/2010/main" val="3475245641"/>
+              </p:ext>
+            </p:extLst>
+          </p:nvPr>
+        </p:nvGraphicFramePr>
+        <p:xfrm>
+          <a:off x="7555523" y="2271244"/>
+          <a:ext cx="1320800" cy="2314959"/>
+        </p:xfrm>
+        <a:graphic>
+          <a:graphicData uri="http://schemas.openxmlformats.org/drawingml/2006/table">
+            <a:tbl>
+              <a:tblPr firstRow="1" bandRow="1">
+                <a:tableStyleId>{4C3C2611-4C71-4FC5-86AE-919BDF0F9419}</a:tableStyleId>
+              </a:tblPr>
+              <a:tblGrid>
+                <a:gridCol w="1320800">
+                  <a:extLst>
+                    <a:ext uri="{9D8B030D-6E8A-4147-A177-3AD203B41FA5}">
+                      <a16:colId xmlns:a16="http://schemas.microsoft.com/office/drawing/2014/main" val="20000"/>
+                    </a:ext>
+                  </a:extLst>
+                </a:gridCol>
+              </a:tblGrid>
+              <a:tr h="473459">
+                <a:tc>
+                  <a:txBody>
+                    <a:bodyPr/>
+                    <a:lstStyle/>
+                    <a:p>
+                      <a:pPr lvl="0" algn="l">
+                        <a:spcBef>
+                          <a:spcPts val="500"/>
+                        </a:spcBef>
+                        <a:defRPr sz="1800" b="0" i="0">
+                          <a:solidFill>
+                            <a:srgbClr val="000000"/>
+                          </a:solidFill>
+                          <a:uFillTx/>
+                        </a:defRPr>
+                      </a:pPr>
+                      <a:r>
+                        <a:rPr sz="2200" b="1" i="1" dirty="0">
+                          <a:solidFill>
+                            <a:srgbClr val="FFFFFF"/>
+                          </a:solidFill>
+                          <a:uFill>
+                            <a:solidFill>
+                              <a:srgbClr val="FFFFFF"/>
+                            </a:solidFill>
+                          </a:uFill>
+                          <a:latin typeface="Arial Unicode MS" panose="020B0604020202020204" pitchFamily="34" charset="-128"/>
+                        </a:rPr>
+                        <a:t>Courses</a:t>
+                      </a:r>
+                    </a:p>
+                  </a:txBody>
+                  <a:tcPr marL="63500" marR="63500" marT="63500" marB="63500" horzOverflow="overflow">
+                    <a:lnL w="12700">
+                      <a:miter lim="400000"/>
+                    </a:lnL>
+                    <a:lnR w="12700">
+                      <a:miter lim="400000"/>
+                    </a:lnR>
+                    <a:lnT w="12700">
+                      <a:miter lim="400000"/>
+                    </a:lnT>
+                    <a:lnB w="12700">
+                      <a:miter lim="400000"/>
+                    </a:lnB>
+                  </a:tcPr>
+                </a:tc>
+                <a:extLst>
+                  <a:ext uri="{0D108BD9-81ED-4DB2-BD59-A6C34878D82A}">
+                    <a16:rowId xmlns:a16="http://schemas.microsoft.com/office/drawing/2014/main" val="10000"/>
+                  </a:ext>
+                </a:extLst>
+              </a:tr>
+              <a:tr h="469900">
+                <a:tc>
+                  <a:txBody>
+                    <a:bodyPr/>
+                    <a:lstStyle/>
+                    <a:p>
+                      <a:pPr lvl="0" algn="ctr">
+                        <a:defRPr sz="1800">
+                          <a:solidFill>
+                            <a:srgbClr val="000000"/>
+                          </a:solidFill>
+                          <a:uFillTx/>
+                        </a:defRPr>
+                      </a:pPr>
+                      <a:r>
+                        <a:rPr dirty="0">
+                          <a:solidFill>
+                            <a:srgbClr val="191164"/>
+                          </a:solidFill>
+                          <a:uFill>
+                            <a:solidFill/>
+                          </a:uFill>
+                          <a:latin typeface="Arial Unicode MS" panose="020B0604020202020204" pitchFamily="34" charset="-128"/>
+                        </a:rPr>
+                        <a:t>Course 1</a:t>
+                      </a:r>
+                    </a:p>
+                  </a:txBody>
+                  <a:tcPr marL="63500" marR="63500" marT="63500" marB="63500" horzOverflow="overflow">
+                    <a:lnL w="12700">
+                      <a:miter lim="400000"/>
+                    </a:lnL>
+                    <a:lnR w="12700">
+                      <a:miter lim="400000"/>
+                    </a:lnR>
+                    <a:lnT w="12700">
+                      <a:miter lim="400000"/>
+                    </a:lnT>
+                    <a:lnB w="12700">
+                      <a:miter lim="400000"/>
+                    </a:lnB>
+                  </a:tcPr>
+                </a:tc>
+                <a:extLst>
+                  <a:ext uri="{0D108BD9-81ED-4DB2-BD59-A6C34878D82A}">
+                    <a16:rowId xmlns:a16="http://schemas.microsoft.com/office/drawing/2014/main" val="10001"/>
+                  </a:ext>
+                </a:extLst>
+              </a:tr>
+              <a:tr h="457200">
+                <a:tc>
+                  <a:txBody>
+                    <a:bodyPr/>
+                    <a:lstStyle/>
+                    <a:p>
+                      <a:pPr lvl="0" algn="ctr">
+                        <a:defRPr sz="1800">
+                          <a:solidFill>
+                            <a:srgbClr val="000000"/>
+                          </a:solidFill>
+                          <a:uFillTx/>
+                        </a:defRPr>
+                      </a:pPr>
+                      <a:r>
+                        <a:rPr dirty="0">
+                          <a:solidFill>
+                            <a:srgbClr val="191164"/>
+                          </a:solidFill>
+                          <a:uFill>
+                            <a:solidFill/>
+                          </a:uFill>
+                          <a:latin typeface="Arial Unicode MS" panose="020B0604020202020204" pitchFamily="34" charset="-128"/>
+                        </a:rPr>
+                        <a:t>Course 2</a:t>
+                      </a:r>
+                    </a:p>
+                  </a:txBody>
+                  <a:tcPr marL="63500" marR="63500" marT="63500" marB="63500" horzOverflow="overflow">
+                    <a:lnL w="12700">
+                      <a:miter lim="400000"/>
+                    </a:lnL>
+                    <a:lnR w="12700">
+                      <a:miter lim="400000"/>
+                    </a:lnR>
+                    <a:lnT w="12700">
+                      <a:miter lim="400000"/>
+                    </a:lnT>
+                    <a:lnB w="12700">
+                      <a:miter lim="400000"/>
+                    </a:lnB>
+                  </a:tcPr>
+                </a:tc>
+                <a:extLst>
+                  <a:ext uri="{0D108BD9-81ED-4DB2-BD59-A6C34878D82A}">
+                    <a16:rowId xmlns:a16="http://schemas.microsoft.com/office/drawing/2014/main" val="10002"/>
+                  </a:ext>
+                </a:extLst>
+              </a:tr>
+              <a:tr h="457200">
+                <a:tc>
+                  <a:txBody>
+                    <a:bodyPr/>
+                    <a:lstStyle/>
+                    <a:p>
+                      <a:pPr lvl="0" algn="ctr">
+                        <a:defRPr sz="1800">
+                          <a:solidFill>
+                            <a:srgbClr val="000000"/>
+                          </a:solidFill>
+                          <a:uFillTx/>
+                        </a:defRPr>
+                      </a:pPr>
+                      <a:r>
+                        <a:rPr dirty="0">
+                          <a:solidFill>
+                            <a:srgbClr val="191164"/>
+                          </a:solidFill>
+                          <a:uFill>
+                            <a:solidFill/>
+                          </a:uFill>
+                          <a:latin typeface="Arial Unicode MS" panose="020B0604020202020204" pitchFamily="34" charset="-128"/>
+                        </a:rPr>
+                        <a:t>Course 3</a:t>
+                      </a:r>
+                    </a:p>
+                  </a:txBody>
+                  <a:tcPr marL="63500" marR="63500" marT="63500" marB="63500" horzOverflow="overflow">
+                    <a:lnL w="12700">
+                      <a:miter lim="400000"/>
+                    </a:lnL>
+                    <a:lnR w="12700">
+                      <a:miter lim="400000"/>
+                    </a:lnR>
+                    <a:lnT w="12700">
+                      <a:miter lim="400000"/>
+                    </a:lnT>
+                    <a:lnB w="12700">
+                      <a:miter lim="400000"/>
+                    </a:lnB>
+                  </a:tcPr>
+                </a:tc>
+                <a:extLst>
+                  <a:ext uri="{0D108BD9-81ED-4DB2-BD59-A6C34878D82A}">
+                    <a16:rowId xmlns:a16="http://schemas.microsoft.com/office/drawing/2014/main" val="10003"/>
+                  </a:ext>
+                </a:extLst>
+              </a:tr>
+              <a:tr h="457200">
+                <a:tc>
+                  <a:txBody>
+                    <a:bodyPr/>
+                    <a:lstStyle/>
+                    <a:p>
+                      <a:pPr lvl="0" algn="ctr">
+                        <a:defRPr sz="1800">
+                          <a:solidFill>
+                            <a:srgbClr val="000000"/>
+                          </a:solidFill>
+                          <a:uFillTx/>
+                        </a:defRPr>
+                      </a:pPr>
+                      <a:r>
+                        <a:rPr dirty="0">
+                          <a:solidFill>
+                            <a:srgbClr val="191164"/>
+                          </a:solidFill>
+                          <a:uFill>
+                            <a:solidFill/>
+                          </a:uFill>
+                          <a:latin typeface="Arial Unicode MS" panose="020B0604020202020204" pitchFamily="34" charset="-128"/>
+                        </a:rPr>
+                        <a:t>Course 4</a:t>
+                      </a:r>
+                    </a:p>
+                  </a:txBody>
+                  <a:tcPr marL="63500" marR="63500" marT="63500" marB="63500" horzOverflow="overflow">
+                    <a:lnL w="12700">
+                      <a:miter lim="400000"/>
+                    </a:lnL>
+                    <a:lnR w="12700">
+                      <a:miter lim="400000"/>
+                    </a:lnR>
+                    <a:lnT w="12700">
+                      <a:miter lim="400000"/>
+                    </a:lnT>
+                    <a:lnB w="12700">
+                      <a:miter lim="400000"/>
+                    </a:lnB>
+                  </a:tcPr>
+                </a:tc>
+                <a:extLst>
+                  <a:ext uri="{0D108BD9-81ED-4DB2-BD59-A6C34878D82A}">
+                    <a16:rowId xmlns:a16="http://schemas.microsoft.com/office/drawing/2014/main" val="10004"/>
+                  </a:ext>
+                </a:extLst>
+              </a:tr>
+            </a:tbl>
+          </a:graphicData>
+        </a:graphic>
+      </p:graphicFrame>
+      <p:sp>
+        <p:nvSpPr>
+          <p:cNvPr id="388" name="Shape 388"/>
+          <p:cNvSpPr/>
+          <p:nvPr/>
+        </p:nvSpPr>
+        <p:spPr>
+          <a:xfrm>
+            <a:off x="6321669" y="2976061"/>
+            <a:ext cx="1231901" cy="16861"/>
+          </a:xfrm>
+          <a:prstGeom prst="line">
+            <a:avLst/>
+          </a:prstGeom>
+          <a:ln w="25400">
+            <a:solidFill>
+              <a:srgbClr val="CCCC00"/>
+            </a:solidFill>
+            <a:round/>
+          </a:ln>
+          <a:effectLst>
+            <a:outerShdw blurRad="38100" dist="20000" dir="5400000" rotWithShape="0">
+              <a:srgbClr val="000000">
+                <a:alpha val="38000"/>
+              </a:srgbClr>
+            </a:outerShdw>
+          </a:effectLst>
+        </p:spPr>
+        <p:txBody>
+          <a:bodyPr lIns="45719" rIns="45719"/>
+          <a:lstStyle/>
+          <a:p>
+            <a:pPr lvl="0" defTabSz="457200">
+              <a:defRPr sz="1200">
+                <a:solidFill>
+                  <a:srgbClr val="000000"/>
+                </a:solidFill>
+                <a:uFillTx/>
+                <a:latin typeface="+mj-lt"/>
+                <a:ea typeface="+mj-ea"/>
+                <a:cs typeface="+mj-cs"/>
+                <a:sym typeface="Helvetica"/>
+              </a:defRPr>
+            </a:pPr>
+            <a:endParaRPr dirty="0">
+              <a:solidFill>
+                <a:schemeClr val="tx1"/>
+              </a:solidFill>
+              <a:latin typeface="Arial Unicode MS" panose="020B0604020202020204" pitchFamily="34" charset="-128"/>
+              <a:ea typeface="Arial Unicode MS" panose="020B0604020202020204" pitchFamily="34" charset="-128"/>
+              <a:cs typeface="Arial Unicode MS" panose="020B0604020202020204" pitchFamily="34" charset="-128"/>
+            </a:endParaRPr>
+          </a:p>
+        </p:txBody>
+      </p:sp>
+      <p:sp>
+        <p:nvSpPr>
+          <p:cNvPr id="389" name="Shape 389"/>
+          <p:cNvSpPr/>
+          <p:nvPr/>
+        </p:nvSpPr>
+        <p:spPr>
+          <a:xfrm>
+            <a:off x="6321669" y="2992935"/>
+            <a:ext cx="1233854" cy="904322"/>
+          </a:xfrm>
+          <a:prstGeom prst="line">
+            <a:avLst/>
+          </a:prstGeom>
+          <a:ln w="25400">
+            <a:solidFill>
+              <a:srgbClr val="CCCC00"/>
+            </a:solidFill>
+            <a:round/>
+          </a:ln>
+          <a:effectLst>
+            <a:outerShdw blurRad="38100" dist="20000" dir="5400000" rotWithShape="0">
+              <a:srgbClr val="000000">
+                <a:alpha val="38000"/>
+              </a:srgbClr>
+            </a:outerShdw>
+          </a:effectLst>
+        </p:spPr>
+        <p:txBody>
+          <a:bodyPr lIns="45719" rIns="45719"/>
+          <a:lstStyle/>
+          <a:p>
+            <a:pPr lvl="0" defTabSz="457200">
+              <a:defRPr sz="1200">
+                <a:solidFill>
+                  <a:srgbClr val="000000"/>
+                </a:solidFill>
+                <a:uFillTx/>
+                <a:latin typeface="+mj-lt"/>
+                <a:ea typeface="+mj-ea"/>
+                <a:cs typeface="+mj-cs"/>
+                <a:sym typeface="Helvetica"/>
+              </a:defRPr>
+            </a:pPr>
+            <a:endParaRPr dirty="0">
+              <a:solidFill>
+                <a:schemeClr val="tx1"/>
+              </a:solidFill>
+              <a:latin typeface="Arial Unicode MS" panose="020B0604020202020204" pitchFamily="34" charset="-128"/>
+              <a:ea typeface="Arial Unicode MS" panose="020B0604020202020204" pitchFamily="34" charset="-128"/>
+              <a:cs typeface="Arial Unicode MS" panose="020B0604020202020204" pitchFamily="34" charset="-128"/>
+            </a:endParaRPr>
+          </a:p>
+        </p:txBody>
+      </p:sp>
+      <p:sp>
+        <p:nvSpPr>
+          <p:cNvPr id="390" name="Shape 390"/>
+          <p:cNvSpPr/>
+          <p:nvPr/>
+        </p:nvSpPr>
+        <p:spPr>
+          <a:xfrm>
+            <a:off x="6321666" y="3939674"/>
+            <a:ext cx="1233855" cy="443968"/>
+          </a:xfrm>
+          <a:prstGeom prst="line">
+            <a:avLst/>
+          </a:prstGeom>
+          <a:ln w="25400">
+            <a:solidFill>
+              <a:srgbClr val="CCCC00"/>
+            </a:solidFill>
+            <a:round/>
+          </a:ln>
+          <a:effectLst>
+            <a:outerShdw blurRad="38100" dist="20000" dir="5400000" rotWithShape="0">
+              <a:srgbClr val="000000">
+                <a:alpha val="38000"/>
+              </a:srgbClr>
+            </a:outerShdw>
+          </a:effectLst>
+        </p:spPr>
+        <p:txBody>
+          <a:bodyPr lIns="45719" rIns="45719"/>
+          <a:lstStyle/>
+          <a:p>
+            <a:pPr lvl="0" defTabSz="457200">
+              <a:defRPr sz="1200">
+                <a:solidFill>
+                  <a:srgbClr val="000000"/>
+                </a:solidFill>
+                <a:uFillTx/>
+                <a:latin typeface="+mj-lt"/>
+                <a:ea typeface="+mj-ea"/>
+                <a:cs typeface="+mj-cs"/>
+                <a:sym typeface="Helvetica"/>
+              </a:defRPr>
+            </a:pPr>
+            <a:endParaRPr dirty="0">
+              <a:solidFill>
+                <a:schemeClr val="tx1"/>
+              </a:solidFill>
+              <a:latin typeface="Arial Unicode MS" panose="020B0604020202020204" pitchFamily="34" charset="-128"/>
+              <a:ea typeface="Arial Unicode MS" panose="020B0604020202020204" pitchFamily="34" charset="-128"/>
+              <a:cs typeface="Arial Unicode MS" panose="020B0604020202020204" pitchFamily="34" charset="-128"/>
+            </a:endParaRPr>
+          </a:p>
+        </p:txBody>
+      </p:sp>
+      <p:sp>
+        <p:nvSpPr>
+          <p:cNvPr id="391" name="Shape 391"/>
+          <p:cNvSpPr/>
+          <p:nvPr/>
+        </p:nvSpPr>
+        <p:spPr>
+          <a:xfrm>
+            <a:off x="92319" y="4947543"/>
+            <a:ext cx="8959362" cy="1661993"/>
+          </a:xfrm>
+          <a:prstGeom prst="rect">
+            <a:avLst/>
+          </a:prstGeom>
+          <a:ln w="12700">
+            <a:miter lim="400000"/>
+          </a:ln>
+          <a:extLst>
+            <a:ext uri="{C572A759-6A51-4108-AA02-DFA0A04FC94B}">
+              <ma14:wrappingTextBoxFlag xmlns:ma14="http://schemas.microsoft.com/office/mac/drawingml/2011/main" xmlns="" val="1"/>
+            </a:ext>
+          </a:extLst>
+        </p:spPr>
+        <p:txBody>
+          <a:bodyPr wrap="square" lIns="0" tIns="0" rIns="0" bIns="0">
+            <a:spAutoFit/>
+          </a:bodyPr>
+          <a:lstStyle/>
+          <a:p>
+            <a:pPr marL="285750" lvl="0" indent="-285750" algn="just">
+              <a:buFont typeface="Arial" panose="020B0604020202020204" pitchFamily="34" charset="0"/>
+              <a:buChar char="•"/>
+              <a:defRPr sz="1800">
+                <a:solidFill>
+                  <a:srgbClr val="000000"/>
+                </a:solidFill>
+                <a:uFillTx/>
+              </a:defRPr>
+            </a:pPr>
+            <a:r>
+              <a:rPr lang="en-US" dirty="0">
+                <a:solidFill>
+                  <a:schemeClr val="tx1"/>
+                </a:solidFill>
+                <a:latin typeface="Arial Unicode MS" panose="020B0604020202020204" pitchFamily="34" charset="-128"/>
+                <a:ea typeface="Arial Unicode MS" panose="020B0604020202020204" pitchFamily="34" charset="-128"/>
+                <a:cs typeface="Arial Unicode MS" panose="020B0604020202020204" pitchFamily="34" charset="-128"/>
+                <a:sym typeface="Arial"/>
+              </a:rPr>
+              <a:t>Each office can have one advisor, at most. An office can also be empty</a:t>
+            </a:r>
+          </a:p>
+          <a:p>
+            <a:pPr marL="285750" lvl="0" indent="-285750" algn="just">
+              <a:buFont typeface="Arial" panose="020B0604020202020204" pitchFamily="34" charset="0"/>
+              <a:buChar char="•"/>
+              <a:defRPr sz="1800">
+                <a:solidFill>
+                  <a:srgbClr val="000000"/>
+                </a:solidFill>
+                <a:uFillTx/>
+              </a:defRPr>
+            </a:pPr>
+            <a:r>
+              <a:rPr lang="en-US" dirty="0">
+                <a:solidFill>
+                  <a:schemeClr val="tx1"/>
+                </a:solidFill>
+                <a:latin typeface="Arial Unicode MS" panose="020B0604020202020204" pitchFamily="34" charset="-128"/>
+                <a:ea typeface="Arial Unicode MS" panose="020B0604020202020204" pitchFamily="34" charset="-128"/>
+                <a:cs typeface="Arial Unicode MS" panose="020B0604020202020204" pitchFamily="34" charset="-128"/>
+                <a:sym typeface="Arial"/>
+              </a:rPr>
+              <a:t>Each advisor should have an office. Each advisor has one office at most. </a:t>
+            </a:r>
+          </a:p>
+          <a:p>
+            <a:pPr marL="285750" lvl="0" indent="-285750" algn="just">
+              <a:buFont typeface="Arial" panose="020B0604020202020204" pitchFamily="34" charset="0"/>
+              <a:buChar char="•"/>
+              <a:defRPr sz="1800">
+                <a:solidFill>
+                  <a:srgbClr val="000000"/>
+                </a:solidFill>
+                <a:uFillTx/>
+              </a:defRPr>
+            </a:pPr>
+            <a:r>
+              <a:rPr lang="en-US" dirty="0">
+                <a:solidFill>
+                  <a:schemeClr val="tx1"/>
+                </a:solidFill>
+                <a:latin typeface="Arial Unicode MS" panose="020B0604020202020204" pitchFamily="34" charset="-128"/>
+                <a:ea typeface="Arial Unicode MS" panose="020B0604020202020204" pitchFamily="34" charset="-128"/>
+                <a:cs typeface="Arial Unicode MS" panose="020B0604020202020204" pitchFamily="34" charset="-128"/>
+                <a:sym typeface="Arial"/>
+              </a:rPr>
+              <a:t>An advisor should advise one or more students; advisor with no advisees not allowed. </a:t>
+            </a:r>
+          </a:p>
+          <a:p>
+            <a:pPr marL="285750" lvl="0" indent="-285750" algn="just">
+              <a:buFont typeface="Arial" panose="020B0604020202020204" pitchFamily="34" charset="0"/>
+              <a:buChar char="•"/>
+              <a:defRPr sz="1800">
+                <a:solidFill>
+                  <a:srgbClr val="000000"/>
+                </a:solidFill>
+                <a:uFillTx/>
+              </a:defRPr>
+            </a:pPr>
+            <a:r>
+              <a:rPr dirty="0">
+                <a:solidFill>
+                  <a:schemeClr val="tx1"/>
+                </a:solidFill>
+                <a:uFill>
+                  <a:solidFill/>
+                </a:uFill>
+                <a:latin typeface="Arial Unicode MS" panose="020B0604020202020204" pitchFamily="34" charset="-128"/>
+                <a:ea typeface="Arial Unicode MS" panose="020B0604020202020204" pitchFamily="34" charset="-128"/>
+                <a:cs typeface="Arial Unicode MS" panose="020B0604020202020204" pitchFamily="34" charset="-128"/>
+                <a:sym typeface="Arial"/>
+              </a:rPr>
+              <a:t>A </a:t>
+            </a:r>
+            <a:r>
+              <a:rPr lang="en-US" dirty="0">
+                <a:solidFill>
+                  <a:schemeClr val="tx1"/>
+                </a:solidFill>
+                <a:uFill>
+                  <a:solidFill/>
+                </a:uFill>
+                <a:latin typeface="Arial Unicode MS" panose="020B0604020202020204" pitchFamily="34" charset="-128"/>
+                <a:ea typeface="Arial Unicode MS" panose="020B0604020202020204" pitchFamily="34" charset="-128"/>
+                <a:cs typeface="Arial Unicode MS" panose="020B0604020202020204" pitchFamily="34" charset="-128"/>
+                <a:sym typeface="Arial"/>
+              </a:rPr>
+              <a:t>student should have an advisor, and can have at most one advisor.</a:t>
+            </a:r>
+          </a:p>
+          <a:p>
+            <a:pPr marL="285750" lvl="0" indent="-285750" algn="just">
+              <a:buFont typeface="Arial" panose="020B0604020202020204" pitchFamily="34" charset="0"/>
+              <a:buChar char="•"/>
+              <a:defRPr sz="1800">
+                <a:solidFill>
+                  <a:srgbClr val="000000"/>
+                </a:solidFill>
+                <a:uFillTx/>
+              </a:defRPr>
+            </a:pPr>
+            <a:r>
+              <a:rPr lang="en-US" dirty="0">
+                <a:solidFill>
+                  <a:schemeClr val="tx1"/>
+                </a:solidFill>
+                <a:latin typeface="Arial Unicode MS" panose="020B0604020202020204" pitchFamily="34" charset="-128"/>
+                <a:ea typeface="Arial Unicode MS" panose="020B0604020202020204" pitchFamily="34" charset="-128"/>
+                <a:cs typeface="Arial Unicode MS" panose="020B0604020202020204" pitchFamily="34" charset="-128"/>
+                <a:sym typeface="Arial"/>
+              </a:rPr>
+              <a:t>A student can may take from zero to 5 courses.</a:t>
+            </a:r>
+          </a:p>
+          <a:p>
+            <a:pPr marL="285750" lvl="0" indent="-285750" algn="just">
+              <a:buFont typeface="Arial" panose="020B0604020202020204" pitchFamily="34" charset="0"/>
+              <a:buChar char="•"/>
+              <a:defRPr sz="1800">
+                <a:solidFill>
+                  <a:srgbClr val="000000"/>
+                </a:solidFill>
+                <a:uFillTx/>
+              </a:defRPr>
+            </a:pPr>
+            <a:r>
+              <a:rPr lang="en-US" dirty="0">
+                <a:solidFill>
+                  <a:schemeClr val="tx1"/>
+                </a:solidFill>
+                <a:latin typeface="Arial Unicode MS" panose="020B0604020202020204" pitchFamily="34" charset="-128"/>
+                <a:ea typeface="Arial Unicode MS" panose="020B0604020202020204" pitchFamily="34" charset="-128"/>
+                <a:cs typeface="Arial Unicode MS" panose="020B0604020202020204" pitchFamily="34" charset="-128"/>
+                <a:sym typeface="Arial"/>
+              </a:rPr>
+              <a:t>A course may have from zero to 70 students.</a:t>
+            </a:r>
+            <a:endParaRPr dirty="0">
+              <a:solidFill>
+                <a:schemeClr val="tx1"/>
+              </a:solidFill>
+              <a:uFill>
+                <a:solidFill/>
+              </a:uFill>
+              <a:latin typeface="Arial Unicode MS" panose="020B0604020202020204" pitchFamily="34" charset="-128"/>
+              <a:ea typeface="Arial Unicode MS" panose="020B0604020202020204" pitchFamily="34" charset="-128"/>
+              <a:cs typeface="Arial Unicode MS" panose="020B0604020202020204" pitchFamily="34" charset="-128"/>
+              <a:sym typeface="Arial"/>
+            </a:endParaRPr>
+          </a:p>
+        </p:txBody>
+      </p:sp>
+      <p:graphicFrame>
+        <p:nvGraphicFramePr>
+          <p:cNvPr id="10" name="Table 386">
+            <a:extLst>
+              <a:ext uri="{FF2B5EF4-FFF2-40B4-BE49-F238E27FC236}">
+                <a16:creationId xmlns:a16="http://schemas.microsoft.com/office/drawing/2014/main" id="{F7B419EA-F930-4F91-B6EA-3A469BCF0A92}"/>
+              </a:ext>
+            </a:extLst>
+          </p:cNvPr>
+          <p:cNvGraphicFramePr/>
+          <p:nvPr>
+            <p:extLst>
+              <p:ext uri="{D42A27DB-BD31-4B8C-83A1-F6EECF244321}">
+                <p14:modId xmlns:p14="http://schemas.microsoft.com/office/powerpoint/2010/main" val="898076085"/>
+              </p:ext>
+            </p:extLst>
+          </p:nvPr>
+        </p:nvGraphicFramePr>
+        <p:xfrm>
+          <a:off x="2421789" y="2313281"/>
+          <a:ext cx="1455489" cy="1400559"/>
+        </p:xfrm>
+        <a:graphic>
+          <a:graphicData uri="http://schemas.openxmlformats.org/drawingml/2006/table">
+            <a:tbl>
+              <a:tblPr firstRow="1" bandRow="1">
+                <a:tableStyleId>{4C3C2611-4C71-4FC5-86AE-919BDF0F9419}</a:tableStyleId>
+              </a:tblPr>
+              <a:tblGrid>
+                <a:gridCol w="1455489">
+                  <a:extLst>
+                    <a:ext uri="{9D8B030D-6E8A-4147-A177-3AD203B41FA5}">
+                      <a16:colId xmlns:a16="http://schemas.microsoft.com/office/drawing/2014/main" val="20000"/>
+                    </a:ext>
+                  </a:extLst>
+                </a:gridCol>
+              </a:tblGrid>
+              <a:tr h="473459">
+                <a:tc>
+                  <a:txBody>
+                    <a:bodyPr/>
+                    <a:lstStyle/>
+                    <a:p>
+                      <a:pPr lvl="0" algn="l">
+                        <a:spcBef>
+                          <a:spcPts val="500"/>
+                        </a:spcBef>
+                        <a:defRPr sz="1800" b="0" i="0">
+                          <a:solidFill>
+                            <a:srgbClr val="000000"/>
+                          </a:solidFill>
+                          <a:uFillTx/>
+                        </a:defRPr>
+                      </a:pPr>
+                      <a:r>
+                        <a:rPr lang="en-US" sz="2200" b="1" i="1" dirty="0">
+                          <a:solidFill>
+                            <a:srgbClr val="FFFFFF"/>
+                          </a:solidFill>
+                          <a:uFill>
+                            <a:solidFill>
+                              <a:srgbClr val="FFFFFF"/>
+                            </a:solidFill>
+                          </a:uFill>
+                          <a:latin typeface="Arial Unicode MS" panose="020B0604020202020204" pitchFamily="34" charset="-128"/>
+                        </a:rPr>
+                        <a:t>Advisors</a:t>
+                      </a:r>
+                      <a:endParaRPr sz="2200" b="1" i="1" dirty="0">
+                        <a:solidFill>
+                          <a:srgbClr val="FFFFFF"/>
+                        </a:solidFill>
+                        <a:uFill>
+                          <a:solidFill>
+                            <a:srgbClr val="FFFFFF"/>
+                          </a:solidFill>
+                        </a:uFill>
+                        <a:latin typeface="Arial Unicode MS" panose="020B0604020202020204" pitchFamily="34" charset="-128"/>
+                      </a:endParaRPr>
+                    </a:p>
+                  </a:txBody>
+                  <a:tcPr marL="63500" marR="63500" marT="63500" marB="63500" horzOverflow="overflow">
+                    <a:lnL w="12700">
+                      <a:miter lim="400000"/>
+                    </a:lnL>
+                    <a:lnR w="12700">
+                      <a:miter lim="400000"/>
+                    </a:lnR>
+                    <a:lnT w="12700">
+                      <a:miter lim="400000"/>
+                    </a:lnT>
+                    <a:lnB w="12700">
+                      <a:miter lim="400000"/>
+                    </a:lnB>
+                  </a:tcPr>
+                </a:tc>
+                <a:extLst>
+                  <a:ext uri="{0D108BD9-81ED-4DB2-BD59-A6C34878D82A}">
+                    <a16:rowId xmlns:a16="http://schemas.microsoft.com/office/drawing/2014/main" val="10000"/>
+                  </a:ext>
+                </a:extLst>
+              </a:tr>
+              <a:tr h="469900">
+                <a:tc>
+                  <a:txBody>
+                    <a:bodyPr/>
+                    <a:lstStyle/>
+                    <a:p>
+                      <a:pPr lvl="0" algn="ctr">
+                        <a:defRPr sz="1800">
+                          <a:solidFill>
+                            <a:srgbClr val="000000"/>
+                          </a:solidFill>
+                          <a:uFillTx/>
+                        </a:defRPr>
+                      </a:pPr>
+                      <a:r>
+                        <a:rPr lang="en-US" dirty="0">
+                          <a:solidFill>
+                            <a:srgbClr val="191164"/>
+                          </a:solidFill>
+                          <a:uFill>
+                            <a:solidFill/>
+                          </a:uFill>
+                          <a:latin typeface="Arial Unicode MS" panose="020B0604020202020204" pitchFamily="34" charset="-128"/>
+                        </a:rPr>
+                        <a:t>Advisor</a:t>
+                      </a:r>
+                      <a:r>
+                        <a:rPr dirty="0">
+                          <a:solidFill>
+                            <a:srgbClr val="191164"/>
+                          </a:solidFill>
+                          <a:uFill>
+                            <a:solidFill/>
+                          </a:uFill>
+                          <a:latin typeface="Arial Unicode MS" panose="020B0604020202020204" pitchFamily="34" charset="-128"/>
+                        </a:rPr>
+                        <a:t> 1</a:t>
+                      </a:r>
+                    </a:p>
+                  </a:txBody>
+                  <a:tcPr marL="63500" marR="63500" marT="63500" marB="63500" horzOverflow="overflow">
+                    <a:lnL w="12700">
+                      <a:miter lim="400000"/>
+                    </a:lnL>
+                    <a:lnR w="12700">
+                      <a:miter lim="400000"/>
+                    </a:lnR>
+                    <a:lnT w="12700">
+                      <a:miter lim="400000"/>
+                    </a:lnT>
+                    <a:lnB w="12700">
+                      <a:miter lim="400000"/>
+                    </a:lnB>
+                  </a:tcPr>
+                </a:tc>
+                <a:extLst>
+                  <a:ext uri="{0D108BD9-81ED-4DB2-BD59-A6C34878D82A}">
+                    <a16:rowId xmlns:a16="http://schemas.microsoft.com/office/drawing/2014/main" val="10001"/>
+                  </a:ext>
+                </a:extLst>
+              </a:tr>
+              <a:tr h="457200">
+                <a:tc>
+                  <a:txBody>
+                    <a:bodyPr/>
+                    <a:lstStyle/>
+                    <a:p>
+                      <a:pPr lvl="0" algn="ctr">
+                        <a:defRPr sz="1800">
+                          <a:solidFill>
+                            <a:srgbClr val="000000"/>
+                          </a:solidFill>
+                          <a:uFillTx/>
+                        </a:defRPr>
+                      </a:pPr>
+                      <a:r>
+                        <a:rPr lang="en-US" dirty="0">
+                          <a:solidFill>
+                            <a:srgbClr val="191164"/>
+                          </a:solidFill>
+                          <a:uFill>
+                            <a:solidFill/>
+                          </a:uFill>
+                          <a:latin typeface="Arial Unicode MS" panose="020B0604020202020204" pitchFamily="34" charset="-128"/>
+                        </a:rPr>
+                        <a:t>Advisor</a:t>
+                      </a:r>
+                      <a:r>
+                        <a:rPr dirty="0">
+                          <a:solidFill>
+                            <a:srgbClr val="191164"/>
+                          </a:solidFill>
+                          <a:uFill>
+                            <a:solidFill/>
+                          </a:uFill>
+                          <a:latin typeface="Arial Unicode MS" panose="020B0604020202020204" pitchFamily="34" charset="-128"/>
+                        </a:rPr>
+                        <a:t> 2</a:t>
+                      </a:r>
+                    </a:p>
+                  </a:txBody>
+                  <a:tcPr marL="63500" marR="63500" marT="63500" marB="63500" horzOverflow="overflow">
+                    <a:lnL w="12700">
+                      <a:miter lim="400000"/>
+                    </a:lnL>
+                    <a:lnR w="12700">
+                      <a:miter lim="400000"/>
+                    </a:lnR>
+                    <a:lnT w="12700">
+                      <a:miter lim="400000"/>
+                    </a:lnT>
+                    <a:lnB w="12700">
+                      <a:miter lim="400000"/>
+                    </a:lnB>
+                  </a:tcPr>
+                </a:tc>
+                <a:extLst>
+                  <a:ext uri="{0D108BD9-81ED-4DB2-BD59-A6C34878D82A}">
+                    <a16:rowId xmlns:a16="http://schemas.microsoft.com/office/drawing/2014/main" val="10002"/>
+                  </a:ext>
+                </a:extLst>
+              </a:tr>
+            </a:tbl>
+          </a:graphicData>
+        </a:graphic>
+      </p:graphicFrame>
+      <p:sp>
+        <p:nvSpPr>
+          <p:cNvPr id="11" name="Shape 389">
+            <a:extLst>
+              <a:ext uri="{FF2B5EF4-FFF2-40B4-BE49-F238E27FC236}">
+                <a16:creationId xmlns:a16="http://schemas.microsoft.com/office/drawing/2014/main" id="{04F871F4-4396-48B1-BC01-85A499F15EBB}"/>
+              </a:ext>
+            </a:extLst>
+          </p:cNvPr>
+          <p:cNvSpPr/>
+          <p:nvPr/>
+        </p:nvSpPr>
+        <p:spPr>
+          <a:xfrm flipV="1">
+            <a:off x="3868615" y="2976061"/>
+            <a:ext cx="1005065" cy="0"/>
+          </a:xfrm>
+          <a:prstGeom prst="line">
+            <a:avLst/>
+          </a:prstGeom>
+          <a:ln w="25400">
+            <a:solidFill>
+              <a:srgbClr val="CCCC00"/>
+            </a:solidFill>
+            <a:round/>
+          </a:ln>
+          <a:effectLst>
+            <a:outerShdw blurRad="38100" dist="20000" dir="5400000" rotWithShape="0">
+              <a:srgbClr val="000000">
+                <a:alpha val="38000"/>
+              </a:srgbClr>
+            </a:outerShdw>
+          </a:effectLst>
+        </p:spPr>
+        <p:txBody>
+          <a:bodyPr lIns="45719" rIns="45719"/>
+          <a:lstStyle/>
+          <a:p>
+            <a:pPr lvl="0" defTabSz="457200">
+              <a:defRPr sz="1200">
+                <a:solidFill>
+                  <a:srgbClr val="000000"/>
+                </a:solidFill>
+                <a:uFillTx/>
+                <a:latin typeface="+mj-lt"/>
+                <a:ea typeface="+mj-ea"/>
+                <a:cs typeface="+mj-cs"/>
+                <a:sym typeface="Helvetica"/>
+              </a:defRPr>
+            </a:pPr>
+            <a:endParaRPr dirty="0">
+              <a:solidFill>
+                <a:schemeClr val="tx1"/>
+              </a:solidFill>
+              <a:latin typeface="Arial Unicode MS" panose="020B0604020202020204" pitchFamily="34" charset="-128"/>
+              <a:ea typeface="Arial Unicode MS" panose="020B0604020202020204" pitchFamily="34" charset="-128"/>
+              <a:cs typeface="Arial Unicode MS" panose="020B0604020202020204" pitchFamily="34" charset="-128"/>
+            </a:endParaRPr>
+          </a:p>
+        </p:txBody>
+      </p:sp>
+      <p:sp>
+        <p:nvSpPr>
+          <p:cNvPr id="12" name="Shape 389">
+            <a:extLst>
+              <a:ext uri="{FF2B5EF4-FFF2-40B4-BE49-F238E27FC236}">
+                <a16:creationId xmlns:a16="http://schemas.microsoft.com/office/drawing/2014/main" id="{216561E7-5305-4790-8A3A-F611D3A5F31D}"/>
+              </a:ext>
+            </a:extLst>
+          </p:cNvPr>
+          <p:cNvSpPr/>
+          <p:nvPr/>
+        </p:nvSpPr>
+        <p:spPr>
+          <a:xfrm>
+            <a:off x="3868614" y="2992922"/>
+            <a:ext cx="1003112" cy="392748"/>
+          </a:xfrm>
+          <a:prstGeom prst="line">
+            <a:avLst/>
+          </a:prstGeom>
+          <a:ln w="25400">
+            <a:solidFill>
+              <a:srgbClr val="CCCC00"/>
+            </a:solidFill>
+            <a:round/>
+          </a:ln>
+          <a:effectLst>
+            <a:outerShdw blurRad="38100" dist="20000" dir="5400000" rotWithShape="0">
+              <a:srgbClr val="000000">
+                <a:alpha val="38000"/>
+              </a:srgbClr>
+            </a:outerShdw>
+          </a:effectLst>
+        </p:spPr>
+        <p:txBody>
+          <a:bodyPr lIns="45719" rIns="45719"/>
+          <a:lstStyle/>
+          <a:p>
+            <a:pPr lvl="0" defTabSz="457200">
+              <a:defRPr sz="1200">
+                <a:solidFill>
+                  <a:srgbClr val="000000"/>
+                </a:solidFill>
+                <a:uFillTx/>
+                <a:latin typeface="+mj-lt"/>
+                <a:ea typeface="+mj-ea"/>
+                <a:cs typeface="+mj-cs"/>
+                <a:sym typeface="Helvetica"/>
+              </a:defRPr>
+            </a:pPr>
+            <a:endParaRPr dirty="0">
+              <a:solidFill>
+                <a:schemeClr val="tx1"/>
+              </a:solidFill>
+              <a:latin typeface="Arial Unicode MS" panose="020B0604020202020204" pitchFamily="34" charset="-128"/>
+              <a:ea typeface="Arial Unicode MS" panose="020B0604020202020204" pitchFamily="34" charset="-128"/>
+              <a:cs typeface="Arial Unicode MS" panose="020B0604020202020204" pitchFamily="34" charset="-128"/>
+            </a:endParaRPr>
+          </a:p>
+        </p:txBody>
+      </p:sp>
+      <p:sp>
+        <p:nvSpPr>
+          <p:cNvPr id="13" name="Shape 390">
+            <a:extLst>
+              <a:ext uri="{FF2B5EF4-FFF2-40B4-BE49-F238E27FC236}">
+                <a16:creationId xmlns:a16="http://schemas.microsoft.com/office/drawing/2014/main" id="{62D2688D-4473-4BB0-AD03-9D1671469D84}"/>
+              </a:ext>
+            </a:extLst>
+          </p:cNvPr>
+          <p:cNvSpPr/>
+          <p:nvPr/>
+        </p:nvSpPr>
+        <p:spPr>
+          <a:xfrm>
+            <a:off x="3866660" y="3482549"/>
+            <a:ext cx="1005066" cy="457126"/>
+          </a:xfrm>
+          <a:prstGeom prst="line">
+            <a:avLst/>
+          </a:prstGeom>
+          <a:ln w="25400">
+            <a:solidFill>
+              <a:srgbClr val="CCCC00"/>
+            </a:solidFill>
+            <a:round/>
+          </a:ln>
+          <a:effectLst>
+            <a:outerShdw blurRad="38100" dist="20000" dir="5400000" rotWithShape="0">
+              <a:srgbClr val="000000">
+                <a:alpha val="38000"/>
+              </a:srgbClr>
+            </a:outerShdw>
+          </a:effectLst>
+        </p:spPr>
+        <p:txBody>
+          <a:bodyPr lIns="45719" rIns="45719"/>
+          <a:lstStyle/>
+          <a:p>
+            <a:pPr lvl="0" defTabSz="457200">
+              <a:defRPr sz="1200">
+                <a:solidFill>
+                  <a:srgbClr val="000000"/>
+                </a:solidFill>
+                <a:uFillTx/>
+                <a:latin typeface="+mj-lt"/>
+                <a:ea typeface="+mj-ea"/>
+                <a:cs typeface="+mj-cs"/>
+                <a:sym typeface="Helvetica"/>
+              </a:defRPr>
+            </a:pPr>
+            <a:endParaRPr dirty="0">
+              <a:solidFill>
+                <a:schemeClr val="tx1"/>
+              </a:solidFill>
+              <a:latin typeface="Arial Unicode MS" panose="020B0604020202020204" pitchFamily="34" charset="-128"/>
+              <a:ea typeface="Arial Unicode MS" panose="020B0604020202020204" pitchFamily="34" charset="-128"/>
+              <a:cs typeface="Arial Unicode MS" panose="020B0604020202020204" pitchFamily="34" charset="-128"/>
+            </a:endParaRPr>
+          </a:p>
+        </p:txBody>
+      </p:sp>
+      <p:sp>
+        <p:nvSpPr>
+          <p:cNvPr id="14" name="Shape 390">
+            <a:extLst>
+              <a:ext uri="{FF2B5EF4-FFF2-40B4-BE49-F238E27FC236}">
+                <a16:creationId xmlns:a16="http://schemas.microsoft.com/office/drawing/2014/main" id="{D251F39D-756E-4D9E-B629-2BCCD21B1620}"/>
+              </a:ext>
+            </a:extLst>
+          </p:cNvPr>
+          <p:cNvSpPr/>
+          <p:nvPr/>
+        </p:nvSpPr>
+        <p:spPr>
+          <a:xfrm>
+            <a:off x="6319716" y="3385677"/>
+            <a:ext cx="1233854" cy="511568"/>
+          </a:xfrm>
+          <a:prstGeom prst="line">
+            <a:avLst/>
+          </a:prstGeom>
+          <a:ln w="25400">
+            <a:solidFill>
+              <a:srgbClr val="CCCC00"/>
+            </a:solidFill>
+            <a:round/>
+          </a:ln>
+          <a:effectLst>
+            <a:outerShdw blurRad="38100" dist="20000" dir="5400000" rotWithShape="0">
+              <a:srgbClr val="000000">
+                <a:alpha val="38000"/>
+              </a:srgbClr>
+            </a:outerShdw>
+          </a:effectLst>
+        </p:spPr>
+        <p:txBody>
+          <a:bodyPr lIns="45719" rIns="45719"/>
+          <a:lstStyle/>
+          <a:p>
+            <a:pPr lvl="0" defTabSz="457200">
+              <a:defRPr sz="1200">
+                <a:solidFill>
+                  <a:srgbClr val="000000"/>
+                </a:solidFill>
+                <a:uFillTx/>
+                <a:latin typeface="+mj-lt"/>
+                <a:ea typeface="+mj-ea"/>
+                <a:cs typeface="+mj-cs"/>
+                <a:sym typeface="Helvetica"/>
+              </a:defRPr>
+            </a:pPr>
+            <a:endParaRPr dirty="0">
+              <a:solidFill>
+                <a:schemeClr val="tx1"/>
+              </a:solidFill>
+              <a:latin typeface="Arial Unicode MS" panose="020B0604020202020204" pitchFamily="34" charset="-128"/>
+              <a:ea typeface="Arial Unicode MS" panose="020B0604020202020204" pitchFamily="34" charset="-128"/>
+              <a:cs typeface="Arial Unicode MS" panose="020B0604020202020204" pitchFamily="34" charset="-128"/>
+            </a:endParaRPr>
+          </a:p>
+        </p:txBody>
+      </p:sp>
+      <p:graphicFrame>
+        <p:nvGraphicFramePr>
+          <p:cNvPr id="15" name="Table 386">
+            <a:extLst>
+              <a:ext uri="{FF2B5EF4-FFF2-40B4-BE49-F238E27FC236}">
+                <a16:creationId xmlns:a16="http://schemas.microsoft.com/office/drawing/2014/main" id="{165864C3-56EF-4825-B8D1-09DF5F0C0486}"/>
+              </a:ext>
+            </a:extLst>
+          </p:cNvPr>
+          <p:cNvGraphicFramePr/>
+          <p:nvPr>
+            <p:extLst>
+              <p:ext uri="{D42A27DB-BD31-4B8C-83A1-F6EECF244321}">
+                <p14:modId xmlns:p14="http://schemas.microsoft.com/office/powerpoint/2010/main" val="1542758332"/>
+              </p:ext>
+            </p:extLst>
+          </p:nvPr>
+        </p:nvGraphicFramePr>
+        <p:xfrm>
+          <a:off x="353123" y="2298628"/>
+          <a:ext cx="1455489" cy="1400559"/>
+        </p:xfrm>
+        <a:graphic>
+          <a:graphicData uri="http://schemas.openxmlformats.org/drawingml/2006/table">
+            <a:tbl>
+              <a:tblPr firstRow="1" bandRow="1">
+                <a:tableStyleId>{4C3C2611-4C71-4FC5-86AE-919BDF0F9419}</a:tableStyleId>
+              </a:tblPr>
+              <a:tblGrid>
+                <a:gridCol w="1455489">
+                  <a:extLst>
+                    <a:ext uri="{9D8B030D-6E8A-4147-A177-3AD203B41FA5}">
+                      <a16:colId xmlns:a16="http://schemas.microsoft.com/office/drawing/2014/main" val="20000"/>
+                    </a:ext>
+                  </a:extLst>
+                </a:gridCol>
+              </a:tblGrid>
+              <a:tr h="473459">
+                <a:tc>
+                  <a:txBody>
+                    <a:bodyPr/>
+                    <a:lstStyle/>
+                    <a:p>
+                      <a:pPr lvl="0" algn="l">
+                        <a:spcBef>
+                          <a:spcPts val="500"/>
+                        </a:spcBef>
+                        <a:defRPr sz="1800" b="0" i="0">
+                          <a:solidFill>
+                            <a:srgbClr val="000000"/>
+                          </a:solidFill>
+                          <a:uFillTx/>
+                        </a:defRPr>
+                      </a:pPr>
+                      <a:r>
+                        <a:rPr lang="en-US" sz="2200" b="1" i="1" dirty="0">
+                          <a:solidFill>
+                            <a:srgbClr val="FFFFFF"/>
+                          </a:solidFill>
+                          <a:uFill>
+                            <a:solidFill>
+                              <a:srgbClr val="FFFFFF"/>
+                            </a:solidFill>
+                          </a:uFill>
+                          <a:latin typeface="Arial Unicode MS" panose="020B0604020202020204" pitchFamily="34" charset="-128"/>
+                        </a:rPr>
+                        <a:t>Office</a:t>
+                      </a:r>
+                      <a:endParaRPr sz="2200" b="1" i="1" dirty="0">
+                        <a:solidFill>
+                          <a:srgbClr val="FFFFFF"/>
+                        </a:solidFill>
+                        <a:uFill>
+                          <a:solidFill>
+                            <a:srgbClr val="FFFFFF"/>
+                          </a:solidFill>
+                        </a:uFill>
+                        <a:latin typeface="Arial Unicode MS" panose="020B0604020202020204" pitchFamily="34" charset="-128"/>
+                      </a:endParaRPr>
+                    </a:p>
+                  </a:txBody>
+                  <a:tcPr marL="63500" marR="63500" marT="63500" marB="63500" horzOverflow="overflow">
+                    <a:lnL w="12700">
+                      <a:miter lim="400000"/>
+                    </a:lnL>
+                    <a:lnR w="12700">
+                      <a:miter lim="400000"/>
+                    </a:lnR>
+                    <a:lnT w="12700">
+                      <a:miter lim="400000"/>
+                    </a:lnT>
+                    <a:lnB w="12700">
+                      <a:miter lim="400000"/>
+                    </a:lnB>
+                  </a:tcPr>
+                </a:tc>
+                <a:extLst>
+                  <a:ext uri="{0D108BD9-81ED-4DB2-BD59-A6C34878D82A}">
+                    <a16:rowId xmlns:a16="http://schemas.microsoft.com/office/drawing/2014/main" val="10000"/>
+                  </a:ext>
+                </a:extLst>
+              </a:tr>
+              <a:tr h="469900">
+                <a:tc>
+                  <a:txBody>
+                    <a:bodyPr/>
+                    <a:lstStyle/>
+                    <a:p>
+                      <a:pPr lvl="0" algn="ctr">
+                        <a:defRPr sz="1800">
+                          <a:solidFill>
+                            <a:srgbClr val="000000"/>
+                          </a:solidFill>
+                          <a:uFillTx/>
+                        </a:defRPr>
+                      </a:pPr>
+                      <a:r>
+                        <a:rPr lang="en-US" dirty="0">
+                          <a:solidFill>
+                            <a:srgbClr val="191164"/>
+                          </a:solidFill>
+                          <a:uFill>
+                            <a:solidFill/>
+                          </a:uFill>
+                          <a:latin typeface="Arial Unicode MS" panose="020B0604020202020204" pitchFamily="34" charset="-128"/>
+                        </a:rPr>
+                        <a:t>Office</a:t>
+                      </a:r>
+                      <a:r>
+                        <a:rPr dirty="0">
+                          <a:solidFill>
+                            <a:srgbClr val="191164"/>
+                          </a:solidFill>
+                          <a:uFill>
+                            <a:solidFill/>
+                          </a:uFill>
+                          <a:latin typeface="Arial Unicode MS" panose="020B0604020202020204" pitchFamily="34" charset="-128"/>
+                        </a:rPr>
+                        <a:t> 1</a:t>
+                      </a:r>
+                    </a:p>
+                  </a:txBody>
+                  <a:tcPr marL="63500" marR="63500" marT="63500" marB="63500" horzOverflow="overflow">
+                    <a:lnL w="12700">
+                      <a:miter lim="400000"/>
+                    </a:lnL>
+                    <a:lnR w="12700">
+                      <a:miter lim="400000"/>
+                    </a:lnR>
+                    <a:lnT w="12700">
+                      <a:miter lim="400000"/>
+                    </a:lnT>
+                    <a:lnB w="12700">
+                      <a:miter lim="400000"/>
+                    </a:lnB>
+                  </a:tcPr>
+                </a:tc>
+                <a:extLst>
+                  <a:ext uri="{0D108BD9-81ED-4DB2-BD59-A6C34878D82A}">
+                    <a16:rowId xmlns:a16="http://schemas.microsoft.com/office/drawing/2014/main" val="10001"/>
+                  </a:ext>
+                </a:extLst>
+              </a:tr>
+              <a:tr h="457200">
+                <a:tc>
+                  <a:txBody>
+                    <a:bodyPr/>
+                    <a:lstStyle/>
+                    <a:p>
+                      <a:pPr lvl="0" algn="ctr">
+                        <a:defRPr sz="1800">
+                          <a:solidFill>
+                            <a:srgbClr val="000000"/>
+                          </a:solidFill>
+                          <a:uFillTx/>
+                        </a:defRPr>
+                      </a:pPr>
+                      <a:r>
+                        <a:rPr lang="en-US" dirty="0">
+                          <a:solidFill>
+                            <a:srgbClr val="191164"/>
+                          </a:solidFill>
+                          <a:uFill>
+                            <a:solidFill/>
+                          </a:uFill>
+                          <a:latin typeface="Arial Unicode MS" panose="020B0604020202020204" pitchFamily="34" charset="-128"/>
+                        </a:rPr>
+                        <a:t>Office</a:t>
+                      </a:r>
+                      <a:r>
+                        <a:rPr dirty="0">
+                          <a:solidFill>
+                            <a:srgbClr val="191164"/>
+                          </a:solidFill>
+                          <a:uFill>
+                            <a:solidFill/>
+                          </a:uFill>
+                          <a:latin typeface="Arial Unicode MS" panose="020B0604020202020204" pitchFamily="34" charset="-128"/>
+                        </a:rPr>
+                        <a:t> 2</a:t>
+                      </a:r>
+                    </a:p>
+                  </a:txBody>
+                  <a:tcPr marL="63500" marR="63500" marT="63500" marB="63500" horzOverflow="overflow">
+                    <a:lnL w="12700">
+                      <a:miter lim="400000"/>
+                    </a:lnL>
+                    <a:lnR w="12700">
+                      <a:miter lim="400000"/>
+                    </a:lnR>
+                    <a:lnT w="12700">
+                      <a:miter lim="400000"/>
+                    </a:lnT>
+                    <a:lnB w="12700">
+                      <a:miter lim="400000"/>
+                    </a:lnB>
+                  </a:tcPr>
+                </a:tc>
+                <a:extLst>
+                  <a:ext uri="{0D108BD9-81ED-4DB2-BD59-A6C34878D82A}">
+                    <a16:rowId xmlns:a16="http://schemas.microsoft.com/office/drawing/2014/main" val="10002"/>
+                  </a:ext>
+                </a:extLst>
+              </a:tr>
+            </a:tbl>
+          </a:graphicData>
+        </a:graphic>
+      </p:graphicFrame>
+      <p:sp>
+        <p:nvSpPr>
+          <p:cNvPr id="16" name="Shape 389">
+            <a:extLst>
+              <a:ext uri="{FF2B5EF4-FFF2-40B4-BE49-F238E27FC236}">
+                <a16:creationId xmlns:a16="http://schemas.microsoft.com/office/drawing/2014/main" id="{6A190AC4-DD38-4975-88B2-F17DA80C9289}"/>
+              </a:ext>
+            </a:extLst>
+          </p:cNvPr>
+          <p:cNvSpPr/>
+          <p:nvPr/>
+        </p:nvSpPr>
+        <p:spPr>
+          <a:xfrm>
+            <a:off x="1808612" y="2955433"/>
+            <a:ext cx="613177" cy="20627"/>
+          </a:xfrm>
+          <a:prstGeom prst="line">
+            <a:avLst/>
+          </a:prstGeom>
+          <a:ln w="25400">
+            <a:solidFill>
+              <a:srgbClr val="CCCC00"/>
+            </a:solidFill>
+            <a:round/>
+          </a:ln>
+          <a:effectLst>
+            <a:outerShdw blurRad="38100" dist="20000" dir="5400000" rotWithShape="0">
+              <a:srgbClr val="000000">
+                <a:alpha val="38000"/>
+              </a:srgbClr>
+            </a:outerShdw>
+          </a:effectLst>
+        </p:spPr>
+        <p:txBody>
+          <a:bodyPr lIns="45719" rIns="45719"/>
+          <a:lstStyle/>
+          <a:p>
+            <a:pPr lvl="0" defTabSz="457200">
+              <a:defRPr sz="1200">
+                <a:solidFill>
+                  <a:srgbClr val="000000"/>
+                </a:solidFill>
+                <a:uFillTx/>
+                <a:latin typeface="+mj-lt"/>
+                <a:ea typeface="+mj-ea"/>
+                <a:cs typeface="+mj-cs"/>
+                <a:sym typeface="Helvetica"/>
+              </a:defRPr>
+            </a:pPr>
+            <a:endParaRPr dirty="0">
+              <a:solidFill>
+                <a:schemeClr val="tx1"/>
+              </a:solidFill>
+              <a:latin typeface="Arial Unicode MS" panose="020B0604020202020204" pitchFamily="34" charset="-128"/>
+              <a:ea typeface="Arial Unicode MS" panose="020B0604020202020204" pitchFamily="34" charset="-128"/>
+              <a:cs typeface="Arial Unicode MS" panose="020B0604020202020204" pitchFamily="34" charset="-128"/>
+            </a:endParaRPr>
+          </a:p>
+        </p:txBody>
+      </p:sp>
+      <p:sp>
+        <p:nvSpPr>
+          <p:cNvPr id="17" name="Shape 389">
+            <a:extLst>
+              <a:ext uri="{FF2B5EF4-FFF2-40B4-BE49-F238E27FC236}">
+                <a16:creationId xmlns:a16="http://schemas.microsoft.com/office/drawing/2014/main" id="{B82D63E9-9F3C-4E4A-A79F-3F157B4E6B00}"/>
+              </a:ext>
+            </a:extLst>
+          </p:cNvPr>
+          <p:cNvSpPr/>
+          <p:nvPr/>
+        </p:nvSpPr>
+        <p:spPr>
+          <a:xfrm>
+            <a:off x="1808612" y="3434782"/>
+            <a:ext cx="613177" cy="20627"/>
+          </a:xfrm>
+          <a:prstGeom prst="line">
+            <a:avLst/>
+          </a:prstGeom>
+          <a:ln w="25400">
+            <a:solidFill>
+              <a:srgbClr val="CCCC00"/>
+            </a:solidFill>
+            <a:round/>
+          </a:ln>
+          <a:effectLst>
+            <a:outerShdw blurRad="38100" dist="20000" dir="5400000" rotWithShape="0">
+              <a:srgbClr val="000000">
+                <a:alpha val="38000"/>
+              </a:srgbClr>
+            </a:outerShdw>
+          </a:effectLst>
+        </p:spPr>
+        <p:txBody>
+          <a:bodyPr lIns="45719" rIns="45719"/>
+          <a:lstStyle/>
+          <a:p>
+            <a:pPr lvl="0" defTabSz="457200">
+              <a:defRPr sz="1200">
+                <a:solidFill>
+                  <a:srgbClr val="000000"/>
+                </a:solidFill>
+                <a:uFillTx/>
+                <a:latin typeface="+mj-lt"/>
+                <a:ea typeface="+mj-ea"/>
+                <a:cs typeface="+mj-cs"/>
+                <a:sym typeface="Helvetica"/>
+              </a:defRPr>
+            </a:pPr>
+            <a:endParaRPr dirty="0">
+              <a:solidFill>
+                <a:schemeClr val="tx1"/>
+              </a:solidFill>
+              <a:latin typeface="Arial Unicode MS" panose="020B0604020202020204" pitchFamily="34" charset="-128"/>
+              <a:ea typeface="Arial Unicode MS" panose="020B0604020202020204" pitchFamily="34" charset="-128"/>
+              <a:cs typeface="Arial Unicode MS" panose="020B0604020202020204" pitchFamily="34" charset="-128"/>
+            </a:endParaRPr>
+          </a:p>
+        </p:txBody>
+      </p:sp>
+    </p:spTree>
+    <p:extLst>
+      <p:ext uri="{BB962C8B-B14F-4D97-AF65-F5344CB8AC3E}">
+        <p14:creationId xmlns:p14="http://schemas.microsoft.com/office/powerpoint/2010/main" val="503437280"/>
+      </p:ext>
+    </p:extLst>
+  </p:cSld>
+  <p:clrMapOvr>
+    <a:masterClrMapping/>
+  </p:clrMapOvr>
+  <p:transition spd="med"/>
+</p:sld>
+</file>
+
+<file path=ppt/slides/slide9.xml><?xml version="1.0" encoding="utf-8"?>
+<p:sld xmlns:a="http://schemas.openxmlformats.org/drawingml/2006/main" xmlns:r="http://schemas.openxmlformats.org/officeDocument/2006/relationships" xmlns:p="http://schemas.openxmlformats.org/presentationml/2006/main">
+  <p:cSld>
+    <p:spTree>
+      <p:nvGrpSpPr>
+        <p:cNvPr id="1" name=""/>
+        <p:cNvGrpSpPr/>
+        <p:nvPr/>
+      </p:nvGrpSpPr>
+      <p:grpSpPr>
+        <a:xfrm>
+          <a:off x="0" y="0"/>
+          <a:ext cx="0" cy="0"/>
+          <a:chOff x="0" y="0"/>
+          <a:chExt cx="0" cy="0"/>
+        </a:xfrm>
+      </p:grpSpPr>
+      <p:sp>
+        <p:nvSpPr>
+          <p:cNvPr id="384" name="Shape 384"/>
+          <p:cNvSpPr/>
+          <p:nvPr/>
+        </p:nvSpPr>
+        <p:spPr>
+          <a:xfrm>
+            <a:off x="386308" y="147496"/>
+            <a:ext cx="7757379" cy="461665"/>
+          </a:xfrm>
+          <a:prstGeom prst="rect">
+            <a:avLst/>
+          </a:prstGeom>
+          <a:ln w="12700">
+            <a:miter lim="400000"/>
+          </a:ln>
+          <a:extLst>
+            <a:ext uri="{C572A759-6A51-4108-AA02-DFA0A04FC94B}">
+              <ma14:wrappingTextBoxFlag xmlns:ma14="http://schemas.microsoft.com/office/mac/drawingml/2011/main" xmlns="" val="1"/>
             </a:ext>
           </a:extLst>
         </p:spPr>
@@ -18096,7 +21530,7 @@
           </a:ln>
           <a:extLst>
             <a:ext uri="{C572A759-6A51-4108-AA02-DFA0A04FC94B}">
-              <ma14:wrappingTextBoxFlag xmlns="" xmlns:ma14="http://schemas.microsoft.com/office/mac/drawingml/2011/main" val="1"/>
+              <ma14:wrappingTextBoxFlag xmlns:ma14="http://schemas.microsoft.com/office/mac/drawingml/2011/main" xmlns="" val="1"/>
             </a:ext>
           </a:extLst>
         </p:spPr>
@@ -18941,7 +22375,7 @@
           </a:ln>
           <a:extLst>
             <a:ext uri="{C572A759-6A51-4108-AA02-DFA0A04FC94B}">
-              <ma14:wrappingTextBoxFlag xmlns="" xmlns:ma14="http://schemas.microsoft.com/office/mac/drawingml/2011/main" val="1"/>
+              <ma14:wrappingTextBoxFlag xmlns:ma14="http://schemas.microsoft.com/office/mac/drawingml/2011/main" xmlns="" val="1"/>
             </a:ext>
           </a:extLst>
         </p:spPr>
@@ -19970,3148 +23404,6 @@
     <a:masterClrMapping/>
   </p:clrMapOvr>
   <p:transition spd="med"/>
-  <p:timing>
-    <p:tnLst>
-      <p:par>
-        <p:cTn id="1" dur="indefinite" restart="never" fill="hold" nodeType="tmRoot">
-          <p:childTnLst>
-            <p:seq concurrent="1" prevAc="none" nextAc="seek">
-              <p:cTn id="2" dur="indefinite" fill="hold" nodeType="mainSeq">
-                <p:childTnLst>
-                  <p:par>
-                    <p:cTn id="3" fill="hold">
-                      <p:stCondLst>
-                        <p:cond delay="indefinite"/>
-                      </p:stCondLst>
-                      <p:childTnLst>
-                        <p:par>
-                          <p:cTn id="4" fill="hold">
-                            <p:stCondLst>
-                              <p:cond delay="0"/>
-                            </p:stCondLst>
-                            <p:childTnLst>
-                              <p:par>
-                                <p:cTn id="5" presetID="9" presetClass="entr" presetSubtype="16" fill="hold" grpId="0" nodeType="clickEffect">
-                                  <p:stCondLst>
-                                    <p:cond delay="0"/>
-                                  </p:stCondLst>
-                                  <p:iterate>
-                                    <p:tmAbs val="0"/>
-                                  </p:iterate>
-                                  <p:childTnLst>
-                                    <p:set>
-                                      <p:cBhvr>
-                                        <p:cTn id="6" fill="hold"/>
-                                        <p:tgtEl>
-                                          <p:spTgt spid="388"/>
-                                        </p:tgtEl>
-                                        <p:attrNameLst>
-                                          <p:attrName>style.visibility</p:attrName>
-                                        </p:attrNameLst>
-                                      </p:cBhvr>
-                                      <p:to>
-                                        <p:strVal val="visible"/>
-                                      </p:to>
-                                    </p:set>
-                                    <p:animEffect transition="in" filter="dissolve(in)">
-                                      <p:cBhvr>
-                                        <p:cTn id="7" dur="750"/>
-                                        <p:tgtEl>
-                                          <p:spTgt spid="388"/>
-                                        </p:tgtEl>
-                                      </p:cBhvr>
-                                    </p:animEffect>
-                                  </p:childTnLst>
-                                </p:cTn>
-                              </p:par>
-                            </p:childTnLst>
-                          </p:cTn>
-                        </p:par>
-                      </p:childTnLst>
-                    </p:cTn>
-                  </p:par>
-                  <p:par>
-                    <p:cTn id="8" fill="hold">
-                      <p:stCondLst>
-                        <p:cond delay="indefinite"/>
-                      </p:stCondLst>
-                      <p:childTnLst>
-                        <p:par>
-                          <p:cTn id="9" fill="hold">
-                            <p:stCondLst>
-                              <p:cond delay="0"/>
-                            </p:stCondLst>
-                            <p:childTnLst>
-                              <p:par>
-                                <p:cTn id="10" presetID="9" presetClass="entr" presetSubtype="16" fill="hold" grpId="0" nodeType="clickEffect">
-                                  <p:stCondLst>
-                                    <p:cond delay="0"/>
-                                  </p:stCondLst>
-                                  <p:iterate>
-                                    <p:tmAbs val="0"/>
-                                  </p:iterate>
-                                  <p:childTnLst>
-                                    <p:set>
-                                      <p:cBhvr>
-                                        <p:cTn id="11" fill="hold"/>
-                                        <p:tgtEl>
-                                          <p:spTgt spid="389"/>
-                                        </p:tgtEl>
-                                        <p:attrNameLst>
-                                          <p:attrName>style.visibility</p:attrName>
-                                        </p:attrNameLst>
-                                      </p:cBhvr>
-                                      <p:to>
-                                        <p:strVal val="visible"/>
-                                      </p:to>
-                                    </p:set>
-                                    <p:animEffect transition="in" filter="dissolve(in)">
-                                      <p:cBhvr>
-                                        <p:cTn id="12" dur="750"/>
-                                        <p:tgtEl>
-                                          <p:spTgt spid="389"/>
-                                        </p:tgtEl>
-                                      </p:cBhvr>
-                                    </p:animEffect>
-                                  </p:childTnLst>
-                                </p:cTn>
-                              </p:par>
-                            </p:childTnLst>
-                          </p:cTn>
-                        </p:par>
-                      </p:childTnLst>
-                    </p:cTn>
-                  </p:par>
-                  <p:par>
-                    <p:cTn id="13" fill="hold">
-                      <p:stCondLst>
-                        <p:cond delay="indefinite"/>
-                      </p:stCondLst>
-                      <p:childTnLst>
-                        <p:par>
-                          <p:cTn id="14" fill="hold">
-                            <p:stCondLst>
-                              <p:cond delay="0"/>
-                            </p:stCondLst>
-                            <p:childTnLst>
-                              <p:par>
-                                <p:cTn id="15" presetID="9" presetClass="entr" presetSubtype="16" fill="hold" grpId="0" nodeType="clickEffect">
-                                  <p:stCondLst>
-                                    <p:cond delay="0"/>
-                                  </p:stCondLst>
-                                  <p:iterate>
-                                    <p:tmAbs val="0"/>
-                                  </p:iterate>
-                                  <p:childTnLst>
-                                    <p:set>
-                                      <p:cBhvr>
-                                        <p:cTn id="16" fill="hold"/>
-                                        <p:tgtEl>
-                                          <p:spTgt spid="390"/>
-                                        </p:tgtEl>
-                                        <p:attrNameLst>
-                                          <p:attrName>style.visibility</p:attrName>
-                                        </p:attrNameLst>
-                                      </p:cBhvr>
-                                      <p:to>
-                                        <p:strVal val="visible"/>
-                                      </p:to>
-                                    </p:set>
-                                    <p:animEffect transition="in" filter="dissolve(in)">
-                                      <p:cBhvr>
-                                        <p:cTn id="17" dur="750"/>
-                                        <p:tgtEl>
-                                          <p:spTgt spid="390"/>
-                                        </p:tgtEl>
-                                      </p:cBhvr>
-                                    </p:animEffect>
-                                  </p:childTnLst>
-                                </p:cTn>
-                              </p:par>
-                            </p:childTnLst>
-                          </p:cTn>
-                        </p:par>
-                      </p:childTnLst>
-                    </p:cTn>
-                  </p:par>
-                  <p:par>
-                    <p:cTn id="18" fill="hold">
-                      <p:stCondLst>
-                        <p:cond delay="indefinite"/>
-                      </p:stCondLst>
-                      <p:childTnLst>
-                        <p:par>
-                          <p:cTn id="19" fill="hold">
-                            <p:stCondLst>
-                              <p:cond delay="0"/>
-                            </p:stCondLst>
-                            <p:childTnLst>
-                              <p:par>
-                                <p:cTn id="20" presetID="9" presetClass="entr" presetSubtype="16" fill="hold" grpId="0" nodeType="clickEffect">
-                                  <p:stCondLst>
-                                    <p:cond delay="0"/>
-                                  </p:stCondLst>
-                                  <p:iterate>
-                                    <p:tmAbs val="0"/>
-                                  </p:iterate>
-                                  <p:childTnLst>
-                                    <p:set>
-                                      <p:cBhvr>
-                                        <p:cTn id="21" fill="hold"/>
-                                        <p:tgtEl>
-                                          <p:spTgt spid="391"/>
-                                        </p:tgtEl>
-                                        <p:attrNameLst>
-                                          <p:attrName>style.visibility</p:attrName>
-                                        </p:attrNameLst>
-                                      </p:cBhvr>
-                                      <p:to>
-                                        <p:strVal val="visible"/>
-                                      </p:to>
-                                    </p:set>
-                                    <p:animEffect transition="in" filter="dissolve(in)">
-                                      <p:cBhvr>
-                                        <p:cTn id="22" dur="750"/>
-                                        <p:tgtEl>
-                                          <p:spTgt spid="391"/>
-                                        </p:tgtEl>
-                                      </p:cBhvr>
-                                    </p:animEffect>
-                                  </p:childTnLst>
-                                </p:cTn>
-                              </p:par>
-                            </p:childTnLst>
-                          </p:cTn>
-                        </p:par>
-                      </p:childTnLst>
-                    </p:cTn>
-                  </p:par>
-                  <p:par>
-                    <p:cTn id="23" fill="hold">
-                      <p:stCondLst>
-                        <p:cond delay="indefinite"/>
-                      </p:stCondLst>
-                      <p:childTnLst>
-                        <p:par>
-                          <p:cTn id="24" fill="hold">
-                            <p:stCondLst>
-                              <p:cond delay="0"/>
-                            </p:stCondLst>
-                            <p:childTnLst>
-                              <p:par>
-                                <p:cTn id="25" presetID="9" presetClass="entr" presetSubtype="16" fill="hold" grpId="0" nodeType="clickEffect">
-                                  <p:stCondLst>
-                                    <p:cond delay="0"/>
-                                  </p:stCondLst>
-                                  <p:iterate>
-                                    <p:tmAbs val="0"/>
-                                  </p:iterate>
-                                  <p:childTnLst>
-                                    <p:set>
-                                      <p:cBhvr>
-                                        <p:cTn id="26" fill="hold"/>
-                                        <p:tgtEl>
-                                          <p:spTgt spid="11"/>
-                                        </p:tgtEl>
-                                        <p:attrNameLst>
-                                          <p:attrName>style.visibility</p:attrName>
-                                        </p:attrNameLst>
-                                      </p:cBhvr>
-                                      <p:to>
-                                        <p:strVal val="visible"/>
-                                      </p:to>
-                                    </p:set>
-                                    <p:animEffect transition="in" filter="dissolve(in)">
-                                      <p:cBhvr>
-                                        <p:cTn id="27" dur="750"/>
-                                        <p:tgtEl>
-                                          <p:spTgt spid="11"/>
-                                        </p:tgtEl>
-                                      </p:cBhvr>
-                                    </p:animEffect>
-                                  </p:childTnLst>
-                                </p:cTn>
-                              </p:par>
-                            </p:childTnLst>
-                          </p:cTn>
-                        </p:par>
-                      </p:childTnLst>
-                    </p:cTn>
-                  </p:par>
-                  <p:par>
-                    <p:cTn id="28" fill="hold">
-                      <p:stCondLst>
-                        <p:cond delay="indefinite"/>
-                      </p:stCondLst>
-                      <p:childTnLst>
-                        <p:par>
-                          <p:cTn id="29" fill="hold">
-                            <p:stCondLst>
-                              <p:cond delay="0"/>
-                            </p:stCondLst>
-                            <p:childTnLst>
-                              <p:par>
-                                <p:cTn id="30" presetID="9" presetClass="entr" presetSubtype="16" fill="hold" grpId="0" nodeType="clickEffect">
-                                  <p:stCondLst>
-                                    <p:cond delay="0"/>
-                                  </p:stCondLst>
-                                  <p:iterate>
-                                    <p:tmAbs val="0"/>
-                                  </p:iterate>
-                                  <p:childTnLst>
-                                    <p:set>
-                                      <p:cBhvr>
-                                        <p:cTn id="31" fill="hold"/>
-                                        <p:tgtEl>
-                                          <p:spTgt spid="12"/>
-                                        </p:tgtEl>
-                                        <p:attrNameLst>
-                                          <p:attrName>style.visibility</p:attrName>
-                                        </p:attrNameLst>
-                                      </p:cBhvr>
-                                      <p:to>
-                                        <p:strVal val="visible"/>
-                                      </p:to>
-                                    </p:set>
-                                    <p:animEffect transition="in" filter="dissolve(in)">
-                                      <p:cBhvr>
-                                        <p:cTn id="32" dur="750"/>
-                                        <p:tgtEl>
-                                          <p:spTgt spid="12"/>
-                                        </p:tgtEl>
-                                      </p:cBhvr>
-                                    </p:animEffect>
-                                  </p:childTnLst>
-                                </p:cTn>
-                              </p:par>
-                            </p:childTnLst>
-                          </p:cTn>
-                        </p:par>
-                      </p:childTnLst>
-                    </p:cTn>
-                  </p:par>
-                  <p:par>
-                    <p:cTn id="33" fill="hold">
-                      <p:stCondLst>
-                        <p:cond delay="indefinite"/>
-                      </p:stCondLst>
-                      <p:childTnLst>
-                        <p:par>
-                          <p:cTn id="34" fill="hold">
-                            <p:stCondLst>
-                              <p:cond delay="0"/>
-                            </p:stCondLst>
-                            <p:childTnLst>
-                              <p:par>
-                                <p:cTn id="35" presetID="9" presetClass="entr" presetSubtype="16" fill="hold" grpId="0" nodeType="clickEffect">
-                                  <p:stCondLst>
-                                    <p:cond delay="0"/>
-                                  </p:stCondLst>
-                                  <p:iterate>
-                                    <p:tmAbs val="0"/>
-                                  </p:iterate>
-                                  <p:childTnLst>
-                                    <p:set>
-                                      <p:cBhvr>
-                                        <p:cTn id="36" fill="hold"/>
-                                        <p:tgtEl>
-                                          <p:spTgt spid="13"/>
-                                        </p:tgtEl>
-                                        <p:attrNameLst>
-                                          <p:attrName>style.visibility</p:attrName>
-                                        </p:attrNameLst>
-                                      </p:cBhvr>
-                                      <p:to>
-                                        <p:strVal val="visible"/>
-                                      </p:to>
-                                    </p:set>
-                                    <p:animEffect transition="in" filter="dissolve(in)">
-                                      <p:cBhvr>
-                                        <p:cTn id="37" dur="750"/>
-                                        <p:tgtEl>
-                                          <p:spTgt spid="13"/>
-                                        </p:tgtEl>
-                                      </p:cBhvr>
-                                    </p:animEffect>
-                                  </p:childTnLst>
-                                </p:cTn>
-                              </p:par>
-                            </p:childTnLst>
-                          </p:cTn>
-                        </p:par>
-                      </p:childTnLst>
-                    </p:cTn>
-                  </p:par>
-                  <p:par>
-                    <p:cTn id="38" fill="hold">
-                      <p:stCondLst>
-                        <p:cond delay="indefinite"/>
-                      </p:stCondLst>
-                      <p:childTnLst>
-                        <p:par>
-                          <p:cTn id="39" fill="hold">
-                            <p:stCondLst>
-                              <p:cond delay="0"/>
-                            </p:stCondLst>
-                            <p:childTnLst>
-                              <p:par>
-                                <p:cTn id="40" presetID="9" presetClass="entr" presetSubtype="16" fill="hold" grpId="0" nodeType="clickEffect">
-                                  <p:stCondLst>
-                                    <p:cond delay="0"/>
-                                  </p:stCondLst>
-                                  <p:iterate>
-                                    <p:tmAbs val="0"/>
-                                  </p:iterate>
-                                  <p:childTnLst>
-                                    <p:set>
-                                      <p:cBhvr>
-                                        <p:cTn id="41" fill="hold"/>
-                                        <p:tgtEl>
-                                          <p:spTgt spid="14"/>
-                                        </p:tgtEl>
-                                        <p:attrNameLst>
-                                          <p:attrName>style.visibility</p:attrName>
-                                        </p:attrNameLst>
-                                      </p:cBhvr>
-                                      <p:to>
-                                        <p:strVal val="visible"/>
-                                      </p:to>
-                                    </p:set>
-                                    <p:animEffect transition="in" filter="dissolve(in)">
-                                      <p:cBhvr>
-                                        <p:cTn id="42" dur="750"/>
-                                        <p:tgtEl>
-                                          <p:spTgt spid="14"/>
-                                        </p:tgtEl>
-                                      </p:cBhvr>
-                                    </p:animEffect>
-                                  </p:childTnLst>
-                                </p:cTn>
-                              </p:par>
-                            </p:childTnLst>
-                          </p:cTn>
-                        </p:par>
-                      </p:childTnLst>
-                    </p:cTn>
-                  </p:par>
-                  <p:par>
-                    <p:cTn id="43" fill="hold">
-                      <p:stCondLst>
-                        <p:cond delay="indefinite"/>
-                      </p:stCondLst>
-                      <p:childTnLst>
-                        <p:par>
-                          <p:cTn id="44" fill="hold">
-                            <p:stCondLst>
-                              <p:cond delay="0"/>
-                            </p:stCondLst>
-                            <p:childTnLst>
-                              <p:par>
-                                <p:cTn id="45" presetID="9" presetClass="entr" presetSubtype="16" fill="hold" grpId="0" nodeType="clickEffect">
-                                  <p:stCondLst>
-                                    <p:cond delay="0"/>
-                                  </p:stCondLst>
-                                  <p:iterate>
-                                    <p:tmAbs val="0"/>
-                                  </p:iterate>
-                                  <p:childTnLst>
-                                    <p:set>
-                                      <p:cBhvr>
-                                        <p:cTn id="46" fill="hold"/>
-                                        <p:tgtEl>
-                                          <p:spTgt spid="16"/>
-                                        </p:tgtEl>
-                                        <p:attrNameLst>
-                                          <p:attrName>style.visibility</p:attrName>
-                                        </p:attrNameLst>
-                                      </p:cBhvr>
-                                      <p:to>
-                                        <p:strVal val="visible"/>
-                                      </p:to>
-                                    </p:set>
-                                    <p:animEffect transition="in" filter="dissolve(in)">
-                                      <p:cBhvr>
-                                        <p:cTn id="47" dur="750"/>
-                                        <p:tgtEl>
-                                          <p:spTgt spid="16"/>
-                                        </p:tgtEl>
-                                      </p:cBhvr>
-                                    </p:animEffect>
-                                  </p:childTnLst>
-                                </p:cTn>
-                              </p:par>
-                            </p:childTnLst>
-                          </p:cTn>
-                        </p:par>
-                      </p:childTnLst>
-                    </p:cTn>
-                  </p:par>
-                  <p:par>
-                    <p:cTn id="48" fill="hold">
-                      <p:stCondLst>
-                        <p:cond delay="indefinite"/>
-                      </p:stCondLst>
-                      <p:childTnLst>
-                        <p:par>
-                          <p:cTn id="49" fill="hold">
-                            <p:stCondLst>
-                              <p:cond delay="0"/>
-                            </p:stCondLst>
-                            <p:childTnLst>
-                              <p:par>
-                                <p:cTn id="50" presetID="9" presetClass="entr" presetSubtype="16" fill="hold" grpId="0" nodeType="clickEffect">
-                                  <p:stCondLst>
-                                    <p:cond delay="0"/>
-                                  </p:stCondLst>
-                                  <p:iterate>
-                                    <p:tmAbs val="0"/>
-                                  </p:iterate>
-                                  <p:childTnLst>
-                                    <p:set>
-                                      <p:cBhvr>
-                                        <p:cTn id="51" fill="hold"/>
-                                        <p:tgtEl>
-                                          <p:spTgt spid="17"/>
-                                        </p:tgtEl>
-                                        <p:attrNameLst>
-                                          <p:attrName>style.visibility</p:attrName>
-                                        </p:attrNameLst>
-                                      </p:cBhvr>
-                                      <p:to>
-                                        <p:strVal val="visible"/>
-                                      </p:to>
-                                    </p:set>
-                                    <p:animEffect transition="in" filter="dissolve(in)">
-                                      <p:cBhvr>
-                                        <p:cTn id="52" dur="750"/>
-                                        <p:tgtEl>
-                                          <p:spTgt spid="17"/>
-                                        </p:tgtEl>
-                                      </p:cBhvr>
-                                    </p:animEffect>
-                                  </p:childTnLst>
-                                </p:cTn>
-                              </p:par>
-                            </p:childTnLst>
-                          </p:cTn>
-                        </p:par>
-                      </p:childTnLst>
-                    </p:cTn>
-                  </p:par>
-                </p:childTnLst>
-              </p:cTn>
-              <p:prevCondLst>
-                <p:cond evt="onPrev" delay="0">
-                  <p:tgtEl>
-                    <p:sldTgt/>
-                  </p:tgtEl>
-                </p:cond>
-              </p:prevCondLst>
-              <p:nextCondLst>
-                <p:cond evt="onNext" delay="0">
-                  <p:tgtEl>
-                    <p:sldTgt/>
-                  </p:tgtEl>
-                </p:cond>
-              </p:nextCondLst>
-            </p:seq>
-          </p:childTnLst>
-        </p:cTn>
-      </p:par>
-    </p:tnLst>
-    <p:bldLst>
-      <p:bldP spid="388" grpId="0" animBg="1" advAuto="0"/>
-      <p:bldP spid="389" grpId="0" animBg="1" advAuto="0"/>
-      <p:bldP spid="390" grpId="0" animBg="1" advAuto="0"/>
-      <p:bldP spid="391" grpId="0" animBg="1" advAuto="0"/>
-      <p:bldP spid="11" grpId="0" animBg="1" advAuto="0"/>
-      <p:bldP spid="12" grpId="0" animBg="1" advAuto="0"/>
-      <p:bldP spid="13" grpId="0" animBg="1" advAuto="0"/>
-      <p:bldP spid="14" grpId="0" animBg="1" advAuto="0"/>
-      <p:bldP spid="16" grpId="0" animBg="1" advAuto="0"/>
-      <p:bldP spid="17" grpId="0" animBg="1" advAuto="0"/>
-    </p:bldLst>
-  </p:timing>
-</p:sld>
-</file>
-
-<file path=ppt/slides/slide9.xml><?xml version="1.0" encoding="utf-8"?>
-<p:sld xmlns:a="http://schemas.openxmlformats.org/drawingml/2006/main" xmlns:r="http://schemas.openxmlformats.org/officeDocument/2006/relationships" xmlns:p="http://schemas.openxmlformats.org/presentationml/2006/main">
-  <p:cSld>
-    <p:spTree>
-      <p:nvGrpSpPr>
-        <p:cNvPr id="1" name=""/>
-        <p:cNvGrpSpPr/>
-        <p:nvPr/>
-      </p:nvGrpSpPr>
-      <p:grpSpPr>
-        <a:xfrm>
-          <a:off x="0" y="0"/>
-          <a:ext cx="0" cy="0"/>
-          <a:chOff x="0" y="0"/>
-          <a:chExt cx="0" cy="0"/>
-        </a:xfrm>
-      </p:grpSpPr>
-      <p:sp>
-        <p:nvSpPr>
-          <p:cNvPr id="384" name="Shape 384"/>
-          <p:cNvSpPr/>
-          <p:nvPr/>
-        </p:nvSpPr>
-        <p:spPr>
-          <a:xfrm>
-            <a:off x="386308" y="147496"/>
-            <a:ext cx="8411463" cy="461665"/>
-          </a:xfrm>
-          <a:prstGeom prst="rect">
-            <a:avLst/>
-          </a:prstGeom>
-          <a:ln w="12700">
-            <a:miter lim="400000"/>
-          </a:ln>
-          <a:extLst>
-            <a:ext uri="{C572A759-6A51-4108-AA02-DFA0A04FC94B}">
-              <ma14:wrappingTextBoxFlag xmlns="" xmlns:ma14="http://schemas.microsoft.com/office/mac/drawingml/2011/main" val="1"/>
-            </a:ext>
-          </a:extLst>
-        </p:spPr>
-        <p:txBody>
-          <a:bodyPr wrap="square" lIns="0" tIns="0" rIns="0" bIns="0">
-            <a:spAutoFit/>
-          </a:bodyPr>
-          <a:lstStyle>
-            <a:lvl1pPr>
-              <a:defRPr sz="3000" b="1">
-                <a:uFill>
-                  <a:solidFill>
-                    <a:srgbClr val="FFFFFF"/>
-                  </a:solidFill>
-                </a:uFill>
-              </a:defRPr>
-            </a:lvl1pPr>
-          </a:lstStyle>
-          <a:p>
-            <a:pPr lvl="0">
-              <a:defRPr sz="1800" b="0">
-                <a:solidFill>
-                  <a:srgbClr val="000000"/>
-                </a:solidFill>
-                <a:uFillTx/>
-              </a:defRPr>
-            </a:pPr>
-            <a:r>
-              <a:rPr lang="en-US" sz="3000" b="0" dirty="0">
-                <a:solidFill>
-                  <a:srgbClr val="57068C"/>
-                </a:solidFill>
-                <a:uFill>
-                  <a:solidFill>
-                    <a:srgbClr val="FFFFFF"/>
-                  </a:solidFill>
-                </a:uFill>
-                <a:latin typeface="Arial Unicode MS" panose="020B0604020202020204" pitchFamily="34" charset="-128"/>
-                <a:ea typeface="Arial Unicode MS" panose="020B0604020202020204" pitchFamily="34" charset="-128"/>
-                <a:cs typeface="Arial Unicode MS" panose="020B0604020202020204" pitchFamily="34" charset="-128"/>
-              </a:rPr>
-              <a:t>Relationship </a:t>
-            </a:r>
-            <a:r>
-              <a:rPr sz="3000" b="0" dirty="0">
-                <a:solidFill>
-                  <a:srgbClr val="57068C"/>
-                </a:solidFill>
-                <a:uFill>
-                  <a:solidFill>
-                    <a:srgbClr val="FFFFFF"/>
-                  </a:solidFill>
-                </a:uFill>
-                <a:latin typeface="Arial Unicode MS" panose="020B0604020202020204" pitchFamily="34" charset="-128"/>
-                <a:ea typeface="Arial Unicode MS" panose="020B0604020202020204" pitchFamily="34" charset="-128"/>
-                <a:cs typeface="Arial Unicode MS" panose="020B0604020202020204" pitchFamily="34" charset="-128"/>
-              </a:rPr>
-              <a:t>Cardinalit</a:t>
-            </a:r>
-            <a:r>
-              <a:rPr lang="en-US" sz="3000" b="0" dirty="0">
-                <a:solidFill>
-                  <a:srgbClr val="57068C"/>
-                </a:solidFill>
-                <a:uFill>
-                  <a:solidFill>
-                    <a:srgbClr val="FFFFFF"/>
-                  </a:solidFill>
-                </a:uFill>
-                <a:latin typeface="Arial Unicode MS" panose="020B0604020202020204" pitchFamily="34" charset="-128"/>
-                <a:ea typeface="Arial Unicode MS" panose="020B0604020202020204" pitchFamily="34" charset="-128"/>
-                <a:cs typeface="Arial Unicode MS" panose="020B0604020202020204" pitchFamily="34" charset="-128"/>
-              </a:rPr>
-              <a:t>y: Participation constraints</a:t>
-            </a:r>
-            <a:endParaRPr sz="3000" b="0" dirty="0">
-              <a:solidFill>
-                <a:srgbClr val="57068C"/>
-              </a:solidFill>
-              <a:uFill>
-                <a:solidFill>
-                  <a:srgbClr val="FFFFFF"/>
-                </a:solidFill>
-              </a:uFill>
-              <a:latin typeface="Arial Unicode MS" panose="020B0604020202020204" pitchFamily="34" charset="-128"/>
-              <a:ea typeface="Arial Unicode MS" panose="020B0604020202020204" pitchFamily="34" charset="-128"/>
-              <a:cs typeface="Arial Unicode MS" panose="020B0604020202020204" pitchFamily="34" charset="-128"/>
-            </a:endParaRPr>
-          </a:p>
-        </p:txBody>
-      </p:sp>
-      <p:sp>
-        <p:nvSpPr>
-          <p:cNvPr id="385" name="Shape 385"/>
-          <p:cNvSpPr/>
-          <p:nvPr/>
-        </p:nvSpPr>
-        <p:spPr>
-          <a:xfrm>
-            <a:off x="469899" y="944759"/>
-            <a:ext cx="8230218" cy="1320874"/>
-          </a:xfrm>
-          <a:prstGeom prst="rect">
-            <a:avLst/>
-          </a:prstGeom>
-          <a:ln w="12700">
-            <a:miter lim="400000"/>
-          </a:ln>
-          <a:extLst>
-            <a:ext uri="{C572A759-6A51-4108-AA02-DFA0A04FC94B}">
-              <ma14:wrappingTextBoxFlag xmlns="" xmlns:ma14="http://schemas.microsoft.com/office/mac/drawingml/2011/main" val="1"/>
-            </a:ext>
-          </a:extLst>
-        </p:spPr>
-        <p:txBody>
-          <a:bodyPr wrap="square" lIns="0" tIns="0" rIns="0" bIns="0">
-            <a:spAutoFit/>
-          </a:bodyPr>
-          <a:lstStyle>
-            <a:lvl1pPr marL="342900" indent="-304800">
-              <a:spcBef>
-                <a:spcPts val="700"/>
-              </a:spcBef>
-              <a:buSzPct val="50000"/>
-              <a:buBlip>
-                <a:blip r:embed="rId3"/>
-              </a:buBlip>
-              <a:defRPr sz="2600">
-                <a:solidFill>
-                  <a:srgbClr val="01106D"/>
-                </a:solidFill>
-                <a:latin typeface="Iowan Old Style Roman"/>
-                <a:ea typeface="Iowan Old Style Roman"/>
-                <a:cs typeface="Iowan Old Style Roman"/>
-                <a:sym typeface="Iowan Old Style Roman"/>
-              </a:defRPr>
-            </a:lvl1pPr>
-          </a:lstStyle>
-          <a:p>
-            <a:pPr lvl="0">
-              <a:defRPr sz="1800">
-                <a:solidFill>
-                  <a:srgbClr val="000000"/>
-                </a:solidFill>
-                <a:uFillTx/>
-              </a:defRPr>
-            </a:pPr>
-            <a:r>
-              <a:rPr sz="2000" dirty="0">
-                <a:solidFill>
-                  <a:schemeClr val="tx1"/>
-                </a:solidFill>
-                <a:uFill>
-                  <a:solidFill/>
-                </a:uFill>
-                <a:latin typeface="Arial Unicode MS" panose="020B0604020202020204" pitchFamily="34" charset="-128"/>
-                <a:ea typeface="Arial Unicode MS" panose="020B0604020202020204" pitchFamily="34" charset="-128"/>
-                <a:cs typeface="Arial Unicode MS" panose="020B0604020202020204" pitchFamily="34" charset="-128"/>
-              </a:rPr>
-              <a:t>Cardinalities describe the number of instances that participate in a relationshi</a:t>
-            </a:r>
-            <a:r>
-              <a:rPr lang="en-US" sz="2000" dirty="0">
-                <a:solidFill>
-                  <a:schemeClr val="tx1"/>
-                </a:solidFill>
-                <a:uFill>
-                  <a:solidFill/>
-                </a:uFill>
-                <a:latin typeface="Arial Unicode MS" panose="020B0604020202020204" pitchFamily="34" charset="-128"/>
-                <a:ea typeface="Arial Unicode MS" panose="020B0604020202020204" pitchFamily="34" charset="-128"/>
-                <a:cs typeface="Arial Unicode MS" panose="020B0604020202020204" pitchFamily="34" charset="-128"/>
-              </a:rPr>
-              <a:t>p</a:t>
-            </a:r>
-          </a:p>
-          <a:p>
-            <a:pPr lvl="0">
-              <a:defRPr sz="1800">
-                <a:solidFill>
-                  <a:srgbClr val="000000"/>
-                </a:solidFill>
-                <a:uFillTx/>
-              </a:defRPr>
-            </a:pPr>
-            <a:r>
-              <a:rPr lang="en-US" sz="2000" b="1" dirty="0">
-                <a:solidFill>
-                  <a:srgbClr val="57068C"/>
-                </a:solidFill>
-                <a:latin typeface="Arial Unicode MS" panose="020B0604020202020204" pitchFamily="34" charset="-128"/>
-                <a:ea typeface="Arial Unicode MS" panose="020B0604020202020204" pitchFamily="34" charset="-128"/>
-                <a:cs typeface="Arial Unicode MS" panose="020B0604020202020204" pitchFamily="34" charset="-128"/>
-              </a:rPr>
-              <a:t>Participation</a:t>
-            </a:r>
-            <a:r>
-              <a:rPr lang="en-US" sz="2000" b="1" dirty="0">
-                <a:solidFill>
-                  <a:schemeClr val="tx1"/>
-                </a:solidFill>
-                <a:latin typeface="Arial Unicode MS" panose="020B0604020202020204" pitchFamily="34" charset="-128"/>
-                <a:ea typeface="Arial Unicode MS" panose="020B0604020202020204" pitchFamily="34" charset="-128"/>
-                <a:cs typeface="Arial Unicode MS" panose="020B0604020202020204" pitchFamily="34" charset="-128"/>
-              </a:rPr>
-              <a:t> constraint</a:t>
-            </a:r>
-            <a:r>
-              <a:rPr lang="en-US" sz="2000" dirty="0">
-                <a:solidFill>
-                  <a:schemeClr val="tx1"/>
-                </a:solidFill>
-                <a:latin typeface="Arial Unicode MS" panose="020B0604020202020204" pitchFamily="34" charset="-128"/>
-                <a:ea typeface="Arial Unicode MS" panose="020B0604020202020204" pitchFamily="34" charset="-128"/>
-                <a:cs typeface="Arial Unicode MS" panose="020B0604020202020204" pitchFamily="34" charset="-128"/>
-              </a:rPr>
-              <a:t>: </a:t>
-            </a:r>
-            <a:r>
-              <a:rPr lang="en-US" sz="2000" b="1" dirty="0">
-                <a:solidFill>
-                  <a:srgbClr val="57068C"/>
-                </a:solidFill>
-                <a:latin typeface="Arial Unicode MS" panose="020B0604020202020204" pitchFamily="34" charset="-128"/>
-                <a:ea typeface="Arial Unicode MS" panose="020B0604020202020204" pitchFamily="34" charset="-128"/>
-                <a:cs typeface="Arial Unicode MS" panose="020B0604020202020204" pitchFamily="34" charset="-128"/>
-              </a:rPr>
-              <a:t>Minimum</a:t>
-            </a:r>
-            <a:r>
-              <a:rPr lang="en-US" sz="2000" dirty="0">
-                <a:solidFill>
-                  <a:schemeClr val="tx1"/>
-                </a:solidFill>
-                <a:latin typeface="Arial Unicode MS" panose="020B0604020202020204" pitchFamily="34" charset="-128"/>
-                <a:ea typeface="Arial Unicode MS" panose="020B0604020202020204" pitchFamily="34" charset="-128"/>
-                <a:cs typeface="Arial Unicode MS" panose="020B0604020202020204" pitchFamily="34" charset="-128"/>
-              </a:rPr>
-              <a:t> number of relationships for each instance</a:t>
-            </a:r>
-            <a:endParaRPr lang="en-US" sz="2000" dirty="0">
-              <a:solidFill>
-                <a:schemeClr val="tx1"/>
-              </a:solidFill>
-              <a:uFill>
-                <a:solidFill/>
-              </a:uFill>
-              <a:latin typeface="Arial Unicode MS" panose="020B0604020202020204" pitchFamily="34" charset="-128"/>
-              <a:ea typeface="Arial Unicode MS" panose="020B0604020202020204" pitchFamily="34" charset="-128"/>
-              <a:cs typeface="Arial Unicode MS" panose="020B0604020202020204" pitchFamily="34" charset="-128"/>
-            </a:endParaRPr>
-          </a:p>
-        </p:txBody>
-      </p:sp>
-      <p:graphicFrame>
-        <p:nvGraphicFramePr>
-          <p:cNvPr id="386" name="Table 386"/>
-          <p:cNvGraphicFramePr/>
-          <p:nvPr>
-            <p:extLst/>
-          </p:nvPr>
-        </p:nvGraphicFramePr>
-        <p:xfrm>
-          <a:off x="4873680" y="2798064"/>
-          <a:ext cx="1455489" cy="1857759"/>
-        </p:xfrm>
-        <a:graphic>
-          <a:graphicData uri="http://schemas.openxmlformats.org/drawingml/2006/table">
-            <a:tbl>
-              <a:tblPr firstRow="1" bandRow="1">
-                <a:tableStyleId>{4C3C2611-4C71-4FC5-86AE-919BDF0F9419}</a:tableStyleId>
-              </a:tblPr>
-              <a:tblGrid>
-                <a:gridCol w="1455489">
-                  <a:extLst>
-                    <a:ext uri="{9D8B030D-6E8A-4147-A177-3AD203B41FA5}">
-                      <a16:colId xmlns:a16="http://schemas.microsoft.com/office/drawing/2014/main" val="20000"/>
-                    </a:ext>
-                  </a:extLst>
-                </a:gridCol>
-              </a:tblGrid>
-              <a:tr h="473459">
-                <a:tc>
-                  <a:txBody>
-                    <a:bodyPr/>
-                    <a:lstStyle/>
-                    <a:p>
-                      <a:pPr lvl="0" algn="l">
-                        <a:spcBef>
-                          <a:spcPts val="500"/>
-                        </a:spcBef>
-                        <a:defRPr sz="1800" b="0" i="0">
-                          <a:solidFill>
-                            <a:srgbClr val="000000"/>
-                          </a:solidFill>
-                          <a:uFillTx/>
-                        </a:defRPr>
-                      </a:pPr>
-                      <a:r>
-                        <a:rPr sz="2200" b="1" i="1" dirty="0">
-                          <a:solidFill>
-                            <a:srgbClr val="FFFFFF"/>
-                          </a:solidFill>
-                          <a:uFill>
-                            <a:solidFill>
-                              <a:srgbClr val="FFFFFF"/>
-                            </a:solidFill>
-                          </a:uFill>
-                          <a:latin typeface="Arial Unicode MS" panose="020B0604020202020204" pitchFamily="34" charset="-128"/>
-                        </a:rPr>
-                        <a:t>Students</a:t>
-                      </a:r>
-                    </a:p>
-                  </a:txBody>
-                  <a:tcPr marL="63500" marR="63500" marT="63500" marB="63500" horzOverflow="overflow">
-                    <a:lnL w="12700">
-                      <a:miter lim="400000"/>
-                    </a:lnL>
-                    <a:lnR w="12700">
-                      <a:miter lim="400000"/>
-                    </a:lnR>
-                    <a:lnT w="12700">
-                      <a:miter lim="400000"/>
-                    </a:lnT>
-                    <a:lnB w="12700">
-                      <a:miter lim="400000"/>
-                    </a:lnB>
-                  </a:tcPr>
-                </a:tc>
-                <a:extLst>
-                  <a:ext uri="{0D108BD9-81ED-4DB2-BD59-A6C34878D82A}">
-                    <a16:rowId xmlns:a16="http://schemas.microsoft.com/office/drawing/2014/main" val="10000"/>
-                  </a:ext>
-                </a:extLst>
-              </a:tr>
-              <a:tr h="469900">
-                <a:tc>
-                  <a:txBody>
-                    <a:bodyPr/>
-                    <a:lstStyle/>
-                    <a:p>
-                      <a:pPr lvl="0" algn="ctr">
-                        <a:defRPr sz="1800">
-                          <a:solidFill>
-                            <a:srgbClr val="000000"/>
-                          </a:solidFill>
-                          <a:uFillTx/>
-                        </a:defRPr>
-                      </a:pPr>
-                      <a:r>
-                        <a:rPr dirty="0">
-                          <a:solidFill>
-                            <a:srgbClr val="191164"/>
-                          </a:solidFill>
-                          <a:uFill>
-                            <a:solidFill/>
-                          </a:uFill>
-                          <a:latin typeface="Arial Unicode MS" panose="020B0604020202020204" pitchFamily="34" charset="-128"/>
-                        </a:rPr>
-                        <a:t>Student 1</a:t>
-                      </a:r>
-                    </a:p>
-                  </a:txBody>
-                  <a:tcPr marL="63500" marR="63500" marT="63500" marB="63500" horzOverflow="overflow">
-                    <a:lnL w="12700">
-                      <a:miter lim="400000"/>
-                    </a:lnL>
-                    <a:lnR w="12700">
-                      <a:miter lim="400000"/>
-                    </a:lnR>
-                    <a:lnT w="12700">
-                      <a:miter lim="400000"/>
-                    </a:lnT>
-                    <a:lnB w="12700">
-                      <a:miter lim="400000"/>
-                    </a:lnB>
-                  </a:tcPr>
-                </a:tc>
-                <a:extLst>
-                  <a:ext uri="{0D108BD9-81ED-4DB2-BD59-A6C34878D82A}">
-                    <a16:rowId xmlns:a16="http://schemas.microsoft.com/office/drawing/2014/main" val="10001"/>
-                  </a:ext>
-                </a:extLst>
-              </a:tr>
-              <a:tr h="457200">
-                <a:tc>
-                  <a:txBody>
-                    <a:bodyPr/>
-                    <a:lstStyle/>
-                    <a:p>
-                      <a:pPr lvl="0" algn="ctr">
-                        <a:defRPr sz="1800">
-                          <a:solidFill>
-                            <a:srgbClr val="000000"/>
-                          </a:solidFill>
-                          <a:uFillTx/>
-                        </a:defRPr>
-                      </a:pPr>
-                      <a:r>
-                        <a:rPr dirty="0">
-                          <a:solidFill>
-                            <a:srgbClr val="191164"/>
-                          </a:solidFill>
-                          <a:uFill>
-                            <a:solidFill/>
-                          </a:uFill>
-                          <a:latin typeface="Arial Unicode MS" panose="020B0604020202020204" pitchFamily="34" charset="-128"/>
-                        </a:rPr>
-                        <a:t>Student 2</a:t>
-                      </a:r>
-                    </a:p>
-                  </a:txBody>
-                  <a:tcPr marL="63500" marR="63500" marT="63500" marB="63500" horzOverflow="overflow">
-                    <a:lnL w="12700">
-                      <a:miter lim="400000"/>
-                    </a:lnL>
-                    <a:lnR w="12700">
-                      <a:miter lim="400000"/>
-                    </a:lnR>
-                    <a:lnT w="12700">
-                      <a:miter lim="400000"/>
-                    </a:lnT>
-                    <a:lnB w="12700">
-                      <a:miter lim="400000"/>
-                    </a:lnB>
-                  </a:tcPr>
-                </a:tc>
-                <a:extLst>
-                  <a:ext uri="{0D108BD9-81ED-4DB2-BD59-A6C34878D82A}">
-                    <a16:rowId xmlns:a16="http://schemas.microsoft.com/office/drawing/2014/main" val="10002"/>
-                  </a:ext>
-                </a:extLst>
-              </a:tr>
-              <a:tr h="457200">
-                <a:tc>
-                  <a:txBody>
-                    <a:bodyPr/>
-                    <a:lstStyle/>
-                    <a:p>
-                      <a:pPr lvl="0" algn="ctr">
-                        <a:defRPr sz="1800">
-                          <a:solidFill>
-                            <a:srgbClr val="000000"/>
-                          </a:solidFill>
-                          <a:uFillTx/>
-                        </a:defRPr>
-                      </a:pPr>
-                      <a:r>
-                        <a:rPr dirty="0">
-                          <a:solidFill>
-                            <a:srgbClr val="191164"/>
-                          </a:solidFill>
-                          <a:uFill>
-                            <a:solidFill/>
-                          </a:uFill>
-                          <a:latin typeface="Arial Unicode MS" panose="020B0604020202020204" pitchFamily="34" charset="-128"/>
-                        </a:rPr>
-                        <a:t>Student 3</a:t>
-                      </a:r>
-                    </a:p>
-                  </a:txBody>
-                  <a:tcPr marL="63500" marR="63500" marT="63500" marB="63500" horzOverflow="overflow">
-                    <a:lnL w="12700">
-                      <a:miter lim="400000"/>
-                    </a:lnL>
-                    <a:lnR w="12700">
-                      <a:miter lim="400000"/>
-                    </a:lnR>
-                    <a:lnT w="12700">
-                      <a:miter lim="400000"/>
-                    </a:lnT>
-                    <a:lnB w="12700">
-                      <a:miter lim="400000"/>
-                    </a:lnB>
-                  </a:tcPr>
-                </a:tc>
-                <a:extLst>
-                  <a:ext uri="{0D108BD9-81ED-4DB2-BD59-A6C34878D82A}">
-                    <a16:rowId xmlns:a16="http://schemas.microsoft.com/office/drawing/2014/main" val="10003"/>
-                  </a:ext>
-                </a:extLst>
-              </a:tr>
-            </a:tbl>
-          </a:graphicData>
-        </a:graphic>
-      </p:graphicFrame>
-      <p:graphicFrame>
-        <p:nvGraphicFramePr>
-          <p:cNvPr id="387" name="Table 387"/>
-          <p:cNvGraphicFramePr/>
-          <p:nvPr>
-            <p:extLst/>
-          </p:nvPr>
-        </p:nvGraphicFramePr>
-        <p:xfrm>
-          <a:off x="7555523" y="2798064"/>
-          <a:ext cx="1320800" cy="2314959"/>
-        </p:xfrm>
-        <a:graphic>
-          <a:graphicData uri="http://schemas.openxmlformats.org/drawingml/2006/table">
-            <a:tbl>
-              <a:tblPr firstRow="1" bandRow="1">
-                <a:tableStyleId>{4C3C2611-4C71-4FC5-86AE-919BDF0F9419}</a:tableStyleId>
-              </a:tblPr>
-              <a:tblGrid>
-                <a:gridCol w="1320800">
-                  <a:extLst>
-                    <a:ext uri="{9D8B030D-6E8A-4147-A177-3AD203B41FA5}">
-                      <a16:colId xmlns:a16="http://schemas.microsoft.com/office/drawing/2014/main" val="20000"/>
-                    </a:ext>
-                  </a:extLst>
-                </a:gridCol>
-              </a:tblGrid>
-              <a:tr h="473459">
-                <a:tc>
-                  <a:txBody>
-                    <a:bodyPr/>
-                    <a:lstStyle/>
-                    <a:p>
-                      <a:pPr lvl="0" algn="l">
-                        <a:spcBef>
-                          <a:spcPts val="500"/>
-                        </a:spcBef>
-                        <a:defRPr sz="1800" b="0" i="0">
-                          <a:solidFill>
-                            <a:srgbClr val="000000"/>
-                          </a:solidFill>
-                          <a:uFillTx/>
-                        </a:defRPr>
-                      </a:pPr>
-                      <a:r>
-                        <a:rPr sz="2200" b="1" i="1" dirty="0">
-                          <a:solidFill>
-                            <a:srgbClr val="FFFFFF"/>
-                          </a:solidFill>
-                          <a:uFill>
-                            <a:solidFill>
-                              <a:srgbClr val="FFFFFF"/>
-                            </a:solidFill>
-                          </a:uFill>
-                          <a:latin typeface="Arial Unicode MS" panose="020B0604020202020204" pitchFamily="34" charset="-128"/>
-                        </a:rPr>
-                        <a:t>Courses</a:t>
-                      </a:r>
-                    </a:p>
-                  </a:txBody>
-                  <a:tcPr marL="63500" marR="63500" marT="63500" marB="63500" horzOverflow="overflow">
-                    <a:lnL w="12700">
-                      <a:miter lim="400000"/>
-                    </a:lnL>
-                    <a:lnR w="12700">
-                      <a:miter lim="400000"/>
-                    </a:lnR>
-                    <a:lnT w="12700">
-                      <a:miter lim="400000"/>
-                    </a:lnT>
-                    <a:lnB w="12700">
-                      <a:miter lim="400000"/>
-                    </a:lnB>
-                  </a:tcPr>
-                </a:tc>
-                <a:extLst>
-                  <a:ext uri="{0D108BD9-81ED-4DB2-BD59-A6C34878D82A}">
-                    <a16:rowId xmlns:a16="http://schemas.microsoft.com/office/drawing/2014/main" val="10000"/>
-                  </a:ext>
-                </a:extLst>
-              </a:tr>
-              <a:tr h="469900">
-                <a:tc>
-                  <a:txBody>
-                    <a:bodyPr/>
-                    <a:lstStyle/>
-                    <a:p>
-                      <a:pPr lvl="0" algn="ctr">
-                        <a:defRPr sz="1800">
-                          <a:solidFill>
-                            <a:srgbClr val="000000"/>
-                          </a:solidFill>
-                          <a:uFillTx/>
-                        </a:defRPr>
-                      </a:pPr>
-                      <a:r>
-                        <a:rPr dirty="0">
-                          <a:solidFill>
-                            <a:srgbClr val="191164"/>
-                          </a:solidFill>
-                          <a:uFill>
-                            <a:solidFill/>
-                          </a:uFill>
-                          <a:latin typeface="Arial Unicode MS" panose="020B0604020202020204" pitchFamily="34" charset="-128"/>
-                        </a:rPr>
-                        <a:t>Course 1</a:t>
-                      </a:r>
-                    </a:p>
-                  </a:txBody>
-                  <a:tcPr marL="63500" marR="63500" marT="63500" marB="63500" horzOverflow="overflow">
-                    <a:lnL w="12700">
-                      <a:miter lim="400000"/>
-                    </a:lnL>
-                    <a:lnR w="12700">
-                      <a:miter lim="400000"/>
-                    </a:lnR>
-                    <a:lnT w="12700">
-                      <a:miter lim="400000"/>
-                    </a:lnT>
-                    <a:lnB w="12700">
-                      <a:miter lim="400000"/>
-                    </a:lnB>
-                  </a:tcPr>
-                </a:tc>
-                <a:extLst>
-                  <a:ext uri="{0D108BD9-81ED-4DB2-BD59-A6C34878D82A}">
-                    <a16:rowId xmlns:a16="http://schemas.microsoft.com/office/drawing/2014/main" val="10001"/>
-                  </a:ext>
-                </a:extLst>
-              </a:tr>
-              <a:tr h="457200">
-                <a:tc>
-                  <a:txBody>
-                    <a:bodyPr/>
-                    <a:lstStyle/>
-                    <a:p>
-                      <a:pPr lvl="0" algn="ctr">
-                        <a:defRPr sz="1800">
-                          <a:solidFill>
-                            <a:srgbClr val="000000"/>
-                          </a:solidFill>
-                          <a:uFillTx/>
-                        </a:defRPr>
-                      </a:pPr>
-                      <a:r>
-                        <a:rPr dirty="0">
-                          <a:solidFill>
-                            <a:srgbClr val="191164"/>
-                          </a:solidFill>
-                          <a:uFill>
-                            <a:solidFill/>
-                          </a:uFill>
-                          <a:latin typeface="Arial Unicode MS" panose="020B0604020202020204" pitchFamily="34" charset="-128"/>
-                        </a:rPr>
-                        <a:t>Course 2</a:t>
-                      </a:r>
-                    </a:p>
-                  </a:txBody>
-                  <a:tcPr marL="63500" marR="63500" marT="63500" marB="63500" horzOverflow="overflow">
-                    <a:lnL w="12700">
-                      <a:miter lim="400000"/>
-                    </a:lnL>
-                    <a:lnR w="12700">
-                      <a:miter lim="400000"/>
-                    </a:lnR>
-                    <a:lnT w="12700">
-                      <a:miter lim="400000"/>
-                    </a:lnT>
-                    <a:lnB w="12700">
-                      <a:miter lim="400000"/>
-                    </a:lnB>
-                  </a:tcPr>
-                </a:tc>
-                <a:extLst>
-                  <a:ext uri="{0D108BD9-81ED-4DB2-BD59-A6C34878D82A}">
-                    <a16:rowId xmlns:a16="http://schemas.microsoft.com/office/drawing/2014/main" val="10002"/>
-                  </a:ext>
-                </a:extLst>
-              </a:tr>
-              <a:tr h="457200">
-                <a:tc>
-                  <a:txBody>
-                    <a:bodyPr/>
-                    <a:lstStyle/>
-                    <a:p>
-                      <a:pPr lvl="0" algn="ctr">
-                        <a:defRPr sz="1800">
-                          <a:solidFill>
-                            <a:srgbClr val="000000"/>
-                          </a:solidFill>
-                          <a:uFillTx/>
-                        </a:defRPr>
-                      </a:pPr>
-                      <a:r>
-                        <a:rPr dirty="0">
-                          <a:solidFill>
-                            <a:srgbClr val="191164"/>
-                          </a:solidFill>
-                          <a:uFill>
-                            <a:solidFill/>
-                          </a:uFill>
-                          <a:latin typeface="Arial Unicode MS" panose="020B0604020202020204" pitchFamily="34" charset="-128"/>
-                        </a:rPr>
-                        <a:t>Course 3</a:t>
-                      </a:r>
-                    </a:p>
-                  </a:txBody>
-                  <a:tcPr marL="63500" marR="63500" marT="63500" marB="63500" horzOverflow="overflow">
-                    <a:lnL w="12700">
-                      <a:miter lim="400000"/>
-                    </a:lnL>
-                    <a:lnR w="12700">
-                      <a:miter lim="400000"/>
-                    </a:lnR>
-                    <a:lnT w="12700">
-                      <a:miter lim="400000"/>
-                    </a:lnT>
-                    <a:lnB w="12700">
-                      <a:miter lim="400000"/>
-                    </a:lnB>
-                  </a:tcPr>
-                </a:tc>
-                <a:extLst>
-                  <a:ext uri="{0D108BD9-81ED-4DB2-BD59-A6C34878D82A}">
-                    <a16:rowId xmlns:a16="http://schemas.microsoft.com/office/drawing/2014/main" val="10003"/>
-                  </a:ext>
-                </a:extLst>
-              </a:tr>
-              <a:tr h="457200">
-                <a:tc>
-                  <a:txBody>
-                    <a:bodyPr/>
-                    <a:lstStyle/>
-                    <a:p>
-                      <a:pPr lvl="0" algn="ctr">
-                        <a:defRPr sz="1800">
-                          <a:solidFill>
-                            <a:srgbClr val="000000"/>
-                          </a:solidFill>
-                          <a:uFillTx/>
-                        </a:defRPr>
-                      </a:pPr>
-                      <a:r>
-                        <a:rPr dirty="0">
-                          <a:solidFill>
-                            <a:srgbClr val="191164"/>
-                          </a:solidFill>
-                          <a:uFill>
-                            <a:solidFill/>
-                          </a:uFill>
-                          <a:latin typeface="Arial Unicode MS" panose="020B0604020202020204" pitchFamily="34" charset="-128"/>
-                        </a:rPr>
-                        <a:t>Course 4</a:t>
-                      </a:r>
-                    </a:p>
-                  </a:txBody>
-                  <a:tcPr marL="63500" marR="63500" marT="63500" marB="63500" horzOverflow="overflow">
-                    <a:lnL w="12700">
-                      <a:miter lim="400000"/>
-                    </a:lnL>
-                    <a:lnR w="12700">
-                      <a:miter lim="400000"/>
-                    </a:lnR>
-                    <a:lnT w="12700">
-                      <a:miter lim="400000"/>
-                    </a:lnT>
-                    <a:lnB w="12700">
-                      <a:miter lim="400000"/>
-                    </a:lnB>
-                  </a:tcPr>
-                </a:tc>
-                <a:extLst>
-                  <a:ext uri="{0D108BD9-81ED-4DB2-BD59-A6C34878D82A}">
-                    <a16:rowId xmlns:a16="http://schemas.microsoft.com/office/drawing/2014/main" val="10004"/>
-                  </a:ext>
-                </a:extLst>
-              </a:tr>
-            </a:tbl>
-          </a:graphicData>
-        </a:graphic>
-      </p:graphicFrame>
-      <p:sp>
-        <p:nvSpPr>
-          <p:cNvPr id="388" name="Shape 388"/>
-          <p:cNvSpPr/>
-          <p:nvPr/>
-        </p:nvSpPr>
-        <p:spPr>
-          <a:xfrm>
-            <a:off x="6321669" y="3502881"/>
-            <a:ext cx="1231901" cy="16861"/>
-          </a:xfrm>
-          <a:prstGeom prst="line">
-            <a:avLst/>
-          </a:prstGeom>
-          <a:ln w="25400">
-            <a:solidFill>
-              <a:srgbClr val="CCCC00"/>
-            </a:solidFill>
-            <a:round/>
-          </a:ln>
-          <a:effectLst>
-            <a:outerShdw blurRad="38100" dist="20000" dir="5400000" rotWithShape="0">
-              <a:srgbClr val="000000">
-                <a:alpha val="38000"/>
-              </a:srgbClr>
-            </a:outerShdw>
-          </a:effectLst>
-        </p:spPr>
-        <p:txBody>
-          <a:bodyPr lIns="45719" rIns="45719"/>
-          <a:lstStyle/>
-          <a:p>
-            <a:pPr lvl="0" defTabSz="457200">
-              <a:defRPr sz="1200">
-                <a:solidFill>
-                  <a:srgbClr val="000000"/>
-                </a:solidFill>
-                <a:uFillTx/>
-                <a:latin typeface="+mj-lt"/>
-                <a:ea typeface="+mj-ea"/>
-                <a:cs typeface="+mj-cs"/>
-                <a:sym typeface="Helvetica"/>
-              </a:defRPr>
-            </a:pPr>
-            <a:endParaRPr dirty="0">
-              <a:solidFill>
-                <a:schemeClr val="tx1"/>
-              </a:solidFill>
-              <a:latin typeface="Arial Unicode MS" panose="020B0604020202020204" pitchFamily="34" charset="-128"/>
-              <a:ea typeface="Arial Unicode MS" panose="020B0604020202020204" pitchFamily="34" charset="-128"/>
-              <a:cs typeface="Arial Unicode MS" panose="020B0604020202020204" pitchFamily="34" charset="-128"/>
-            </a:endParaRPr>
-          </a:p>
-        </p:txBody>
-      </p:sp>
-      <p:sp>
-        <p:nvSpPr>
-          <p:cNvPr id="389" name="Shape 389"/>
-          <p:cNvSpPr/>
-          <p:nvPr/>
-        </p:nvSpPr>
-        <p:spPr>
-          <a:xfrm>
-            <a:off x="6321669" y="3519755"/>
-            <a:ext cx="1233854" cy="904322"/>
-          </a:xfrm>
-          <a:prstGeom prst="line">
-            <a:avLst/>
-          </a:prstGeom>
-          <a:ln w="25400">
-            <a:solidFill>
-              <a:srgbClr val="CCCC00"/>
-            </a:solidFill>
-            <a:round/>
-          </a:ln>
-          <a:effectLst>
-            <a:outerShdw blurRad="38100" dist="20000" dir="5400000" rotWithShape="0">
-              <a:srgbClr val="000000">
-                <a:alpha val="38000"/>
-              </a:srgbClr>
-            </a:outerShdw>
-          </a:effectLst>
-        </p:spPr>
-        <p:txBody>
-          <a:bodyPr lIns="45719" rIns="45719"/>
-          <a:lstStyle/>
-          <a:p>
-            <a:pPr lvl="0" defTabSz="457200">
-              <a:defRPr sz="1200">
-                <a:solidFill>
-                  <a:srgbClr val="000000"/>
-                </a:solidFill>
-                <a:uFillTx/>
-                <a:latin typeface="+mj-lt"/>
-                <a:ea typeface="+mj-ea"/>
-                <a:cs typeface="+mj-cs"/>
-                <a:sym typeface="Helvetica"/>
-              </a:defRPr>
-            </a:pPr>
-            <a:endParaRPr dirty="0">
-              <a:solidFill>
-                <a:schemeClr val="tx1"/>
-              </a:solidFill>
-              <a:latin typeface="Arial Unicode MS" panose="020B0604020202020204" pitchFamily="34" charset="-128"/>
-              <a:ea typeface="Arial Unicode MS" panose="020B0604020202020204" pitchFamily="34" charset="-128"/>
-              <a:cs typeface="Arial Unicode MS" panose="020B0604020202020204" pitchFamily="34" charset="-128"/>
-            </a:endParaRPr>
-          </a:p>
-        </p:txBody>
-      </p:sp>
-      <p:sp>
-        <p:nvSpPr>
-          <p:cNvPr id="390" name="Shape 390"/>
-          <p:cNvSpPr/>
-          <p:nvPr/>
-        </p:nvSpPr>
-        <p:spPr>
-          <a:xfrm>
-            <a:off x="6321666" y="4466494"/>
-            <a:ext cx="1233855" cy="443968"/>
-          </a:xfrm>
-          <a:prstGeom prst="line">
-            <a:avLst/>
-          </a:prstGeom>
-          <a:ln w="25400">
-            <a:solidFill>
-              <a:srgbClr val="CCCC00"/>
-            </a:solidFill>
-            <a:round/>
-          </a:ln>
-          <a:effectLst>
-            <a:outerShdw blurRad="38100" dist="20000" dir="5400000" rotWithShape="0">
-              <a:srgbClr val="000000">
-                <a:alpha val="38000"/>
-              </a:srgbClr>
-            </a:outerShdw>
-          </a:effectLst>
-        </p:spPr>
-        <p:txBody>
-          <a:bodyPr lIns="45719" rIns="45719"/>
-          <a:lstStyle/>
-          <a:p>
-            <a:pPr lvl="0" defTabSz="457200">
-              <a:defRPr sz="1200">
-                <a:solidFill>
-                  <a:srgbClr val="000000"/>
-                </a:solidFill>
-                <a:uFillTx/>
-                <a:latin typeface="+mj-lt"/>
-                <a:ea typeface="+mj-ea"/>
-                <a:cs typeface="+mj-cs"/>
-                <a:sym typeface="Helvetica"/>
-              </a:defRPr>
-            </a:pPr>
-            <a:endParaRPr dirty="0">
-              <a:solidFill>
-                <a:schemeClr val="tx1"/>
-              </a:solidFill>
-              <a:latin typeface="Arial Unicode MS" panose="020B0604020202020204" pitchFamily="34" charset="-128"/>
-              <a:ea typeface="Arial Unicode MS" panose="020B0604020202020204" pitchFamily="34" charset="-128"/>
-              <a:cs typeface="Arial Unicode MS" panose="020B0604020202020204" pitchFamily="34" charset="-128"/>
-            </a:endParaRPr>
-          </a:p>
-        </p:txBody>
-      </p:sp>
-      <p:sp>
-        <p:nvSpPr>
-          <p:cNvPr id="391" name="Shape 391"/>
-          <p:cNvSpPr/>
-          <p:nvPr/>
-        </p:nvSpPr>
-        <p:spPr>
-          <a:xfrm>
-            <a:off x="112358" y="4815128"/>
-            <a:ext cx="8959362" cy="1938992"/>
-          </a:xfrm>
-          <a:prstGeom prst="rect">
-            <a:avLst/>
-          </a:prstGeom>
-          <a:ln w="12700">
-            <a:miter lim="400000"/>
-          </a:ln>
-          <a:extLst>
-            <a:ext uri="{C572A759-6A51-4108-AA02-DFA0A04FC94B}">
-              <ma14:wrappingTextBoxFlag xmlns="" xmlns:ma14="http://schemas.microsoft.com/office/mac/drawingml/2011/main" val="1"/>
-            </a:ext>
-          </a:extLst>
-        </p:spPr>
-        <p:txBody>
-          <a:bodyPr wrap="square" lIns="0" tIns="0" rIns="0" bIns="0">
-            <a:spAutoFit/>
-          </a:bodyPr>
-          <a:lstStyle/>
-          <a:p>
-            <a:pPr lvl="0" algn="just">
-              <a:defRPr sz="1800">
-                <a:solidFill>
-                  <a:srgbClr val="000000"/>
-                </a:solidFill>
-                <a:uFillTx/>
-              </a:defRPr>
-            </a:pPr>
-            <a:r>
-              <a:rPr lang="en-US" b="1" dirty="0">
-                <a:solidFill>
-                  <a:schemeClr val="tx1"/>
-                </a:solidFill>
-                <a:latin typeface="Arial Unicode MS" panose="020B0604020202020204" pitchFamily="34" charset="-128"/>
-                <a:ea typeface="Arial Unicode MS" panose="020B0604020202020204" pitchFamily="34" charset="-128"/>
-                <a:cs typeface="Arial Unicode MS" panose="020B0604020202020204" pitchFamily="34" charset="-128"/>
-                <a:sym typeface="Arial"/>
-              </a:rPr>
-              <a:t>Optional participation</a:t>
-            </a:r>
-            <a:r>
-              <a:rPr lang="en-US" dirty="0">
-                <a:solidFill>
-                  <a:schemeClr val="tx1"/>
-                </a:solidFill>
-                <a:latin typeface="Arial Unicode MS" panose="020B0604020202020204" pitchFamily="34" charset="-128"/>
-                <a:ea typeface="Arial Unicode MS" panose="020B0604020202020204" pitchFamily="34" charset="-128"/>
-                <a:cs typeface="Arial Unicode MS" panose="020B0604020202020204" pitchFamily="34" charset="-128"/>
-                <a:sym typeface="Arial"/>
-              </a:rPr>
-              <a:t>: </a:t>
-            </a:r>
-          </a:p>
-          <a:p>
-            <a:pPr marL="285750" lvl="0" indent="-285750" algn="just">
-              <a:buFont typeface="Arial" panose="020B0604020202020204" pitchFamily="34" charset="0"/>
-              <a:buChar char="•"/>
-              <a:defRPr sz="1800">
-                <a:solidFill>
-                  <a:srgbClr val="000000"/>
-                </a:solidFill>
-                <a:uFillTx/>
-              </a:defRPr>
-            </a:pPr>
-            <a:r>
-              <a:rPr lang="en-US" dirty="0">
-                <a:solidFill>
-                  <a:schemeClr val="tx1"/>
-                </a:solidFill>
-                <a:latin typeface="Arial Unicode MS" panose="020B0604020202020204" pitchFamily="34" charset="-128"/>
-                <a:ea typeface="Arial Unicode MS" panose="020B0604020202020204" pitchFamily="34" charset="-128"/>
-                <a:cs typeface="Arial Unicode MS" panose="020B0604020202020204" pitchFamily="34" charset="-128"/>
-                <a:sym typeface="Arial"/>
-              </a:rPr>
-              <a:t>Each office has one advisor at most but it can also be empty</a:t>
-            </a:r>
-          </a:p>
-          <a:p>
-            <a:pPr marL="285750" lvl="0" indent="-285750" algn="just">
-              <a:buFont typeface="Arial" panose="020B0604020202020204" pitchFamily="34" charset="0"/>
-              <a:buChar char="•"/>
-              <a:defRPr sz="1800">
-                <a:solidFill>
-                  <a:srgbClr val="000000"/>
-                </a:solidFill>
-                <a:uFillTx/>
-              </a:defRPr>
-            </a:pPr>
-            <a:r>
-              <a:rPr lang="en-US" dirty="0">
-                <a:solidFill>
-                  <a:schemeClr val="tx1"/>
-                </a:solidFill>
-                <a:latin typeface="Arial Unicode MS" panose="020B0604020202020204" pitchFamily="34" charset="-128"/>
-                <a:ea typeface="Arial Unicode MS" panose="020B0604020202020204" pitchFamily="34" charset="-128"/>
-                <a:cs typeface="Arial Unicode MS" panose="020B0604020202020204" pitchFamily="34" charset="-128"/>
-                <a:sym typeface="Arial"/>
-              </a:rPr>
-              <a:t>A course may have no students</a:t>
-            </a:r>
-          </a:p>
-          <a:p>
-            <a:pPr marL="285750" lvl="0" indent="-285750" algn="just">
-              <a:buFont typeface="Arial" panose="020B0604020202020204" pitchFamily="34" charset="0"/>
-              <a:buChar char="•"/>
-              <a:defRPr sz="1800">
-                <a:solidFill>
-                  <a:srgbClr val="000000"/>
-                </a:solidFill>
-                <a:uFillTx/>
-              </a:defRPr>
-            </a:pPr>
-            <a:r>
-              <a:rPr lang="en-US" dirty="0">
-                <a:solidFill>
-                  <a:schemeClr val="tx1"/>
-                </a:solidFill>
-                <a:latin typeface="Arial Unicode MS" panose="020B0604020202020204" pitchFamily="34" charset="-128"/>
-                <a:ea typeface="Arial Unicode MS" panose="020B0604020202020204" pitchFamily="34" charset="-128"/>
-                <a:cs typeface="Arial Unicode MS" panose="020B0604020202020204" pitchFamily="34" charset="-128"/>
-                <a:sym typeface="Arial"/>
-              </a:rPr>
-              <a:t>A student may take no courses</a:t>
-            </a:r>
-          </a:p>
-          <a:p>
-            <a:pPr lvl="0" algn="just">
-              <a:defRPr sz="1800">
-                <a:solidFill>
-                  <a:srgbClr val="000000"/>
-                </a:solidFill>
-                <a:uFillTx/>
-              </a:defRPr>
-            </a:pPr>
-            <a:r>
-              <a:rPr lang="en-US" b="1" dirty="0">
-                <a:solidFill>
-                  <a:schemeClr val="tx1"/>
-                </a:solidFill>
-                <a:latin typeface="Arial Unicode MS" panose="020B0604020202020204" pitchFamily="34" charset="-128"/>
-                <a:ea typeface="Arial Unicode MS" panose="020B0604020202020204" pitchFamily="34" charset="-128"/>
-                <a:cs typeface="Arial Unicode MS" panose="020B0604020202020204" pitchFamily="34" charset="-128"/>
-                <a:sym typeface="Arial"/>
-              </a:rPr>
-              <a:t>Mandatory participation</a:t>
-            </a:r>
-          </a:p>
-          <a:p>
-            <a:pPr marL="285750" lvl="0" indent="-285750" algn="just">
-              <a:buFont typeface="Arial" panose="020B0604020202020204" pitchFamily="34" charset="0"/>
-              <a:buChar char="•"/>
-              <a:defRPr sz="1800">
-                <a:solidFill>
-                  <a:srgbClr val="000000"/>
-                </a:solidFill>
-                <a:uFillTx/>
-              </a:defRPr>
-            </a:pPr>
-            <a:r>
-              <a:rPr lang="en-US" dirty="0">
-                <a:solidFill>
-                  <a:schemeClr val="tx1"/>
-                </a:solidFill>
-                <a:latin typeface="Arial Unicode MS" panose="020B0604020202020204" pitchFamily="34" charset="-128"/>
-                <a:ea typeface="Arial Unicode MS" panose="020B0604020202020204" pitchFamily="34" charset="-128"/>
-                <a:cs typeface="Arial Unicode MS" panose="020B0604020202020204" pitchFamily="34" charset="-128"/>
-                <a:sym typeface="Arial"/>
-              </a:rPr>
-              <a:t>Each advisor should have an office and should advise students</a:t>
-            </a:r>
-          </a:p>
-          <a:p>
-            <a:pPr marL="285750" lvl="0" indent="-285750" algn="just">
-              <a:buFont typeface="Arial" panose="020B0604020202020204" pitchFamily="34" charset="0"/>
-              <a:buChar char="•"/>
-              <a:defRPr sz="1800">
-                <a:solidFill>
-                  <a:srgbClr val="000000"/>
-                </a:solidFill>
-                <a:uFillTx/>
-              </a:defRPr>
-            </a:pPr>
-            <a:r>
-              <a:rPr lang="en-US" dirty="0">
-                <a:solidFill>
-                  <a:schemeClr val="tx1"/>
-                </a:solidFill>
-                <a:uFill>
-                  <a:solidFill/>
-                </a:uFill>
-                <a:latin typeface="Arial Unicode MS" panose="020B0604020202020204" pitchFamily="34" charset="-128"/>
-                <a:ea typeface="Arial Unicode MS" panose="020B0604020202020204" pitchFamily="34" charset="-128"/>
-                <a:cs typeface="Arial Unicode MS" panose="020B0604020202020204" pitchFamily="34" charset="-128"/>
-                <a:sym typeface="Arial"/>
-              </a:rPr>
-              <a:t>Each student needs an advisor assigned</a:t>
-            </a:r>
-            <a:endParaRPr dirty="0">
-              <a:solidFill>
-                <a:schemeClr val="tx1"/>
-              </a:solidFill>
-              <a:uFill>
-                <a:solidFill/>
-              </a:uFill>
-              <a:latin typeface="Arial Unicode MS" panose="020B0604020202020204" pitchFamily="34" charset="-128"/>
-              <a:ea typeface="Arial Unicode MS" panose="020B0604020202020204" pitchFamily="34" charset="-128"/>
-              <a:cs typeface="Arial Unicode MS" panose="020B0604020202020204" pitchFamily="34" charset="-128"/>
-              <a:sym typeface="Arial"/>
-            </a:endParaRPr>
-          </a:p>
-        </p:txBody>
-      </p:sp>
-      <p:graphicFrame>
-        <p:nvGraphicFramePr>
-          <p:cNvPr id="10" name="Table 386">
-            <a:extLst>
-              <a:ext uri="{FF2B5EF4-FFF2-40B4-BE49-F238E27FC236}">
-                <a16:creationId xmlns:a16="http://schemas.microsoft.com/office/drawing/2014/main" id="{F7B419EA-F930-4F91-B6EA-3A469BCF0A92}"/>
-              </a:ext>
-            </a:extLst>
-          </p:cNvPr>
-          <p:cNvGraphicFramePr/>
-          <p:nvPr>
-            <p:extLst/>
-          </p:nvPr>
-        </p:nvGraphicFramePr>
-        <p:xfrm>
-          <a:off x="2421789" y="2840101"/>
-          <a:ext cx="1455489" cy="1400559"/>
-        </p:xfrm>
-        <a:graphic>
-          <a:graphicData uri="http://schemas.openxmlformats.org/drawingml/2006/table">
-            <a:tbl>
-              <a:tblPr firstRow="1" bandRow="1">
-                <a:tableStyleId>{4C3C2611-4C71-4FC5-86AE-919BDF0F9419}</a:tableStyleId>
-              </a:tblPr>
-              <a:tblGrid>
-                <a:gridCol w="1455489">
-                  <a:extLst>
-                    <a:ext uri="{9D8B030D-6E8A-4147-A177-3AD203B41FA5}">
-                      <a16:colId xmlns:a16="http://schemas.microsoft.com/office/drawing/2014/main" val="20000"/>
-                    </a:ext>
-                  </a:extLst>
-                </a:gridCol>
-              </a:tblGrid>
-              <a:tr h="473459">
-                <a:tc>
-                  <a:txBody>
-                    <a:bodyPr/>
-                    <a:lstStyle/>
-                    <a:p>
-                      <a:pPr lvl="0" algn="l">
-                        <a:spcBef>
-                          <a:spcPts val="500"/>
-                        </a:spcBef>
-                        <a:defRPr sz="1800" b="0" i="0">
-                          <a:solidFill>
-                            <a:srgbClr val="000000"/>
-                          </a:solidFill>
-                          <a:uFillTx/>
-                        </a:defRPr>
-                      </a:pPr>
-                      <a:r>
-                        <a:rPr lang="en-US" sz="2200" b="1" i="1" dirty="0">
-                          <a:solidFill>
-                            <a:srgbClr val="FFFFFF"/>
-                          </a:solidFill>
-                          <a:uFill>
-                            <a:solidFill>
-                              <a:srgbClr val="FFFFFF"/>
-                            </a:solidFill>
-                          </a:uFill>
-                          <a:latin typeface="Arial Unicode MS" panose="020B0604020202020204" pitchFamily="34" charset="-128"/>
-                        </a:rPr>
-                        <a:t>Advisors</a:t>
-                      </a:r>
-                      <a:endParaRPr sz="2200" b="1" i="1" dirty="0">
-                        <a:solidFill>
-                          <a:srgbClr val="FFFFFF"/>
-                        </a:solidFill>
-                        <a:uFill>
-                          <a:solidFill>
-                            <a:srgbClr val="FFFFFF"/>
-                          </a:solidFill>
-                        </a:uFill>
-                        <a:latin typeface="Arial Unicode MS" panose="020B0604020202020204" pitchFamily="34" charset="-128"/>
-                      </a:endParaRPr>
-                    </a:p>
-                  </a:txBody>
-                  <a:tcPr marL="63500" marR="63500" marT="63500" marB="63500" horzOverflow="overflow">
-                    <a:lnL w="12700">
-                      <a:miter lim="400000"/>
-                    </a:lnL>
-                    <a:lnR w="12700">
-                      <a:miter lim="400000"/>
-                    </a:lnR>
-                    <a:lnT w="12700">
-                      <a:miter lim="400000"/>
-                    </a:lnT>
-                    <a:lnB w="12700">
-                      <a:miter lim="400000"/>
-                    </a:lnB>
-                  </a:tcPr>
-                </a:tc>
-                <a:extLst>
-                  <a:ext uri="{0D108BD9-81ED-4DB2-BD59-A6C34878D82A}">
-                    <a16:rowId xmlns:a16="http://schemas.microsoft.com/office/drawing/2014/main" val="10000"/>
-                  </a:ext>
-                </a:extLst>
-              </a:tr>
-              <a:tr h="469900">
-                <a:tc>
-                  <a:txBody>
-                    <a:bodyPr/>
-                    <a:lstStyle/>
-                    <a:p>
-                      <a:pPr lvl="0" algn="ctr">
-                        <a:defRPr sz="1800">
-                          <a:solidFill>
-                            <a:srgbClr val="000000"/>
-                          </a:solidFill>
-                          <a:uFillTx/>
-                        </a:defRPr>
-                      </a:pPr>
-                      <a:r>
-                        <a:rPr lang="en-US" dirty="0">
-                          <a:solidFill>
-                            <a:srgbClr val="191164"/>
-                          </a:solidFill>
-                          <a:uFill>
-                            <a:solidFill/>
-                          </a:uFill>
-                          <a:latin typeface="Arial Unicode MS" panose="020B0604020202020204" pitchFamily="34" charset="-128"/>
-                        </a:rPr>
-                        <a:t>Advisor</a:t>
-                      </a:r>
-                      <a:r>
-                        <a:rPr dirty="0">
-                          <a:solidFill>
-                            <a:srgbClr val="191164"/>
-                          </a:solidFill>
-                          <a:uFill>
-                            <a:solidFill/>
-                          </a:uFill>
-                          <a:latin typeface="Arial Unicode MS" panose="020B0604020202020204" pitchFamily="34" charset="-128"/>
-                        </a:rPr>
-                        <a:t> 1</a:t>
-                      </a:r>
-                    </a:p>
-                  </a:txBody>
-                  <a:tcPr marL="63500" marR="63500" marT="63500" marB="63500" horzOverflow="overflow">
-                    <a:lnL w="12700">
-                      <a:miter lim="400000"/>
-                    </a:lnL>
-                    <a:lnR w="12700">
-                      <a:miter lim="400000"/>
-                    </a:lnR>
-                    <a:lnT w="12700">
-                      <a:miter lim="400000"/>
-                    </a:lnT>
-                    <a:lnB w="12700">
-                      <a:miter lim="400000"/>
-                    </a:lnB>
-                  </a:tcPr>
-                </a:tc>
-                <a:extLst>
-                  <a:ext uri="{0D108BD9-81ED-4DB2-BD59-A6C34878D82A}">
-                    <a16:rowId xmlns:a16="http://schemas.microsoft.com/office/drawing/2014/main" val="10001"/>
-                  </a:ext>
-                </a:extLst>
-              </a:tr>
-              <a:tr h="457200">
-                <a:tc>
-                  <a:txBody>
-                    <a:bodyPr/>
-                    <a:lstStyle/>
-                    <a:p>
-                      <a:pPr lvl="0" algn="ctr">
-                        <a:defRPr sz="1800">
-                          <a:solidFill>
-                            <a:srgbClr val="000000"/>
-                          </a:solidFill>
-                          <a:uFillTx/>
-                        </a:defRPr>
-                      </a:pPr>
-                      <a:r>
-                        <a:rPr lang="en-US" dirty="0">
-                          <a:solidFill>
-                            <a:srgbClr val="191164"/>
-                          </a:solidFill>
-                          <a:uFill>
-                            <a:solidFill/>
-                          </a:uFill>
-                          <a:latin typeface="Arial Unicode MS" panose="020B0604020202020204" pitchFamily="34" charset="-128"/>
-                        </a:rPr>
-                        <a:t>Advisor</a:t>
-                      </a:r>
-                      <a:r>
-                        <a:rPr dirty="0">
-                          <a:solidFill>
-                            <a:srgbClr val="191164"/>
-                          </a:solidFill>
-                          <a:uFill>
-                            <a:solidFill/>
-                          </a:uFill>
-                          <a:latin typeface="Arial Unicode MS" panose="020B0604020202020204" pitchFamily="34" charset="-128"/>
-                        </a:rPr>
-                        <a:t> 2</a:t>
-                      </a:r>
-                    </a:p>
-                  </a:txBody>
-                  <a:tcPr marL="63500" marR="63500" marT="63500" marB="63500" horzOverflow="overflow">
-                    <a:lnL w="12700">
-                      <a:miter lim="400000"/>
-                    </a:lnL>
-                    <a:lnR w="12700">
-                      <a:miter lim="400000"/>
-                    </a:lnR>
-                    <a:lnT w="12700">
-                      <a:miter lim="400000"/>
-                    </a:lnT>
-                    <a:lnB w="12700">
-                      <a:miter lim="400000"/>
-                    </a:lnB>
-                  </a:tcPr>
-                </a:tc>
-                <a:extLst>
-                  <a:ext uri="{0D108BD9-81ED-4DB2-BD59-A6C34878D82A}">
-                    <a16:rowId xmlns:a16="http://schemas.microsoft.com/office/drawing/2014/main" val="10002"/>
-                  </a:ext>
-                </a:extLst>
-              </a:tr>
-            </a:tbl>
-          </a:graphicData>
-        </a:graphic>
-      </p:graphicFrame>
-      <p:sp>
-        <p:nvSpPr>
-          <p:cNvPr id="11" name="Shape 389">
-            <a:extLst>
-              <a:ext uri="{FF2B5EF4-FFF2-40B4-BE49-F238E27FC236}">
-                <a16:creationId xmlns:a16="http://schemas.microsoft.com/office/drawing/2014/main" id="{04F871F4-4396-48B1-BC01-85A499F15EBB}"/>
-              </a:ext>
-            </a:extLst>
-          </p:cNvPr>
-          <p:cNvSpPr/>
-          <p:nvPr/>
-        </p:nvSpPr>
-        <p:spPr>
-          <a:xfrm flipV="1">
-            <a:off x="3868615" y="3502881"/>
-            <a:ext cx="1005065" cy="0"/>
-          </a:xfrm>
-          <a:prstGeom prst="line">
-            <a:avLst/>
-          </a:prstGeom>
-          <a:ln w="25400">
-            <a:solidFill>
-              <a:srgbClr val="CCCC00"/>
-            </a:solidFill>
-            <a:round/>
-          </a:ln>
-          <a:effectLst>
-            <a:outerShdw blurRad="38100" dist="20000" dir="5400000" rotWithShape="0">
-              <a:srgbClr val="000000">
-                <a:alpha val="38000"/>
-              </a:srgbClr>
-            </a:outerShdw>
-          </a:effectLst>
-        </p:spPr>
-        <p:txBody>
-          <a:bodyPr lIns="45719" rIns="45719"/>
-          <a:lstStyle/>
-          <a:p>
-            <a:pPr lvl="0" defTabSz="457200">
-              <a:defRPr sz="1200">
-                <a:solidFill>
-                  <a:srgbClr val="000000"/>
-                </a:solidFill>
-                <a:uFillTx/>
-                <a:latin typeface="+mj-lt"/>
-                <a:ea typeface="+mj-ea"/>
-                <a:cs typeface="+mj-cs"/>
-                <a:sym typeface="Helvetica"/>
-              </a:defRPr>
-            </a:pPr>
-            <a:endParaRPr dirty="0">
-              <a:solidFill>
-                <a:schemeClr val="tx1"/>
-              </a:solidFill>
-              <a:latin typeface="Arial Unicode MS" panose="020B0604020202020204" pitchFamily="34" charset="-128"/>
-              <a:ea typeface="Arial Unicode MS" panose="020B0604020202020204" pitchFamily="34" charset="-128"/>
-              <a:cs typeface="Arial Unicode MS" panose="020B0604020202020204" pitchFamily="34" charset="-128"/>
-            </a:endParaRPr>
-          </a:p>
-        </p:txBody>
-      </p:sp>
-      <p:sp>
-        <p:nvSpPr>
-          <p:cNvPr id="12" name="Shape 389">
-            <a:extLst>
-              <a:ext uri="{FF2B5EF4-FFF2-40B4-BE49-F238E27FC236}">
-                <a16:creationId xmlns:a16="http://schemas.microsoft.com/office/drawing/2014/main" id="{216561E7-5305-4790-8A3A-F611D3A5F31D}"/>
-              </a:ext>
-            </a:extLst>
-          </p:cNvPr>
-          <p:cNvSpPr/>
-          <p:nvPr/>
-        </p:nvSpPr>
-        <p:spPr>
-          <a:xfrm>
-            <a:off x="3868614" y="3519742"/>
-            <a:ext cx="1003112" cy="392748"/>
-          </a:xfrm>
-          <a:prstGeom prst="line">
-            <a:avLst/>
-          </a:prstGeom>
-          <a:ln w="25400">
-            <a:solidFill>
-              <a:srgbClr val="CCCC00"/>
-            </a:solidFill>
-            <a:round/>
-          </a:ln>
-          <a:effectLst>
-            <a:outerShdw blurRad="38100" dist="20000" dir="5400000" rotWithShape="0">
-              <a:srgbClr val="000000">
-                <a:alpha val="38000"/>
-              </a:srgbClr>
-            </a:outerShdw>
-          </a:effectLst>
-        </p:spPr>
-        <p:txBody>
-          <a:bodyPr lIns="45719" rIns="45719"/>
-          <a:lstStyle/>
-          <a:p>
-            <a:pPr lvl="0" defTabSz="457200">
-              <a:defRPr sz="1200">
-                <a:solidFill>
-                  <a:srgbClr val="000000"/>
-                </a:solidFill>
-                <a:uFillTx/>
-                <a:latin typeface="+mj-lt"/>
-                <a:ea typeface="+mj-ea"/>
-                <a:cs typeface="+mj-cs"/>
-                <a:sym typeface="Helvetica"/>
-              </a:defRPr>
-            </a:pPr>
-            <a:endParaRPr dirty="0">
-              <a:solidFill>
-                <a:schemeClr val="tx1"/>
-              </a:solidFill>
-              <a:latin typeface="Arial Unicode MS" panose="020B0604020202020204" pitchFamily="34" charset="-128"/>
-              <a:ea typeface="Arial Unicode MS" panose="020B0604020202020204" pitchFamily="34" charset="-128"/>
-              <a:cs typeface="Arial Unicode MS" panose="020B0604020202020204" pitchFamily="34" charset="-128"/>
-            </a:endParaRPr>
-          </a:p>
-        </p:txBody>
-      </p:sp>
-      <p:sp>
-        <p:nvSpPr>
-          <p:cNvPr id="13" name="Shape 390">
-            <a:extLst>
-              <a:ext uri="{FF2B5EF4-FFF2-40B4-BE49-F238E27FC236}">
-                <a16:creationId xmlns:a16="http://schemas.microsoft.com/office/drawing/2014/main" id="{62D2688D-4473-4BB0-AD03-9D1671469D84}"/>
-              </a:ext>
-            </a:extLst>
-          </p:cNvPr>
-          <p:cNvSpPr/>
-          <p:nvPr/>
-        </p:nvSpPr>
-        <p:spPr>
-          <a:xfrm>
-            <a:off x="3866660" y="4009369"/>
-            <a:ext cx="1005066" cy="457126"/>
-          </a:xfrm>
-          <a:prstGeom prst="line">
-            <a:avLst/>
-          </a:prstGeom>
-          <a:ln w="25400">
-            <a:solidFill>
-              <a:srgbClr val="CCCC00"/>
-            </a:solidFill>
-            <a:round/>
-          </a:ln>
-          <a:effectLst>
-            <a:outerShdw blurRad="38100" dist="20000" dir="5400000" rotWithShape="0">
-              <a:srgbClr val="000000">
-                <a:alpha val="38000"/>
-              </a:srgbClr>
-            </a:outerShdw>
-          </a:effectLst>
-        </p:spPr>
-        <p:txBody>
-          <a:bodyPr lIns="45719" rIns="45719"/>
-          <a:lstStyle/>
-          <a:p>
-            <a:pPr lvl="0" defTabSz="457200">
-              <a:defRPr sz="1200">
-                <a:solidFill>
-                  <a:srgbClr val="000000"/>
-                </a:solidFill>
-                <a:uFillTx/>
-                <a:latin typeface="+mj-lt"/>
-                <a:ea typeface="+mj-ea"/>
-                <a:cs typeface="+mj-cs"/>
-                <a:sym typeface="Helvetica"/>
-              </a:defRPr>
-            </a:pPr>
-            <a:endParaRPr dirty="0">
-              <a:solidFill>
-                <a:schemeClr val="tx1"/>
-              </a:solidFill>
-              <a:latin typeface="Arial Unicode MS" panose="020B0604020202020204" pitchFamily="34" charset="-128"/>
-              <a:ea typeface="Arial Unicode MS" panose="020B0604020202020204" pitchFamily="34" charset="-128"/>
-              <a:cs typeface="Arial Unicode MS" panose="020B0604020202020204" pitchFamily="34" charset="-128"/>
-            </a:endParaRPr>
-          </a:p>
-        </p:txBody>
-      </p:sp>
-      <p:sp>
-        <p:nvSpPr>
-          <p:cNvPr id="14" name="Shape 390">
-            <a:extLst>
-              <a:ext uri="{FF2B5EF4-FFF2-40B4-BE49-F238E27FC236}">
-                <a16:creationId xmlns:a16="http://schemas.microsoft.com/office/drawing/2014/main" id="{D251F39D-756E-4D9E-B629-2BCCD21B1620}"/>
-              </a:ext>
-            </a:extLst>
-          </p:cNvPr>
-          <p:cNvSpPr/>
-          <p:nvPr/>
-        </p:nvSpPr>
-        <p:spPr>
-          <a:xfrm>
-            <a:off x="6319716" y="3912497"/>
-            <a:ext cx="1233854" cy="511568"/>
-          </a:xfrm>
-          <a:prstGeom prst="line">
-            <a:avLst/>
-          </a:prstGeom>
-          <a:ln w="25400">
-            <a:solidFill>
-              <a:srgbClr val="CCCC00"/>
-            </a:solidFill>
-            <a:round/>
-          </a:ln>
-          <a:effectLst>
-            <a:outerShdw blurRad="38100" dist="20000" dir="5400000" rotWithShape="0">
-              <a:srgbClr val="000000">
-                <a:alpha val="38000"/>
-              </a:srgbClr>
-            </a:outerShdw>
-          </a:effectLst>
-        </p:spPr>
-        <p:txBody>
-          <a:bodyPr lIns="45719" rIns="45719"/>
-          <a:lstStyle/>
-          <a:p>
-            <a:pPr lvl="0" defTabSz="457200">
-              <a:defRPr sz="1200">
-                <a:solidFill>
-                  <a:srgbClr val="000000"/>
-                </a:solidFill>
-                <a:uFillTx/>
-                <a:latin typeface="+mj-lt"/>
-                <a:ea typeface="+mj-ea"/>
-                <a:cs typeface="+mj-cs"/>
-                <a:sym typeface="Helvetica"/>
-              </a:defRPr>
-            </a:pPr>
-            <a:endParaRPr dirty="0">
-              <a:solidFill>
-                <a:schemeClr val="tx1"/>
-              </a:solidFill>
-              <a:latin typeface="Arial Unicode MS" panose="020B0604020202020204" pitchFamily="34" charset="-128"/>
-              <a:ea typeface="Arial Unicode MS" panose="020B0604020202020204" pitchFamily="34" charset="-128"/>
-              <a:cs typeface="Arial Unicode MS" panose="020B0604020202020204" pitchFamily="34" charset="-128"/>
-            </a:endParaRPr>
-          </a:p>
-        </p:txBody>
-      </p:sp>
-      <p:graphicFrame>
-        <p:nvGraphicFramePr>
-          <p:cNvPr id="15" name="Table 386">
-            <a:extLst>
-              <a:ext uri="{FF2B5EF4-FFF2-40B4-BE49-F238E27FC236}">
-                <a16:creationId xmlns:a16="http://schemas.microsoft.com/office/drawing/2014/main" id="{165864C3-56EF-4825-B8D1-09DF5F0C0486}"/>
-              </a:ext>
-            </a:extLst>
-          </p:cNvPr>
-          <p:cNvGraphicFramePr/>
-          <p:nvPr>
-            <p:extLst/>
-          </p:nvPr>
-        </p:nvGraphicFramePr>
-        <p:xfrm>
-          <a:off x="353123" y="2825448"/>
-          <a:ext cx="1455489" cy="1400559"/>
-        </p:xfrm>
-        <a:graphic>
-          <a:graphicData uri="http://schemas.openxmlformats.org/drawingml/2006/table">
-            <a:tbl>
-              <a:tblPr firstRow="1" bandRow="1">
-                <a:tableStyleId>{4C3C2611-4C71-4FC5-86AE-919BDF0F9419}</a:tableStyleId>
-              </a:tblPr>
-              <a:tblGrid>
-                <a:gridCol w="1455489">
-                  <a:extLst>
-                    <a:ext uri="{9D8B030D-6E8A-4147-A177-3AD203B41FA5}">
-                      <a16:colId xmlns:a16="http://schemas.microsoft.com/office/drawing/2014/main" val="20000"/>
-                    </a:ext>
-                  </a:extLst>
-                </a:gridCol>
-              </a:tblGrid>
-              <a:tr h="473459">
-                <a:tc>
-                  <a:txBody>
-                    <a:bodyPr/>
-                    <a:lstStyle/>
-                    <a:p>
-                      <a:pPr lvl="0" algn="l">
-                        <a:spcBef>
-                          <a:spcPts val="500"/>
-                        </a:spcBef>
-                        <a:defRPr sz="1800" b="0" i="0">
-                          <a:solidFill>
-                            <a:srgbClr val="000000"/>
-                          </a:solidFill>
-                          <a:uFillTx/>
-                        </a:defRPr>
-                      </a:pPr>
-                      <a:r>
-                        <a:rPr lang="en-US" sz="2200" b="1" i="1" dirty="0">
-                          <a:solidFill>
-                            <a:srgbClr val="FFFFFF"/>
-                          </a:solidFill>
-                          <a:uFill>
-                            <a:solidFill>
-                              <a:srgbClr val="FFFFFF"/>
-                            </a:solidFill>
-                          </a:uFill>
-                          <a:latin typeface="Arial Unicode MS" panose="020B0604020202020204" pitchFamily="34" charset="-128"/>
-                        </a:rPr>
-                        <a:t>Office</a:t>
-                      </a:r>
-                      <a:endParaRPr sz="2200" b="1" i="1" dirty="0">
-                        <a:solidFill>
-                          <a:srgbClr val="FFFFFF"/>
-                        </a:solidFill>
-                        <a:uFill>
-                          <a:solidFill>
-                            <a:srgbClr val="FFFFFF"/>
-                          </a:solidFill>
-                        </a:uFill>
-                        <a:latin typeface="Arial Unicode MS" panose="020B0604020202020204" pitchFamily="34" charset="-128"/>
-                      </a:endParaRPr>
-                    </a:p>
-                  </a:txBody>
-                  <a:tcPr marL="63500" marR="63500" marT="63500" marB="63500" horzOverflow="overflow">
-                    <a:lnL w="12700">
-                      <a:miter lim="400000"/>
-                    </a:lnL>
-                    <a:lnR w="12700">
-                      <a:miter lim="400000"/>
-                    </a:lnR>
-                    <a:lnT w="12700">
-                      <a:miter lim="400000"/>
-                    </a:lnT>
-                    <a:lnB w="12700">
-                      <a:miter lim="400000"/>
-                    </a:lnB>
-                  </a:tcPr>
-                </a:tc>
-                <a:extLst>
-                  <a:ext uri="{0D108BD9-81ED-4DB2-BD59-A6C34878D82A}">
-                    <a16:rowId xmlns:a16="http://schemas.microsoft.com/office/drawing/2014/main" val="10000"/>
-                  </a:ext>
-                </a:extLst>
-              </a:tr>
-              <a:tr h="469900">
-                <a:tc>
-                  <a:txBody>
-                    <a:bodyPr/>
-                    <a:lstStyle/>
-                    <a:p>
-                      <a:pPr lvl="0" algn="ctr">
-                        <a:defRPr sz="1800">
-                          <a:solidFill>
-                            <a:srgbClr val="000000"/>
-                          </a:solidFill>
-                          <a:uFillTx/>
-                        </a:defRPr>
-                      </a:pPr>
-                      <a:r>
-                        <a:rPr lang="en-US" dirty="0">
-                          <a:solidFill>
-                            <a:srgbClr val="191164"/>
-                          </a:solidFill>
-                          <a:uFill>
-                            <a:solidFill/>
-                          </a:uFill>
-                          <a:latin typeface="Arial Unicode MS" panose="020B0604020202020204" pitchFamily="34" charset="-128"/>
-                        </a:rPr>
-                        <a:t>Office</a:t>
-                      </a:r>
-                      <a:r>
-                        <a:rPr dirty="0">
-                          <a:solidFill>
-                            <a:srgbClr val="191164"/>
-                          </a:solidFill>
-                          <a:uFill>
-                            <a:solidFill/>
-                          </a:uFill>
-                          <a:latin typeface="Arial Unicode MS" panose="020B0604020202020204" pitchFamily="34" charset="-128"/>
-                        </a:rPr>
-                        <a:t> 1</a:t>
-                      </a:r>
-                    </a:p>
-                  </a:txBody>
-                  <a:tcPr marL="63500" marR="63500" marT="63500" marB="63500" horzOverflow="overflow">
-                    <a:lnL w="12700">
-                      <a:miter lim="400000"/>
-                    </a:lnL>
-                    <a:lnR w="12700">
-                      <a:miter lim="400000"/>
-                    </a:lnR>
-                    <a:lnT w="12700">
-                      <a:miter lim="400000"/>
-                    </a:lnT>
-                    <a:lnB w="12700">
-                      <a:miter lim="400000"/>
-                    </a:lnB>
-                  </a:tcPr>
-                </a:tc>
-                <a:extLst>
-                  <a:ext uri="{0D108BD9-81ED-4DB2-BD59-A6C34878D82A}">
-                    <a16:rowId xmlns:a16="http://schemas.microsoft.com/office/drawing/2014/main" val="10001"/>
-                  </a:ext>
-                </a:extLst>
-              </a:tr>
-              <a:tr h="457200">
-                <a:tc>
-                  <a:txBody>
-                    <a:bodyPr/>
-                    <a:lstStyle/>
-                    <a:p>
-                      <a:pPr lvl="0" algn="ctr">
-                        <a:defRPr sz="1800">
-                          <a:solidFill>
-                            <a:srgbClr val="000000"/>
-                          </a:solidFill>
-                          <a:uFillTx/>
-                        </a:defRPr>
-                      </a:pPr>
-                      <a:r>
-                        <a:rPr lang="en-US" dirty="0">
-                          <a:solidFill>
-                            <a:srgbClr val="191164"/>
-                          </a:solidFill>
-                          <a:uFill>
-                            <a:solidFill/>
-                          </a:uFill>
-                          <a:latin typeface="Arial Unicode MS" panose="020B0604020202020204" pitchFamily="34" charset="-128"/>
-                        </a:rPr>
-                        <a:t>Office</a:t>
-                      </a:r>
-                      <a:r>
-                        <a:rPr dirty="0">
-                          <a:solidFill>
-                            <a:srgbClr val="191164"/>
-                          </a:solidFill>
-                          <a:uFill>
-                            <a:solidFill/>
-                          </a:uFill>
-                          <a:latin typeface="Arial Unicode MS" panose="020B0604020202020204" pitchFamily="34" charset="-128"/>
-                        </a:rPr>
-                        <a:t> 2</a:t>
-                      </a:r>
-                    </a:p>
-                  </a:txBody>
-                  <a:tcPr marL="63500" marR="63500" marT="63500" marB="63500" horzOverflow="overflow">
-                    <a:lnL w="12700">
-                      <a:miter lim="400000"/>
-                    </a:lnL>
-                    <a:lnR w="12700">
-                      <a:miter lim="400000"/>
-                    </a:lnR>
-                    <a:lnT w="12700">
-                      <a:miter lim="400000"/>
-                    </a:lnT>
-                    <a:lnB w="12700">
-                      <a:miter lim="400000"/>
-                    </a:lnB>
-                  </a:tcPr>
-                </a:tc>
-                <a:extLst>
-                  <a:ext uri="{0D108BD9-81ED-4DB2-BD59-A6C34878D82A}">
-                    <a16:rowId xmlns:a16="http://schemas.microsoft.com/office/drawing/2014/main" val="10002"/>
-                  </a:ext>
-                </a:extLst>
-              </a:tr>
-            </a:tbl>
-          </a:graphicData>
-        </a:graphic>
-      </p:graphicFrame>
-      <p:sp>
-        <p:nvSpPr>
-          <p:cNvPr id="16" name="Shape 389">
-            <a:extLst>
-              <a:ext uri="{FF2B5EF4-FFF2-40B4-BE49-F238E27FC236}">
-                <a16:creationId xmlns:a16="http://schemas.microsoft.com/office/drawing/2014/main" id="{6A190AC4-DD38-4975-88B2-F17DA80C9289}"/>
-              </a:ext>
-            </a:extLst>
-          </p:cNvPr>
-          <p:cNvSpPr/>
-          <p:nvPr/>
-        </p:nvSpPr>
-        <p:spPr>
-          <a:xfrm>
-            <a:off x="1808612" y="3482253"/>
-            <a:ext cx="613177" cy="20627"/>
-          </a:xfrm>
-          <a:prstGeom prst="line">
-            <a:avLst/>
-          </a:prstGeom>
-          <a:ln w="25400">
-            <a:solidFill>
-              <a:srgbClr val="CCCC00"/>
-            </a:solidFill>
-            <a:round/>
-          </a:ln>
-          <a:effectLst>
-            <a:outerShdw blurRad="38100" dist="20000" dir="5400000" rotWithShape="0">
-              <a:srgbClr val="000000">
-                <a:alpha val="38000"/>
-              </a:srgbClr>
-            </a:outerShdw>
-          </a:effectLst>
-        </p:spPr>
-        <p:txBody>
-          <a:bodyPr lIns="45719" rIns="45719"/>
-          <a:lstStyle/>
-          <a:p>
-            <a:pPr lvl="0" defTabSz="457200">
-              <a:defRPr sz="1200">
-                <a:solidFill>
-                  <a:srgbClr val="000000"/>
-                </a:solidFill>
-                <a:uFillTx/>
-                <a:latin typeface="+mj-lt"/>
-                <a:ea typeface="+mj-ea"/>
-                <a:cs typeface="+mj-cs"/>
-                <a:sym typeface="Helvetica"/>
-              </a:defRPr>
-            </a:pPr>
-            <a:endParaRPr dirty="0">
-              <a:solidFill>
-                <a:schemeClr val="tx1"/>
-              </a:solidFill>
-              <a:latin typeface="Arial Unicode MS" panose="020B0604020202020204" pitchFamily="34" charset="-128"/>
-              <a:ea typeface="Arial Unicode MS" panose="020B0604020202020204" pitchFamily="34" charset="-128"/>
-              <a:cs typeface="Arial Unicode MS" panose="020B0604020202020204" pitchFamily="34" charset="-128"/>
-            </a:endParaRPr>
-          </a:p>
-        </p:txBody>
-      </p:sp>
-      <p:sp>
-        <p:nvSpPr>
-          <p:cNvPr id="17" name="Shape 389">
-            <a:extLst>
-              <a:ext uri="{FF2B5EF4-FFF2-40B4-BE49-F238E27FC236}">
-                <a16:creationId xmlns:a16="http://schemas.microsoft.com/office/drawing/2014/main" id="{B82D63E9-9F3C-4E4A-A79F-3F157B4E6B00}"/>
-              </a:ext>
-            </a:extLst>
-          </p:cNvPr>
-          <p:cNvSpPr/>
-          <p:nvPr/>
-        </p:nvSpPr>
-        <p:spPr>
-          <a:xfrm>
-            <a:off x="1808612" y="3961602"/>
-            <a:ext cx="613177" cy="20627"/>
-          </a:xfrm>
-          <a:prstGeom prst="line">
-            <a:avLst/>
-          </a:prstGeom>
-          <a:ln w="25400">
-            <a:solidFill>
-              <a:srgbClr val="CCCC00"/>
-            </a:solidFill>
-            <a:round/>
-          </a:ln>
-          <a:effectLst>
-            <a:outerShdw blurRad="38100" dist="20000" dir="5400000" rotWithShape="0">
-              <a:srgbClr val="000000">
-                <a:alpha val="38000"/>
-              </a:srgbClr>
-            </a:outerShdw>
-          </a:effectLst>
-        </p:spPr>
-        <p:txBody>
-          <a:bodyPr lIns="45719" rIns="45719"/>
-          <a:lstStyle/>
-          <a:p>
-            <a:pPr lvl="0" defTabSz="457200">
-              <a:defRPr sz="1200">
-                <a:solidFill>
-                  <a:srgbClr val="000000"/>
-                </a:solidFill>
-                <a:uFillTx/>
-                <a:latin typeface="+mj-lt"/>
-                <a:ea typeface="+mj-ea"/>
-                <a:cs typeface="+mj-cs"/>
-                <a:sym typeface="Helvetica"/>
-              </a:defRPr>
-            </a:pPr>
-            <a:endParaRPr dirty="0">
-              <a:solidFill>
-                <a:schemeClr val="tx1"/>
-              </a:solidFill>
-              <a:latin typeface="Arial Unicode MS" panose="020B0604020202020204" pitchFamily="34" charset="-128"/>
-              <a:ea typeface="Arial Unicode MS" panose="020B0604020202020204" pitchFamily="34" charset="-128"/>
-              <a:cs typeface="Arial Unicode MS" panose="020B0604020202020204" pitchFamily="34" charset="-128"/>
-            </a:endParaRPr>
-          </a:p>
-        </p:txBody>
-      </p:sp>
-    </p:spTree>
-    <p:extLst>
-      <p:ext uri="{BB962C8B-B14F-4D97-AF65-F5344CB8AC3E}">
-        <p14:creationId xmlns:p14="http://schemas.microsoft.com/office/powerpoint/2010/main" val="2397910232"/>
-      </p:ext>
-    </p:extLst>
-  </p:cSld>
-  <p:clrMapOvr>
-    <a:masterClrMapping/>
-  </p:clrMapOvr>
-  <p:transition spd="med"/>
-  <p:timing>
-    <p:tnLst>
-      <p:par>
-        <p:cTn id="1" dur="indefinite" restart="never" fill="hold" nodeType="tmRoot">
-          <p:childTnLst>
-            <p:seq concurrent="1" prevAc="none" nextAc="seek">
-              <p:cTn id="2" dur="indefinite" fill="hold" nodeType="mainSeq">
-                <p:childTnLst>
-                  <p:par>
-                    <p:cTn id="3" fill="hold">
-                      <p:stCondLst>
-                        <p:cond delay="indefinite"/>
-                      </p:stCondLst>
-                      <p:childTnLst>
-                        <p:par>
-                          <p:cTn id="4" fill="hold">
-                            <p:stCondLst>
-                              <p:cond delay="0"/>
-                            </p:stCondLst>
-                            <p:childTnLst>
-                              <p:par>
-                                <p:cTn id="5" presetID="9" presetClass="entr" presetSubtype="16" fill="hold" grpId="0" nodeType="clickEffect">
-                                  <p:stCondLst>
-                                    <p:cond delay="0"/>
-                                  </p:stCondLst>
-                                  <p:iterate>
-                                    <p:tmAbs val="0"/>
-                                  </p:iterate>
-                                  <p:childTnLst>
-                                    <p:set>
-                                      <p:cBhvr>
-                                        <p:cTn id="6" fill="hold"/>
-                                        <p:tgtEl>
-                                          <p:spTgt spid="388"/>
-                                        </p:tgtEl>
-                                        <p:attrNameLst>
-                                          <p:attrName>style.visibility</p:attrName>
-                                        </p:attrNameLst>
-                                      </p:cBhvr>
-                                      <p:to>
-                                        <p:strVal val="visible"/>
-                                      </p:to>
-                                    </p:set>
-                                    <p:animEffect transition="in" filter="dissolve(in)">
-                                      <p:cBhvr>
-                                        <p:cTn id="7" dur="750"/>
-                                        <p:tgtEl>
-                                          <p:spTgt spid="388"/>
-                                        </p:tgtEl>
-                                      </p:cBhvr>
-                                    </p:animEffect>
-                                  </p:childTnLst>
-                                </p:cTn>
-                              </p:par>
-                            </p:childTnLst>
-                          </p:cTn>
-                        </p:par>
-                      </p:childTnLst>
-                    </p:cTn>
-                  </p:par>
-                  <p:par>
-                    <p:cTn id="8" fill="hold">
-                      <p:stCondLst>
-                        <p:cond delay="indefinite"/>
-                      </p:stCondLst>
-                      <p:childTnLst>
-                        <p:par>
-                          <p:cTn id="9" fill="hold">
-                            <p:stCondLst>
-                              <p:cond delay="0"/>
-                            </p:stCondLst>
-                            <p:childTnLst>
-                              <p:par>
-                                <p:cTn id="10" presetID="9" presetClass="entr" presetSubtype="16" fill="hold" grpId="0" nodeType="clickEffect">
-                                  <p:stCondLst>
-                                    <p:cond delay="0"/>
-                                  </p:stCondLst>
-                                  <p:iterate>
-                                    <p:tmAbs val="0"/>
-                                  </p:iterate>
-                                  <p:childTnLst>
-                                    <p:set>
-                                      <p:cBhvr>
-                                        <p:cTn id="11" fill="hold"/>
-                                        <p:tgtEl>
-                                          <p:spTgt spid="389"/>
-                                        </p:tgtEl>
-                                        <p:attrNameLst>
-                                          <p:attrName>style.visibility</p:attrName>
-                                        </p:attrNameLst>
-                                      </p:cBhvr>
-                                      <p:to>
-                                        <p:strVal val="visible"/>
-                                      </p:to>
-                                    </p:set>
-                                    <p:animEffect transition="in" filter="dissolve(in)">
-                                      <p:cBhvr>
-                                        <p:cTn id="12" dur="750"/>
-                                        <p:tgtEl>
-                                          <p:spTgt spid="389"/>
-                                        </p:tgtEl>
-                                      </p:cBhvr>
-                                    </p:animEffect>
-                                  </p:childTnLst>
-                                </p:cTn>
-                              </p:par>
-                            </p:childTnLst>
-                          </p:cTn>
-                        </p:par>
-                      </p:childTnLst>
-                    </p:cTn>
-                  </p:par>
-                  <p:par>
-                    <p:cTn id="13" fill="hold">
-                      <p:stCondLst>
-                        <p:cond delay="indefinite"/>
-                      </p:stCondLst>
-                      <p:childTnLst>
-                        <p:par>
-                          <p:cTn id="14" fill="hold">
-                            <p:stCondLst>
-                              <p:cond delay="0"/>
-                            </p:stCondLst>
-                            <p:childTnLst>
-                              <p:par>
-                                <p:cTn id="15" presetID="9" presetClass="entr" presetSubtype="16" fill="hold" grpId="0" nodeType="clickEffect">
-                                  <p:stCondLst>
-                                    <p:cond delay="0"/>
-                                  </p:stCondLst>
-                                  <p:iterate>
-                                    <p:tmAbs val="0"/>
-                                  </p:iterate>
-                                  <p:childTnLst>
-                                    <p:set>
-                                      <p:cBhvr>
-                                        <p:cTn id="16" fill="hold"/>
-                                        <p:tgtEl>
-                                          <p:spTgt spid="390"/>
-                                        </p:tgtEl>
-                                        <p:attrNameLst>
-                                          <p:attrName>style.visibility</p:attrName>
-                                        </p:attrNameLst>
-                                      </p:cBhvr>
-                                      <p:to>
-                                        <p:strVal val="visible"/>
-                                      </p:to>
-                                    </p:set>
-                                    <p:animEffect transition="in" filter="dissolve(in)">
-                                      <p:cBhvr>
-                                        <p:cTn id="17" dur="750"/>
-                                        <p:tgtEl>
-                                          <p:spTgt spid="390"/>
-                                        </p:tgtEl>
-                                      </p:cBhvr>
-                                    </p:animEffect>
-                                  </p:childTnLst>
-                                </p:cTn>
-                              </p:par>
-                            </p:childTnLst>
-                          </p:cTn>
-                        </p:par>
-                      </p:childTnLst>
-                    </p:cTn>
-                  </p:par>
-                  <p:par>
-                    <p:cTn id="18" fill="hold">
-                      <p:stCondLst>
-                        <p:cond delay="indefinite"/>
-                      </p:stCondLst>
-                      <p:childTnLst>
-                        <p:par>
-                          <p:cTn id="19" fill="hold">
-                            <p:stCondLst>
-                              <p:cond delay="0"/>
-                            </p:stCondLst>
-                            <p:childTnLst>
-                              <p:par>
-                                <p:cTn id="20" presetID="9" presetClass="entr" presetSubtype="16" fill="hold" grpId="0" nodeType="clickEffect">
-                                  <p:stCondLst>
-                                    <p:cond delay="0"/>
-                                  </p:stCondLst>
-                                  <p:iterate>
-                                    <p:tmAbs val="0"/>
-                                  </p:iterate>
-                                  <p:childTnLst>
-                                    <p:set>
-                                      <p:cBhvr>
-                                        <p:cTn id="21" fill="hold"/>
-                                        <p:tgtEl>
-                                          <p:spTgt spid="391"/>
-                                        </p:tgtEl>
-                                        <p:attrNameLst>
-                                          <p:attrName>style.visibility</p:attrName>
-                                        </p:attrNameLst>
-                                      </p:cBhvr>
-                                      <p:to>
-                                        <p:strVal val="visible"/>
-                                      </p:to>
-                                    </p:set>
-                                    <p:animEffect transition="in" filter="dissolve(in)">
-                                      <p:cBhvr>
-                                        <p:cTn id="22" dur="750"/>
-                                        <p:tgtEl>
-                                          <p:spTgt spid="391"/>
-                                        </p:tgtEl>
-                                      </p:cBhvr>
-                                    </p:animEffect>
-                                  </p:childTnLst>
-                                </p:cTn>
-                              </p:par>
-                            </p:childTnLst>
-                          </p:cTn>
-                        </p:par>
-                      </p:childTnLst>
-                    </p:cTn>
-                  </p:par>
-                  <p:par>
-                    <p:cTn id="23" fill="hold">
-                      <p:stCondLst>
-                        <p:cond delay="indefinite"/>
-                      </p:stCondLst>
-                      <p:childTnLst>
-                        <p:par>
-                          <p:cTn id="24" fill="hold">
-                            <p:stCondLst>
-                              <p:cond delay="0"/>
-                            </p:stCondLst>
-                            <p:childTnLst>
-                              <p:par>
-                                <p:cTn id="25" presetID="9" presetClass="entr" presetSubtype="16" fill="hold" grpId="0" nodeType="clickEffect">
-                                  <p:stCondLst>
-                                    <p:cond delay="0"/>
-                                  </p:stCondLst>
-                                  <p:iterate>
-                                    <p:tmAbs val="0"/>
-                                  </p:iterate>
-                                  <p:childTnLst>
-                                    <p:set>
-                                      <p:cBhvr>
-                                        <p:cTn id="26" fill="hold"/>
-                                        <p:tgtEl>
-                                          <p:spTgt spid="11"/>
-                                        </p:tgtEl>
-                                        <p:attrNameLst>
-                                          <p:attrName>style.visibility</p:attrName>
-                                        </p:attrNameLst>
-                                      </p:cBhvr>
-                                      <p:to>
-                                        <p:strVal val="visible"/>
-                                      </p:to>
-                                    </p:set>
-                                    <p:animEffect transition="in" filter="dissolve(in)">
-                                      <p:cBhvr>
-                                        <p:cTn id="27" dur="750"/>
-                                        <p:tgtEl>
-                                          <p:spTgt spid="11"/>
-                                        </p:tgtEl>
-                                      </p:cBhvr>
-                                    </p:animEffect>
-                                  </p:childTnLst>
-                                </p:cTn>
-                              </p:par>
-                            </p:childTnLst>
-                          </p:cTn>
-                        </p:par>
-                      </p:childTnLst>
-                    </p:cTn>
-                  </p:par>
-                  <p:par>
-                    <p:cTn id="28" fill="hold">
-                      <p:stCondLst>
-                        <p:cond delay="indefinite"/>
-                      </p:stCondLst>
-                      <p:childTnLst>
-                        <p:par>
-                          <p:cTn id="29" fill="hold">
-                            <p:stCondLst>
-                              <p:cond delay="0"/>
-                            </p:stCondLst>
-                            <p:childTnLst>
-                              <p:par>
-                                <p:cTn id="30" presetID="9" presetClass="entr" presetSubtype="16" fill="hold" grpId="0" nodeType="clickEffect">
-                                  <p:stCondLst>
-                                    <p:cond delay="0"/>
-                                  </p:stCondLst>
-                                  <p:iterate>
-                                    <p:tmAbs val="0"/>
-                                  </p:iterate>
-                                  <p:childTnLst>
-                                    <p:set>
-                                      <p:cBhvr>
-                                        <p:cTn id="31" fill="hold"/>
-                                        <p:tgtEl>
-                                          <p:spTgt spid="12"/>
-                                        </p:tgtEl>
-                                        <p:attrNameLst>
-                                          <p:attrName>style.visibility</p:attrName>
-                                        </p:attrNameLst>
-                                      </p:cBhvr>
-                                      <p:to>
-                                        <p:strVal val="visible"/>
-                                      </p:to>
-                                    </p:set>
-                                    <p:animEffect transition="in" filter="dissolve(in)">
-                                      <p:cBhvr>
-                                        <p:cTn id="32" dur="750"/>
-                                        <p:tgtEl>
-                                          <p:spTgt spid="12"/>
-                                        </p:tgtEl>
-                                      </p:cBhvr>
-                                    </p:animEffect>
-                                  </p:childTnLst>
-                                </p:cTn>
-                              </p:par>
-                            </p:childTnLst>
-                          </p:cTn>
-                        </p:par>
-                      </p:childTnLst>
-                    </p:cTn>
-                  </p:par>
-                  <p:par>
-                    <p:cTn id="33" fill="hold">
-                      <p:stCondLst>
-                        <p:cond delay="indefinite"/>
-                      </p:stCondLst>
-                      <p:childTnLst>
-                        <p:par>
-                          <p:cTn id="34" fill="hold">
-                            <p:stCondLst>
-                              <p:cond delay="0"/>
-                            </p:stCondLst>
-                            <p:childTnLst>
-                              <p:par>
-                                <p:cTn id="35" presetID="9" presetClass="entr" presetSubtype="16" fill="hold" grpId="0" nodeType="clickEffect">
-                                  <p:stCondLst>
-                                    <p:cond delay="0"/>
-                                  </p:stCondLst>
-                                  <p:iterate>
-                                    <p:tmAbs val="0"/>
-                                  </p:iterate>
-                                  <p:childTnLst>
-                                    <p:set>
-                                      <p:cBhvr>
-                                        <p:cTn id="36" fill="hold"/>
-                                        <p:tgtEl>
-                                          <p:spTgt spid="13"/>
-                                        </p:tgtEl>
-                                        <p:attrNameLst>
-                                          <p:attrName>style.visibility</p:attrName>
-                                        </p:attrNameLst>
-                                      </p:cBhvr>
-                                      <p:to>
-                                        <p:strVal val="visible"/>
-                                      </p:to>
-                                    </p:set>
-                                    <p:animEffect transition="in" filter="dissolve(in)">
-                                      <p:cBhvr>
-                                        <p:cTn id="37" dur="750"/>
-                                        <p:tgtEl>
-                                          <p:spTgt spid="13"/>
-                                        </p:tgtEl>
-                                      </p:cBhvr>
-                                    </p:animEffect>
-                                  </p:childTnLst>
-                                </p:cTn>
-                              </p:par>
-                            </p:childTnLst>
-                          </p:cTn>
-                        </p:par>
-                      </p:childTnLst>
-                    </p:cTn>
-                  </p:par>
-                  <p:par>
-                    <p:cTn id="38" fill="hold">
-                      <p:stCondLst>
-                        <p:cond delay="indefinite"/>
-                      </p:stCondLst>
-                      <p:childTnLst>
-                        <p:par>
-                          <p:cTn id="39" fill="hold">
-                            <p:stCondLst>
-                              <p:cond delay="0"/>
-                            </p:stCondLst>
-                            <p:childTnLst>
-                              <p:par>
-                                <p:cTn id="40" presetID="9" presetClass="entr" presetSubtype="16" fill="hold" grpId="0" nodeType="clickEffect">
-                                  <p:stCondLst>
-                                    <p:cond delay="0"/>
-                                  </p:stCondLst>
-                                  <p:iterate>
-                                    <p:tmAbs val="0"/>
-                                  </p:iterate>
-                                  <p:childTnLst>
-                                    <p:set>
-                                      <p:cBhvr>
-                                        <p:cTn id="41" fill="hold"/>
-                                        <p:tgtEl>
-                                          <p:spTgt spid="14"/>
-                                        </p:tgtEl>
-                                        <p:attrNameLst>
-                                          <p:attrName>style.visibility</p:attrName>
-                                        </p:attrNameLst>
-                                      </p:cBhvr>
-                                      <p:to>
-                                        <p:strVal val="visible"/>
-                                      </p:to>
-                                    </p:set>
-                                    <p:animEffect transition="in" filter="dissolve(in)">
-                                      <p:cBhvr>
-                                        <p:cTn id="42" dur="750"/>
-                                        <p:tgtEl>
-                                          <p:spTgt spid="14"/>
-                                        </p:tgtEl>
-                                      </p:cBhvr>
-                                    </p:animEffect>
-                                  </p:childTnLst>
-                                </p:cTn>
-                              </p:par>
-                            </p:childTnLst>
-                          </p:cTn>
-                        </p:par>
-                      </p:childTnLst>
-                    </p:cTn>
-                  </p:par>
-                  <p:par>
-                    <p:cTn id="43" fill="hold">
-                      <p:stCondLst>
-                        <p:cond delay="indefinite"/>
-                      </p:stCondLst>
-                      <p:childTnLst>
-                        <p:par>
-                          <p:cTn id="44" fill="hold">
-                            <p:stCondLst>
-                              <p:cond delay="0"/>
-                            </p:stCondLst>
-                            <p:childTnLst>
-                              <p:par>
-                                <p:cTn id="45" presetID="9" presetClass="entr" presetSubtype="16" fill="hold" grpId="0" nodeType="clickEffect">
-                                  <p:stCondLst>
-                                    <p:cond delay="0"/>
-                                  </p:stCondLst>
-                                  <p:iterate>
-                                    <p:tmAbs val="0"/>
-                                  </p:iterate>
-                                  <p:childTnLst>
-                                    <p:set>
-                                      <p:cBhvr>
-                                        <p:cTn id="46" fill="hold"/>
-                                        <p:tgtEl>
-                                          <p:spTgt spid="16"/>
-                                        </p:tgtEl>
-                                        <p:attrNameLst>
-                                          <p:attrName>style.visibility</p:attrName>
-                                        </p:attrNameLst>
-                                      </p:cBhvr>
-                                      <p:to>
-                                        <p:strVal val="visible"/>
-                                      </p:to>
-                                    </p:set>
-                                    <p:animEffect transition="in" filter="dissolve(in)">
-                                      <p:cBhvr>
-                                        <p:cTn id="47" dur="750"/>
-                                        <p:tgtEl>
-                                          <p:spTgt spid="16"/>
-                                        </p:tgtEl>
-                                      </p:cBhvr>
-                                    </p:animEffect>
-                                  </p:childTnLst>
-                                </p:cTn>
-                              </p:par>
-                            </p:childTnLst>
-                          </p:cTn>
-                        </p:par>
-                      </p:childTnLst>
-                    </p:cTn>
-                  </p:par>
-                  <p:par>
-                    <p:cTn id="48" fill="hold">
-                      <p:stCondLst>
-                        <p:cond delay="indefinite"/>
-                      </p:stCondLst>
-                      <p:childTnLst>
-                        <p:par>
-                          <p:cTn id="49" fill="hold">
-                            <p:stCondLst>
-                              <p:cond delay="0"/>
-                            </p:stCondLst>
-                            <p:childTnLst>
-                              <p:par>
-                                <p:cTn id="50" presetID="9" presetClass="entr" presetSubtype="16" fill="hold" grpId="0" nodeType="clickEffect">
-                                  <p:stCondLst>
-                                    <p:cond delay="0"/>
-                                  </p:stCondLst>
-                                  <p:iterate>
-                                    <p:tmAbs val="0"/>
-                                  </p:iterate>
-                                  <p:childTnLst>
-                                    <p:set>
-                                      <p:cBhvr>
-                                        <p:cTn id="51" fill="hold"/>
-                                        <p:tgtEl>
-                                          <p:spTgt spid="17"/>
-                                        </p:tgtEl>
-                                        <p:attrNameLst>
-                                          <p:attrName>style.visibility</p:attrName>
-                                        </p:attrNameLst>
-                                      </p:cBhvr>
-                                      <p:to>
-                                        <p:strVal val="visible"/>
-                                      </p:to>
-                                    </p:set>
-                                    <p:animEffect transition="in" filter="dissolve(in)">
-                                      <p:cBhvr>
-                                        <p:cTn id="52" dur="750"/>
-                                        <p:tgtEl>
-                                          <p:spTgt spid="17"/>
-                                        </p:tgtEl>
-                                      </p:cBhvr>
-                                    </p:animEffect>
-                                  </p:childTnLst>
-                                </p:cTn>
-                              </p:par>
-                            </p:childTnLst>
-                          </p:cTn>
-                        </p:par>
-                      </p:childTnLst>
-                    </p:cTn>
-                  </p:par>
-                </p:childTnLst>
-              </p:cTn>
-              <p:prevCondLst>
-                <p:cond evt="onPrev" delay="0">
-                  <p:tgtEl>
-                    <p:sldTgt/>
-                  </p:tgtEl>
-                </p:cond>
-              </p:prevCondLst>
-              <p:nextCondLst>
-                <p:cond evt="onNext" delay="0">
-                  <p:tgtEl>
-                    <p:sldTgt/>
-                  </p:tgtEl>
-                </p:cond>
-              </p:nextCondLst>
-            </p:seq>
-          </p:childTnLst>
-        </p:cTn>
-      </p:par>
-    </p:tnLst>
-    <p:bldLst>
-      <p:bldP spid="388" grpId="0" animBg="1" advAuto="0"/>
-      <p:bldP spid="389" grpId="0" animBg="1" advAuto="0"/>
-      <p:bldP spid="390" grpId="0" animBg="1" advAuto="0"/>
-      <p:bldP spid="391" grpId="0" animBg="1" advAuto="0"/>
-      <p:bldP spid="11" grpId="0" animBg="1" advAuto="0"/>
-      <p:bldP spid="12" grpId="0" animBg="1" advAuto="0"/>
-      <p:bldP spid="13" grpId="0" animBg="1" advAuto="0"/>
-      <p:bldP spid="14" grpId="0" animBg="1" advAuto="0"/>
-      <p:bldP spid="16" grpId="0" animBg="1" advAuto="0"/>
-      <p:bldP spid="17" grpId="0" animBg="1" advAuto="0"/>
-    </p:bldLst>
-  </p:timing>
 </p:sld>
 </file>
 
